--- a/CS584_Team39_Presentation1_tjh.pptx
+++ b/CS584_Team39_Presentation1_tjh.pptx
@@ -11,17 +11,18 @@
     <p:sldId id="260" r:id="rId5"/>
     <p:sldId id="261" r:id="rId6"/>
     <p:sldId id="262" r:id="rId7"/>
-    <p:sldId id="263" r:id="rId8"/>
-    <p:sldId id="264" r:id="rId9"/>
-    <p:sldId id="265" r:id="rId10"/>
-    <p:sldId id="266" r:id="rId11"/>
-    <p:sldId id="267" r:id="rId12"/>
-    <p:sldId id="269" r:id="rId13"/>
-    <p:sldId id="268" r:id="rId14"/>
+    <p:sldId id="274" r:id="rId8"/>
+    <p:sldId id="263" r:id="rId9"/>
+    <p:sldId id="269" r:id="rId10"/>
+    <p:sldId id="264" r:id="rId11"/>
+    <p:sldId id="268" r:id="rId12"/>
+    <p:sldId id="265" r:id="rId13"/>
+    <p:sldId id="266" r:id="rId14"/>
     <p:sldId id="270" r:id="rId15"/>
-    <p:sldId id="271" r:id="rId16"/>
-    <p:sldId id="272" r:id="rId17"/>
-    <p:sldId id="273" r:id="rId18"/>
+    <p:sldId id="267" r:id="rId16"/>
+    <p:sldId id="271" r:id="rId17"/>
+    <p:sldId id="272" r:id="rId18"/>
+    <p:sldId id="273" r:id="rId19"/>
   </p:sldIdLst>
   <p:sldSz cx="12192000" cy="6858000"/>
   <p:notesSz cx="6858000" cy="9144000"/>
@@ -1586,7 +1587,7 @@
           <a:p>
             <a:fld id="{61392B5E-3876-488C-A1D9-164D806FCDAD}" type="datetimeFigureOut">
               <a:rPr lang="zh-CN" altLang="en-US" smtClean="0"/>
-              <a:t>2021/11/25</a:t>
+              <a:t>2021/11/27</a:t>
             </a:fld>
             <a:endParaRPr lang="zh-CN" altLang="en-US"/>
           </a:p>
@@ -1797,7 +1798,7 @@
           <a:p>
             <a:fld id="{61392B5E-3876-488C-A1D9-164D806FCDAD}" type="datetimeFigureOut">
               <a:rPr lang="zh-CN" altLang="en-US" smtClean="0"/>
-              <a:t>2021/11/25</a:t>
+              <a:t>2021/11/27</a:t>
             </a:fld>
             <a:endParaRPr lang="zh-CN" altLang="en-US"/>
           </a:p>
@@ -2012,7 +2013,7 @@
           <a:p>
             <a:fld id="{61392B5E-3876-488C-A1D9-164D806FCDAD}" type="datetimeFigureOut">
               <a:rPr lang="zh-CN" altLang="en-US" smtClean="0"/>
-              <a:t>2021/11/25</a:t>
+              <a:t>2021/11/27</a:t>
             </a:fld>
             <a:endParaRPr lang="zh-CN" altLang="en-US"/>
           </a:p>
@@ -2213,7 +2214,7 @@
           <a:p>
             <a:fld id="{61392B5E-3876-488C-A1D9-164D806FCDAD}" type="datetimeFigureOut">
               <a:rPr lang="zh-CN" altLang="en-US" smtClean="0"/>
-              <a:t>2021/11/25</a:t>
+              <a:t>2021/11/27</a:t>
             </a:fld>
             <a:endParaRPr lang="zh-CN" altLang="en-US"/>
           </a:p>
@@ -2492,7 +2493,7 @@
           <a:p>
             <a:fld id="{61392B5E-3876-488C-A1D9-164D806FCDAD}" type="datetimeFigureOut">
               <a:rPr lang="zh-CN" altLang="en-US" smtClean="0"/>
-              <a:t>2021/11/25</a:t>
+              <a:t>2021/11/27</a:t>
             </a:fld>
             <a:endParaRPr lang="zh-CN" altLang="en-US"/>
           </a:p>
@@ -2760,7 +2761,7 @@
           <a:p>
             <a:fld id="{61392B5E-3876-488C-A1D9-164D806FCDAD}" type="datetimeFigureOut">
               <a:rPr lang="zh-CN" altLang="en-US" smtClean="0"/>
-              <a:t>2021/11/25</a:t>
+              <a:t>2021/11/27</a:t>
             </a:fld>
             <a:endParaRPr lang="zh-CN" altLang="en-US"/>
           </a:p>
@@ -3176,7 +3177,7 @@
           <a:p>
             <a:fld id="{61392B5E-3876-488C-A1D9-164D806FCDAD}" type="datetimeFigureOut">
               <a:rPr lang="zh-CN" altLang="en-US" smtClean="0"/>
-              <a:t>2021/11/25</a:t>
+              <a:t>2021/11/27</a:t>
             </a:fld>
             <a:endParaRPr lang="zh-CN" altLang="en-US"/>
           </a:p>
@@ -3325,7 +3326,7 @@
           <a:p>
             <a:fld id="{61392B5E-3876-488C-A1D9-164D806FCDAD}" type="datetimeFigureOut">
               <a:rPr lang="zh-CN" altLang="en-US" smtClean="0"/>
-              <a:t>2021/11/25</a:t>
+              <a:t>2021/11/27</a:t>
             </a:fld>
             <a:endParaRPr lang="zh-CN" altLang="en-US"/>
           </a:p>
@@ -3451,7 +3452,7 @@
           <a:p>
             <a:fld id="{61392B5E-3876-488C-A1D9-164D806FCDAD}" type="datetimeFigureOut">
               <a:rPr lang="zh-CN" altLang="en-US" smtClean="0"/>
-              <a:t>2021/11/25</a:t>
+              <a:t>2021/11/27</a:t>
             </a:fld>
             <a:endParaRPr lang="zh-CN" altLang="en-US"/>
           </a:p>
@@ -3702,7 +3703,7 @@
           <a:p>
             <a:fld id="{61392B5E-3876-488C-A1D9-164D806FCDAD}" type="datetimeFigureOut">
               <a:rPr lang="zh-CN" altLang="en-US" smtClean="0"/>
-              <a:t>2021/11/25</a:t>
+              <a:t>2021/11/27</a:t>
             </a:fld>
             <a:endParaRPr lang="zh-CN" altLang="en-US"/>
           </a:p>
@@ -4147,7 +4148,7 @@
           <a:p>
             <a:fld id="{61392B5E-3876-488C-A1D9-164D806FCDAD}" type="datetimeFigureOut">
               <a:rPr lang="zh-CN" altLang="en-US" smtClean="0"/>
-              <a:t>2021/11/25</a:t>
+              <a:t>2021/11/27</a:t>
             </a:fld>
             <a:endParaRPr lang="zh-CN" altLang="en-US"/>
           </a:p>
@@ -4474,7 +4475,7 @@
           <a:p>
             <a:fld id="{61392B5E-3876-488C-A1D9-164D806FCDAD}" type="datetimeFigureOut">
               <a:rPr lang="zh-CN" altLang="en-US" smtClean="0"/>
-              <a:t>2021/11/25</a:t>
+              <a:t>2021/11/27</a:t>
             </a:fld>
             <a:endParaRPr lang="zh-CN" altLang="en-US"/>
           </a:p>
@@ -5153,11 +5154,616 @@
               <a:t>Baseline model’s </a:t>
             </a:r>
             <a:r>
+              <a:rPr lang="en-US" altLang="zh-CN" dirty="0" err="1" smtClean="0"/>
+              <a:t>shoRtcoming</a:t>
+            </a:r>
+            <a:r>
+              <a:rPr lang="zh-CN" altLang="en-US" dirty="0" smtClean="0"/>
+              <a:t>（</a:t>
+            </a:r>
+            <a:r>
+              <a:rPr lang="en-US" altLang="zh-CN" dirty="0" smtClean="0"/>
+              <a:t>1</a:t>
+            </a:r>
+            <a:r>
+              <a:rPr lang="zh-CN" altLang="en-US" dirty="0" smtClean="0"/>
+              <a:t>）</a:t>
+            </a:r>
+            <a:endParaRPr lang="zh-CN" altLang="en-US" dirty="0"/>
+          </a:p>
+        </p:txBody>
+      </p:sp>
+      <p:pic>
+        <p:nvPicPr>
+          <p:cNvPr id="4" name="内容占位符 3"/>
+          <p:cNvPicPr>
+            <a:picLocks noGrp="1" noChangeAspect="1"/>
+          </p:cNvPicPr>
+          <p:nvPr>
+            <p:ph idx="1"/>
+          </p:nvPr>
+        </p:nvPicPr>
+        <p:blipFill>
+          <a:blip r:embed="rId2">
+            <a:extLst>
+              <a:ext uri="{28A0092B-C50C-407E-A947-70E740481C1C}">
+                <a14:useLocalDpi xmlns:a14="http://schemas.microsoft.com/office/drawing/2010/main" val="0"/>
+              </a:ext>
+            </a:extLst>
+          </a:blip>
+          <a:stretch>
+            <a:fillRect/>
+          </a:stretch>
+        </p:blipFill>
+        <p:spPr>
+          <a:xfrm>
+            <a:off x="2042069" y="2447038"/>
+            <a:ext cx="8422294" cy="3449638"/>
+          </a:xfrm>
+        </p:spPr>
+      </p:pic>
+      <p:sp>
+        <p:nvSpPr>
+          <p:cNvPr id="3" name="文本框 2"/>
+          <p:cNvSpPr txBox="1"/>
+          <p:nvPr/>
+        </p:nvSpPr>
+        <p:spPr>
+          <a:xfrm>
+            <a:off x="1451579" y="1853754"/>
+            <a:ext cx="9492439" cy="923330"/>
+          </a:xfrm>
+          <a:prstGeom prst="rect">
+            <a:avLst/>
+          </a:prstGeom>
+          <a:noFill/>
+        </p:spPr>
+        <p:txBody>
+          <a:bodyPr wrap="square" rtlCol="0">
+            <a:spAutoFit/>
+          </a:bodyPr>
+          <a:lstStyle/>
+          <a:p>
+            <a:r>
+              <a:rPr lang="en-US" altLang="zh-CN" dirty="0"/>
+              <a:t>Baseline model </a:t>
+            </a:r>
+            <a:r>
+              <a:rPr lang="en-US" altLang="zh-CN" dirty="0" err="1"/>
+              <a:t>simplifys</a:t>
+            </a:r>
+            <a:r>
+              <a:rPr lang="en-US" altLang="zh-CN" dirty="0"/>
+              <a:t> the multi-label multi-classification problem as a multi-label binary classification problem. It only gives 0 or 1 for an emotion, </a:t>
+            </a:r>
+            <a:r>
+              <a:rPr lang="en-US" altLang="zh-CN" dirty="0" smtClean="0"/>
+              <a:t>but the emotion value could be 2 or 3</a:t>
+            </a:r>
+            <a:endParaRPr lang="en-US" altLang="zh-CN" dirty="0"/>
+          </a:p>
+          <a:p>
+            <a:endParaRPr lang="zh-CN" altLang="en-US" dirty="0"/>
+          </a:p>
+        </p:txBody>
+      </p:sp>
+      <p:sp>
+        <p:nvSpPr>
+          <p:cNvPr id="11" name="任意多边形 10"/>
+          <p:cNvSpPr/>
+          <p:nvPr/>
+        </p:nvSpPr>
+        <p:spPr>
+          <a:xfrm>
+            <a:off x="7970982" y="5717309"/>
+            <a:ext cx="157018" cy="0"/>
+          </a:xfrm>
+          <a:custGeom>
+            <a:avLst/>
+            <a:gdLst>
+              <a:gd name="connsiteX0" fmla="*/ 0 w 157018"/>
+              <a:gd name="connsiteY0" fmla="*/ 0 h 0"/>
+              <a:gd name="connsiteX1" fmla="*/ 157018 w 157018"/>
+              <a:gd name="connsiteY1" fmla="*/ 0 h 0"/>
+            </a:gdLst>
+            <a:ahLst/>
+            <a:cxnLst>
+              <a:cxn ang="0">
+                <a:pos x="connsiteX0" y="connsiteY0"/>
+              </a:cxn>
+              <a:cxn ang="0">
+                <a:pos x="connsiteX1" y="connsiteY1"/>
+              </a:cxn>
+            </a:cxnLst>
+            <a:rect l="l" t="t" r="r" b="b"/>
+            <a:pathLst>
+              <a:path w="157018">
+                <a:moveTo>
+                  <a:pt x="0" y="0"/>
+                </a:moveTo>
+                <a:lnTo>
+                  <a:pt x="157018" y="0"/>
+                </a:lnTo>
+              </a:path>
+            </a:pathLst>
+          </a:custGeom>
+          <a:noFill/>
+        </p:spPr>
+        <p:style>
+          <a:lnRef idx="2">
+            <a:schemeClr val="accent1">
+              <a:shade val="50000"/>
+            </a:schemeClr>
+          </a:lnRef>
+          <a:fillRef idx="1">
+            <a:schemeClr val="accent1"/>
+          </a:fillRef>
+          <a:effectRef idx="0">
+            <a:schemeClr val="accent1"/>
+          </a:effectRef>
+          <a:fontRef idx="minor">
+            <a:schemeClr val="lt1"/>
+          </a:fontRef>
+        </p:style>
+        <p:txBody>
+          <a:bodyPr rtlCol="0" anchor="ctr"/>
+          <a:lstStyle/>
+          <a:p>
+            <a:pPr algn="ctr"/>
+            <a:endParaRPr lang="zh-CN" altLang="en-US"/>
+          </a:p>
+        </p:txBody>
+      </p:sp>
+    </p:spTree>
+    <p:extLst>
+      <p:ext uri="{BB962C8B-B14F-4D97-AF65-F5344CB8AC3E}">
+        <p14:creationId xmlns:p14="http://schemas.microsoft.com/office/powerpoint/2010/main" val="3992474266"/>
+      </p:ext>
+    </p:extLst>
+  </p:cSld>
+  <p:clrMapOvr>
+    <a:masterClrMapping/>
+  </p:clrMapOvr>
+  <p:timing>
+    <p:tnLst>
+      <p:par>
+        <p:cTn id="1" dur="indefinite" restart="never" nodeType="tmRoot"/>
+      </p:par>
+    </p:tnLst>
+  </p:timing>
+</p:sld>
+</file>
+
+<file path=ppt/slides/slide11.xml><?xml version="1.0" encoding="utf-8"?>
+<p:sld xmlns:a="http://schemas.openxmlformats.org/drawingml/2006/main" xmlns:r="http://schemas.openxmlformats.org/officeDocument/2006/relationships" xmlns:p="http://schemas.openxmlformats.org/presentationml/2006/main">
+  <p:cSld>
+    <p:spTree>
+      <p:nvGrpSpPr>
+        <p:cNvPr id="1" name=""/>
+        <p:cNvGrpSpPr/>
+        <p:nvPr/>
+      </p:nvGrpSpPr>
+      <p:grpSpPr>
+        <a:xfrm>
+          <a:off x="0" y="0"/>
+          <a:ext cx="0" cy="0"/>
+          <a:chOff x="0" y="0"/>
+          <a:chExt cx="0" cy="0"/>
+        </a:xfrm>
+      </p:grpSpPr>
+      <p:sp>
+        <p:nvSpPr>
+          <p:cNvPr id="2" name="标题 1"/>
+          <p:cNvSpPr>
+            <a:spLocks noGrp="1"/>
+          </p:cNvSpPr>
+          <p:nvPr>
+            <p:ph type="title"/>
+          </p:nvPr>
+        </p:nvSpPr>
+        <p:spPr/>
+        <p:txBody>
+          <a:bodyPr/>
+          <a:lstStyle/>
+          <a:p>
+            <a:r>
+              <a:rPr lang="en-US" altLang="zh-CN" dirty="0" smtClean="0"/>
+              <a:t>Improved model(1)</a:t>
+            </a:r>
+            <a:endParaRPr lang="zh-CN" altLang="en-US" dirty="0"/>
+          </a:p>
+        </p:txBody>
+      </p:sp>
+      <p:pic>
+        <p:nvPicPr>
+          <p:cNvPr id="4" name="内容占位符 3" descr="D:\work\tts\code\github\script_emotion\graph\regression .png"/>
+          <p:cNvPicPr>
+            <a:picLocks noGrp="1"/>
+          </p:cNvPicPr>
+          <p:nvPr>
+            <p:ph idx="1"/>
+          </p:nvPr>
+        </p:nvPicPr>
+        <p:blipFill>
+          <a:blip r:embed="rId2">
+            <a:extLst>
+              <a:ext uri="{28A0092B-C50C-407E-A947-70E740481C1C}">
+                <a14:useLocalDpi xmlns:a14="http://schemas.microsoft.com/office/drawing/2010/main" val="0"/>
+              </a:ext>
+            </a:extLst>
+          </a:blip>
+          <a:srcRect/>
+          <a:stretch>
+            <a:fillRect/>
+          </a:stretch>
+        </p:blipFill>
+        <p:spPr bwMode="auto">
+          <a:xfrm>
+            <a:off x="434109" y="2032000"/>
+            <a:ext cx="5329383" cy="4128655"/>
+          </a:xfrm>
+          <a:prstGeom prst="rect">
+            <a:avLst/>
+          </a:prstGeom>
+          <a:noFill/>
+          <a:ln>
+            <a:noFill/>
+          </a:ln>
+        </p:spPr>
+      </p:pic>
+      <p:sp>
+        <p:nvSpPr>
+          <p:cNvPr id="5" name="文本框 4"/>
+          <p:cNvSpPr txBox="1"/>
+          <p:nvPr/>
+        </p:nvSpPr>
+        <p:spPr>
+          <a:xfrm>
+            <a:off x="5763492" y="2503055"/>
+            <a:ext cx="5772726" cy="3139321"/>
+          </a:xfrm>
+          <a:prstGeom prst="rect">
+            <a:avLst/>
+          </a:prstGeom>
+          <a:noFill/>
+        </p:spPr>
+        <p:txBody>
+          <a:bodyPr wrap="square" rtlCol="0">
+            <a:spAutoFit/>
+          </a:bodyPr>
+          <a:lstStyle/>
+          <a:p>
+            <a:pPr marL="285750" indent="-285750">
+              <a:buFont typeface="Arial" panose="020B0604020202020204" pitchFamily="34" charset="0"/>
+              <a:buChar char="•"/>
+            </a:pPr>
+            <a:r>
+              <a:rPr lang="en-US" altLang="zh-CN" dirty="0" smtClean="0"/>
+              <a:t>6 output blocks corresponding to 6 emotions</a:t>
+            </a:r>
+          </a:p>
+          <a:p>
+            <a:pPr marL="285750" indent="-285750">
+              <a:buFont typeface="Arial" panose="020B0604020202020204" pitchFamily="34" charset="0"/>
+              <a:buChar char="•"/>
+            </a:pPr>
+            <a:r>
+              <a:rPr lang="en-US" altLang="zh-CN" dirty="0" smtClean="0"/>
+              <a:t>Regard it as </a:t>
+            </a:r>
+            <a:r>
+              <a:rPr lang="en-US" altLang="zh-CN" dirty="0" smtClean="0">
+                <a:solidFill>
+                  <a:srgbClr val="FF0000"/>
+                </a:solidFill>
+              </a:rPr>
+              <a:t>regression problem </a:t>
+            </a:r>
+            <a:r>
+              <a:rPr lang="en-US" altLang="zh-CN" dirty="0" smtClean="0"/>
+              <a:t>instead of multi-classification problem, because the target is a numeric value 0,1,2,3,different from cat/dog </a:t>
+            </a:r>
+            <a:r>
+              <a:rPr lang="en-US" altLang="zh-CN" dirty="0" smtClean="0"/>
+              <a:t>classification whose value can not be comparable in size</a:t>
+            </a:r>
+            <a:endParaRPr lang="en-US" altLang="zh-CN" dirty="0" smtClean="0"/>
+          </a:p>
+          <a:p>
+            <a:pPr marL="285750" indent="-285750">
+              <a:buFont typeface="Arial" panose="020B0604020202020204" pitchFamily="34" charset="0"/>
+              <a:buChar char="•"/>
+            </a:pPr>
+            <a:r>
+              <a:rPr lang="en-US" altLang="zh-CN" dirty="0" smtClean="0"/>
+              <a:t>Use </a:t>
+            </a:r>
+            <a:r>
+              <a:rPr lang="en-US" altLang="zh-CN" dirty="0" smtClean="0">
+                <a:solidFill>
+                  <a:srgbClr val="FF0000"/>
+                </a:solidFill>
+              </a:rPr>
+              <a:t>MSE loss </a:t>
+            </a:r>
+            <a:r>
+              <a:rPr lang="en-US" altLang="zh-CN" dirty="0" smtClean="0"/>
+              <a:t>function instead of cross entropy loss</a:t>
+            </a:r>
+          </a:p>
+          <a:p>
+            <a:pPr marL="285750" indent="-285750">
+              <a:buFont typeface="Arial" panose="020B0604020202020204" pitchFamily="34" charset="0"/>
+              <a:buChar char="•"/>
+            </a:pPr>
+            <a:r>
+              <a:rPr lang="en-US" altLang="zh-CN" dirty="0" smtClean="0"/>
+              <a:t>Total loss is the </a:t>
+            </a:r>
+            <a:r>
+              <a:rPr lang="en-US" altLang="zh-CN" dirty="0" smtClean="0">
+                <a:solidFill>
+                  <a:srgbClr val="FF0000"/>
+                </a:solidFill>
+              </a:rPr>
+              <a:t>summation</a:t>
+            </a:r>
+            <a:r>
+              <a:rPr lang="en-US" altLang="zh-CN" dirty="0" smtClean="0"/>
+              <a:t> of all output blocks’ loss</a:t>
+            </a:r>
+          </a:p>
+          <a:p>
+            <a:pPr marL="285750" indent="-285750">
+              <a:buFont typeface="Arial" panose="020B0604020202020204" pitchFamily="34" charset="0"/>
+              <a:buChar char="•"/>
+            </a:pPr>
+            <a:r>
+              <a:rPr lang="en-US" altLang="zh-CN" dirty="0"/>
+              <a:t>Output one dimension logit of float type</a:t>
+            </a:r>
+          </a:p>
+          <a:p>
+            <a:pPr marL="285750" indent="-285750">
+              <a:buFont typeface="Arial" panose="020B0604020202020204" pitchFamily="34" charset="0"/>
+              <a:buChar char="•"/>
+            </a:pPr>
+            <a:r>
+              <a:rPr lang="en-US" altLang="zh-CN" dirty="0"/>
+              <a:t>Convert float number into integer by </a:t>
+            </a:r>
+            <a:r>
+              <a:rPr lang="en-US" altLang="zh-CN" dirty="0">
+                <a:solidFill>
+                  <a:srgbClr val="FF0000"/>
+                </a:solidFill>
+              </a:rPr>
+              <a:t>rounding</a:t>
+            </a:r>
+            <a:r>
+              <a:rPr lang="en-US" altLang="zh-CN" dirty="0"/>
+              <a:t> </a:t>
+            </a:r>
+          </a:p>
+          <a:p>
+            <a:endParaRPr lang="en-US" altLang="zh-CN" dirty="0" smtClean="0"/>
+          </a:p>
+          <a:p>
+            <a:pPr marL="285750" indent="-285750">
+              <a:buFont typeface="Arial" panose="020B0604020202020204" pitchFamily="34" charset="0"/>
+              <a:buChar char="•"/>
+            </a:pPr>
+            <a:endParaRPr lang="zh-CN" altLang="en-US" dirty="0"/>
+          </a:p>
+        </p:txBody>
+      </p:sp>
+    </p:spTree>
+    <p:extLst>
+      <p:ext uri="{BB962C8B-B14F-4D97-AF65-F5344CB8AC3E}">
+        <p14:creationId xmlns:p14="http://schemas.microsoft.com/office/powerpoint/2010/main" val="1883249108"/>
+      </p:ext>
+    </p:extLst>
+  </p:cSld>
+  <p:clrMapOvr>
+    <a:masterClrMapping/>
+  </p:clrMapOvr>
+  <p:timing>
+    <p:tnLst>
+      <p:par>
+        <p:cTn id="1" dur="indefinite" restart="never" nodeType="tmRoot"/>
+      </p:par>
+    </p:tnLst>
+  </p:timing>
+</p:sld>
+</file>
+
+<file path=ppt/slides/slide12.xml><?xml version="1.0" encoding="utf-8"?>
+<p:sld xmlns:a="http://schemas.openxmlformats.org/drawingml/2006/main" xmlns:r="http://schemas.openxmlformats.org/officeDocument/2006/relationships" xmlns:p="http://schemas.openxmlformats.org/presentationml/2006/main">
+  <p:cSld>
+    <p:spTree>
+      <p:nvGrpSpPr>
+        <p:cNvPr id="1" name=""/>
+        <p:cNvGrpSpPr/>
+        <p:nvPr/>
+      </p:nvGrpSpPr>
+      <p:grpSpPr>
+        <a:xfrm>
+          <a:off x="0" y="0"/>
+          <a:ext cx="0" cy="0"/>
+          <a:chOff x="0" y="0"/>
+          <a:chExt cx="0" cy="0"/>
+        </a:xfrm>
+      </p:grpSpPr>
+      <p:sp>
+        <p:nvSpPr>
+          <p:cNvPr id="2" name="标题 1"/>
+          <p:cNvSpPr>
+            <a:spLocks noGrp="1"/>
+          </p:cNvSpPr>
+          <p:nvPr>
+            <p:ph type="title"/>
+          </p:nvPr>
+        </p:nvSpPr>
+        <p:spPr/>
+        <p:txBody>
+          <a:bodyPr/>
+          <a:lstStyle/>
+          <a:p>
+            <a:r>
+              <a:rPr lang="en-US" altLang="zh-CN" dirty="0"/>
+              <a:t>Baseline model’s </a:t>
+            </a:r>
+            <a:r>
               <a:rPr lang="en-US" altLang="zh-CN" dirty="0" err="1"/>
               <a:t>shotcommings</a:t>
             </a:r>
             <a:r>
               <a:rPr lang="en-US" altLang="zh-CN" dirty="0"/>
+              <a:t> </a:t>
+            </a:r>
+            <a:r>
+              <a:rPr lang="zh-CN" altLang="en-US" dirty="0" smtClean="0"/>
+              <a:t>（</a:t>
+            </a:r>
+            <a:r>
+              <a:rPr lang="en-US" altLang="zh-CN" dirty="0" smtClean="0"/>
+              <a:t>2</a:t>
+            </a:r>
+            <a:r>
+              <a:rPr lang="zh-CN" altLang="en-US" dirty="0" smtClean="0"/>
+              <a:t>）</a:t>
+            </a:r>
+            <a:endParaRPr lang="zh-CN" altLang="en-US" dirty="0"/>
+          </a:p>
+        </p:txBody>
+      </p:sp>
+      <p:sp>
+        <p:nvSpPr>
+          <p:cNvPr id="3" name="内容占位符 2"/>
+          <p:cNvSpPr>
+            <a:spLocks noGrp="1"/>
+          </p:cNvSpPr>
+          <p:nvPr>
+            <p:ph idx="1"/>
+          </p:nvPr>
+        </p:nvSpPr>
+        <p:spPr/>
+        <p:txBody>
+          <a:bodyPr/>
+          <a:lstStyle/>
+          <a:p>
+            <a:r>
+              <a:rPr lang="en-US" altLang="zh-CN" dirty="0" smtClean="0"/>
+              <a:t>Baseline model simply </a:t>
+            </a:r>
+            <a:r>
+              <a:rPr lang="en-US" altLang="zh-CN" dirty="0" smtClean="0"/>
+              <a:t>merges </a:t>
+            </a:r>
+            <a:r>
+              <a:rPr lang="en-US" altLang="zh-CN" dirty="0" smtClean="0"/>
+              <a:t>the character into script text,  </a:t>
+            </a:r>
+            <a:r>
+              <a:rPr lang="en-US" altLang="zh-CN" dirty="0" smtClean="0"/>
+              <a:t>forming a longer text.</a:t>
+            </a:r>
+            <a:endParaRPr lang="zh-CN" altLang="en-US" dirty="0"/>
+          </a:p>
+        </p:txBody>
+      </p:sp>
+      <p:pic>
+        <p:nvPicPr>
+          <p:cNvPr id="4" name="图片 3"/>
+          <p:cNvPicPr>
+            <a:picLocks noChangeAspect="1"/>
+          </p:cNvPicPr>
+          <p:nvPr/>
+        </p:nvPicPr>
+        <p:blipFill>
+          <a:blip r:embed="rId2">
+            <a:extLst>
+              <a:ext uri="{28A0092B-C50C-407E-A947-70E740481C1C}">
+                <a14:useLocalDpi xmlns:a14="http://schemas.microsoft.com/office/drawing/2010/main" val="0"/>
+              </a:ext>
+            </a:extLst>
+          </a:blip>
+          <a:stretch>
+            <a:fillRect/>
+          </a:stretch>
+        </p:blipFill>
+        <p:spPr>
+          <a:xfrm>
+            <a:off x="1905457" y="2943906"/>
+            <a:ext cx="8085521" cy="2522439"/>
+          </a:xfrm>
+          <a:prstGeom prst="rect">
+            <a:avLst/>
+          </a:prstGeom>
+        </p:spPr>
+      </p:pic>
+    </p:spTree>
+    <p:extLst>
+      <p:ext uri="{BB962C8B-B14F-4D97-AF65-F5344CB8AC3E}">
+        <p14:creationId xmlns:p14="http://schemas.microsoft.com/office/powerpoint/2010/main" val="1939827053"/>
+      </p:ext>
+    </p:extLst>
+  </p:cSld>
+  <p:clrMapOvr>
+    <a:masterClrMapping/>
+  </p:clrMapOvr>
+  <p:timing>
+    <p:tnLst>
+      <p:par>
+        <p:cTn id="1" dur="indefinite" restart="never" nodeType="tmRoot"/>
+      </p:par>
+    </p:tnLst>
+  </p:timing>
+</p:sld>
+</file>
+
+<file path=ppt/slides/slide13.xml><?xml version="1.0" encoding="utf-8"?>
+<p:sld xmlns:a="http://schemas.openxmlformats.org/drawingml/2006/main" xmlns:r="http://schemas.openxmlformats.org/officeDocument/2006/relationships" xmlns:p="http://schemas.openxmlformats.org/presentationml/2006/main">
+  <p:cSld>
+    <p:spTree>
+      <p:nvGrpSpPr>
+        <p:cNvPr id="1" name=""/>
+        <p:cNvGrpSpPr/>
+        <p:nvPr/>
+      </p:nvGrpSpPr>
+      <p:grpSpPr>
+        <a:xfrm>
+          <a:off x="0" y="0"/>
+          <a:ext cx="0" cy="0"/>
+          <a:chOff x="0" y="0"/>
+          <a:chExt cx="0" cy="0"/>
+        </a:xfrm>
+      </p:grpSpPr>
+      <p:sp>
+        <p:nvSpPr>
+          <p:cNvPr id="2" name="标题 1"/>
+          <p:cNvSpPr>
+            <a:spLocks noGrp="1"/>
+          </p:cNvSpPr>
+          <p:nvPr>
+            <p:ph type="title"/>
+          </p:nvPr>
+        </p:nvSpPr>
+        <p:spPr/>
+        <p:txBody>
+          <a:bodyPr/>
+          <a:lstStyle/>
+          <a:p>
+            <a:r>
+              <a:rPr lang="en-US" altLang="zh-CN" dirty="0"/>
+              <a:t>Baseline model’s </a:t>
+            </a:r>
+            <a:r>
+              <a:rPr lang="en-US" altLang="zh-CN" dirty="0" err="1" smtClean="0"/>
+              <a:t>shoRtcomings</a:t>
+            </a:r>
+            <a:r>
+              <a:rPr lang="en-US" altLang="zh-CN" dirty="0" smtClean="0"/>
               <a:t> </a:t>
             </a:r>
             <a:r>
@@ -5220,8 +5826,8 @@
         </p:nvSpPr>
         <p:spPr>
           <a:xfrm>
-            <a:off x="1767442" y="3115071"/>
-            <a:ext cx="4374740" cy="1754326"/>
+            <a:off x="1564242" y="2062125"/>
+            <a:ext cx="4374740" cy="4339650"/>
           </a:xfrm>
           <a:prstGeom prst="rect">
             <a:avLst/>
@@ -5233,24 +5839,113 @@
           </a:bodyPr>
           <a:lstStyle/>
           <a:p>
-            <a:r>
-              <a:rPr lang="en-US" altLang="zh-CN" dirty="0"/>
-              <a:t>Baseline model simply merge the character into script </a:t>
-            </a:r>
-            <a:r>
-              <a:rPr lang="en-US" altLang="zh-CN" dirty="0" smtClean="0"/>
-              <a:t>text as a single sentence,  and make classification for the sentence.</a:t>
-            </a:r>
+            <a:pPr marL="285750" indent="-285750">
+              <a:buClr>
+                <a:schemeClr val="accent1"/>
+              </a:buClr>
+              <a:buFont typeface="Arial" panose="020B0604020202020204" pitchFamily="34" charset="0"/>
+              <a:buChar char="•"/>
+            </a:pPr>
+            <a:r>
+              <a:rPr lang="en-US" altLang="zh-CN" sz="2000" dirty="0"/>
+              <a:t>script text </a:t>
+            </a:r>
+            <a:r>
+              <a:rPr lang="en-US" altLang="zh-CN" sz="2000" dirty="0" smtClean="0"/>
+              <a:t> merged with the character </a:t>
+            </a:r>
+            <a:r>
+              <a:rPr lang="en-US" altLang="zh-CN" sz="2000" dirty="0" smtClean="0"/>
+              <a:t>is fed into the model as a </a:t>
+            </a:r>
+            <a:r>
+              <a:rPr lang="en-US" altLang="zh-CN" sz="2000" dirty="0" smtClean="0">
+                <a:solidFill>
+                  <a:srgbClr val="FF0000"/>
+                </a:solidFill>
+              </a:rPr>
+              <a:t>single sentence</a:t>
+            </a:r>
+            <a:r>
+              <a:rPr lang="en-US" altLang="zh-CN" sz="2000" dirty="0" smtClean="0"/>
+              <a:t>.</a:t>
+            </a:r>
+          </a:p>
+          <a:p>
+            <a:pPr marL="285750" indent="-285750">
+              <a:buClr>
+                <a:schemeClr val="accent1"/>
+              </a:buClr>
+              <a:buFont typeface="Arial" panose="020B0604020202020204" pitchFamily="34" charset="0"/>
+              <a:buChar char="•"/>
+            </a:pPr>
+            <a:endParaRPr lang="en-US" altLang="zh-CN" sz="2000" dirty="0" smtClean="0"/>
+          </a:p>
+          <a:p>
+            <a:pPr marL="285750" indent="-285750">
+              <a:buClr>
+                <a:schemeClr val="accent1"/>
+              </a:buClr>
+              <a:buFont typeface="Arial" panose="020B0604020202020204" pitchFamily="34" charset="0"/>
+              <a:buChar char="•"/>
+            </a:pPr>
+            <a:r>
+              <a:rPr lang="en-US" altLang="zh-CN" sz="2000" dirty="0" smtClean="0"/>
+              <a:t>But different characters might have different emotions, and it is the </a:t>
+            </a:r>
+            <a:r>
+              <a:rPr lang="en-US" altLang="zh-CN" sz="2000" dirty="0" smtClean="0">
+                <a:solidFill>
+                  <a:srgbClr val="FF0000"/>
+                </a:solidFill>
+              </a:rPr>
+              <a:t>key information </a:t>
+            </a:r>
+          </a:p>
+          <a:p>
+            <a:pPr marL="285750" indent="-285750">
+              <a:buClr>
+                <a:schemeClr val="accent1"/>
+              </a:buClr>
+              <a:buFont typeface="Arial" panose="020B0604020202020204" pitchFamily="34" charset="0"/>
+              <a:buChar char="•"/>
+            </a:pPr>
+            <a:endParaRPr lang="en-US" altLang="zh-CN" sz="2000" dirty="0" smtClean="0">
+              <a:solidFill>
+                <a:srgbClr val="FF0000"/>
+              </a:solidFill>
+            </a:endParaRPr>
+          </a:p>
+          <a:p>
+            <a:pPr marL="285750" indent="-285750">
+              <a:buClr>
+                <a:schemeClr val="accent1"/>
+              </a:buClr>
+              <a:buFont typeface="Arial" panose="020B0604020202020204" pitchFamily="34" charset="0"/>
+              <a:buChar char="•"/>
+            </a:pPr>
+            <a:r>
+              <a:rPr lang="en-US" altLang="zh-CN" sz="2000" dirty="0" smtClean="0"/>
+              <a:t>By merging, the character is mixed up with other words in the text, the model might </a:t>
+            </a:r>
+            <a:r>
+              <a:rPr lang="en-US" altLang="zh-CN" sz="2000" dirty="0" smtClean="0">
+                <a:solidFill>
+                  <a:srgbClr val="FF0000"/>
+                </a:solidFill>
+              </a:rPr>
+              <a:t>not be able to learn the importance </a:t>
+            </a:r>
+            <a:r>
+              <a:rPr lang="en-US" altLang="zh-CN" sz="2000" dirty="0" smtClean="0"/>
+              <a:t>of the character </a:t>
+            </a:r>
+          </a:p>
+          <a:p>
+            <a:endParaRPr lang="en-US" altLang="zh-CN" dirty="0" smtClean="0"/>
           </a:p>
           <a:p>
             <a:endParaRPr lang="en-US" altLang="zh-CN" dirty="0"/>
-          </a:p>
-          <a:p>
-            <a:r>
-              <a:rPr lang="en-US" altLang="zh-CN" dirty="0" smtClean="0"/>
-              <a:t>But actually character is key to the prediction.</a:t>
-            </a:r>
-            <a:endParaRPr lang="zh-CN" altLang="en-US" dirty="0"/>
           </a:p>
         </p:txBody>
       </p:sp>
@@ -5264,445 +5959,13 @@
   <p:clrMapOvr>
     <a:masterClrMapping/>
   </p:clrMapOvr>
-</p:sld>
-</file>
-
-<file path=ppt/slides/slide11.xml><?xml version="1.0" encoding="utf-8"?>
-<p:sld xmlns:a="http://schemas.openxmlformats.org/drawingml/2006/main" xmlns:r="http://schemas.openxmlformats.org/officeDocument/2006/relationships" xmlns:p="http://schemas.openxmlformats.org/presentationml/2006/main">
-  <p:cSld>
-    <p:spTree>
-      <p:nvGrpSpPr>
-        <p:cNvPr id="1" name=""/>
-        <p:cNvGrpSpPr/>
-        <p:nvPr/>
-      </p:nvGrpSpPr>
-      <p:grpSpPr>
-        <a:xfrm>
-          <a:off x="0" y="0"/>
-          <a:ext cx="0" cy="0"/>
-          <a:chOff x="0" y="0"/>
-          <a:chExt cx="0" cy="0"/>
-        </a:xfrm>
-      </p:grpSpPr>
-      <p:sp>
-        <p:nvSpPr>
-          <p:cNvPr id="2" name="标题 1"/>
-          <p:cNvSpPr>
-            <a:spLocks noGrp="1"/>
-          </p:cNvSpPr>
-          <p:nvPr>
-            <p:ph type="title"/>
-          </p:nvPr>
-        </p:nvSpPr>
-        <p:spPr/>
-        <p:txBody>
-          <a:bodyPr/>
-          <a:lstStyle/>
-          <a:p>
-            <a:r>
-              <a:rPr lang="en-US" altLang="zh-CN" dirty="0"/>
-              <a:t>Baseline model’s </a:t>
-            </a:r>
-            <a:r>
-              <a:rPr lang="en-US" altLang="zh-CN" dirty="0" err="1"/>
-              <a:t>shotcommings</a:t>
-            </a:r>
-            <a:r>
-              <a:rPr lang="en-US" altLang="zh-CN" dirty="0"/>
-              <a:t> </a:t>
-            </a:r>
-            <a:r>
-              <a:rPr lang="zh-CN" altLang="en-US" dirty="0" smtClean="0"/>
-              <a:t>（</a:t>
-            </a:r>
-            <a:r>
-              <a:rPr lang="en-US" altLang="zh-CN" dirty="0" smtClean="0"/>
-              <a:t>3</a:t>
-            </a:r>
-            <a:r>
-              <a:rPr lang="zh-CN" altLang="en-US" dirty="0" smtClean="0"/>
-              <a:t>）</a:t>
-            </a:r>
-            <a:endParaRPr lang="zh-CN" altLang="en-US" dirty="0"/>
-          </a:p>
-        </p:txBody>
-      </p:sp>
-      <p:sp>
-        <p:nvSpPr>
-          <p:cNvPr id="3" name="内容占位符 2"/>
-          <p:cNvSpPr>
-            <a:spLocks noGrp="1"/>
-          </p:cNvSpPr>
-          <p:nvPr>
-            <p:ph idx="1"/>
-          </p:nvPr>
-        </p:nvSpPr>
-        <p:spPr/>
-        <p:txBody>
-          <a:bodyPr/>
-          <a:lstStyle/>
-          <a:p>
-            <a:endParaRPr lang="en-US" altLang="zh-CN" dirty="0" smtClean="0"/>
-          </a:p>
-          <a:p>
-            <a:r>
-              <a:rPr lang="en-US" altLang="zh-CN" dirty="0" smtClean="0"/>
-              <a:t>Baseline model doesn’t use the context, it input only one sentence and predict the emotion</a:t>
-            </a:r>
-          </a:p>
-          <a:p>
-            <a:r>
-              <a:rPr lang="en-US" altLang="zh-CN" dirty="0" smtClean="0"/>
-              <a:t>Sometimes the historic sentences helps to predict the emotion.</a:t>
-            </a:r>
-            <a:endParaRPr lang="zh-CN" altLang="en-US" dirty="0"/>
-          </a:p>
-        </p:txBody>
-      </p:sp>
-    </p:spTree>
-    <p:extLst>
-      <p:ext uri="{BB962C8B-B14F-4D97-AF65-F5344CB8AC3E}">
-        <p14:creationId xmlns:p14="http://schemas.microsoft.com/office/powerpoint/2010/main" val="1710844676"/>
-      </p:ext>
-    </p:extLst>
-  </p:cSld>
-  <p:clrMapOvr>
-    <a:masterClrMapping/>
-  </p:clrMapOvr>
-</p:sld>
-</file>
-
-<file path=ppt/slides/slide12.xml><?xml version="1.0" encoding="utf-8"?>
-<p:sld xmlns:a="http://schemas.openxmlformats.org/drawingml/2006/main" xmlns:r="http://schemas.openxmlformats.org/officeDocument/2006/relationships" xmlns:p="http://schemas.openxmlformats.org/presentationml/2006/main">
-  <p:cSld>
-    <p:spTree>
-      <p:nvGrpSpPr>
-        <p:cNvPr id="1" name=""/>
-        <p:cNvGrpSpPr/>
-        <p:nvPr/>
-      </p:nvGrpSpPr>
-      <p:grpSpPr>
-        <a:xfrm>
-          <a:off x="0" y="0"/>
-          <a:ext cx="0" cy="0"/>
-          <a:chOff x="0" y="0"/>
-          <a:chExt cx="0" cy="0"/>
-        </a:xfrm>
-      </p:grpSpPr>
-      <p:sp>
-        <p:nvSpPr>
-          <p:cNvPr id="2" name="标题 1"/>
-          <p:cNvSpPr>
-            <a:spLocks noGrp="1"/>
-          </p:cNvSpPr>
-          <p:nvPr>
-            <p:ph type="title"/>
-          </p:nvPr>
-        </p:nvSpPr>
-        <p:spPr/>
-        <p:txBody>
-          <a:bodyPr/>
-          <a:lstStyle/>
-          <a:p>
-            <a:r>
-              <a:rPr lang="en-US" altLang="zh-CN" dirty="0"/>
-              <a:t>Improved model(1)</a:t>
-            </a:r>
-            <a:endParaRPr lang="zh-CN" altLang="en-US" dirty="0"/>
-          </a:p>
-        </p:txBody>
-      </p:sp>
-      <p:sp>
-        <p:nvSpPr>
-          <p:cNvPr id="3" name="内容占位符 2"/>
-          <p:cNvSpPr>
-            <a:spLocks noGrp="1"/>
-          </p:cNvSpPr>
-          <p:nvPr>
-            <p:ph idx="1"/>
-          </p:nvPr>
-        </p:nvSpPr>
-        <p:spPr/>
-        <p:txBody>
-          <a:bodyPr/>
-          <a:lstStyle/>
-          <a:p>
-            <a:r>
-              <a:rPr lang="en-US" altLang="zh-CN" dirty="0" smtClean="0"/>
-              <a:t>The existing package </a:t>
-            </a:r>
-            <a:r>
-              <a:rPr lang="en-US" altLang="zh-CN" dirty="0" err="1" smtClean="0"/>
-              <a:t>simpletransformers</a:t>
-            </a:r>
-            <a:r>
-              <a:rPr lang="en-US" altLang="zh-CN" dirty="0" smtClean="0"/>
-              <a:t> has limitations</a:t>
-            </a:r>
-          </a:p>
-          <a:p>
-            <a:r>
-              <a:rPr lang="en-US" altLang="zh-CN" dirty="0" smtClean="0"/>
-              <a:t>We rebuilt the network with </a:t>
-            </a:r>
-            <a:r>
-              <a:rPr lang="en-US" altLang="zh-CN" dirty="0" err="1" smtClean="0"/>
-              <a:t>Pytorch</a:t>
-            </a:r>
-            <a:r>
-              <a:rPr lang="en-US" altLang="zh-CN" dirty="0" smtClean="0"/>
-              <a:t> which allows us freely define the structure and loss functions</a:t>
-            </a:r>
-          </a:p>
-          <a:p>
-            <a:r>
-              <a:rPr lang="en-US" altLang="zh-CN" dirty="0" smtClean="0"/>
-              <a:t>We built 3 models with suitable network structure and overcome the shortcomings step by step</a:t>
-            </a:r>
-          </a:p>
-        </p:txBody>
-      </p:sp>
-    </p:spTree>
-    <p:extLst>
-      <p:ext uri="{BB962C8B-B14F-4D97-AF65-F5344CB8AC3E}">
-        <p14:creationId xmlns:p14="http://schemas.microsoft.com/office/powerpoint/2010/main" val="4292693841"/>
-      </p:ext>
-    </p:extLst>
-  </p:cSld>
-  <p:clrMapOvr>
-    <a:masterClrMapping/>
-  </p:clrMapOvr>
-</p:sld>
-</file>
-
-<file path=ppt/slides/slide13.xml><?xml version="1.0" encoding="utf-8"?>
-<p:sld xmlns:a="http://schemas.openxmlformats.org/drawingml/2006/main" xmlns:r="http://schemas.openxmlformats.org/officeDocument/2006/relationships" xmlns:p="http://schemas.openxmlformats.org/presentationml/2006/main">
-  <p:cSld>
-    <p:spTree>
-      <p:nvGrpSpPr>
-        <p:cNvPr id="1" name=""/>
-        <p:cNvGrpSpPr/>
-        <p:nvPr/>
-      </p:nvGrpSpPr>
-      <p:grpSpPr>
-        <a:xfrm>
-          <a:off x="0" y="0"/>
-          <a:ext cx="0" cy="0"/>
-          <a:chOff x="0" y="0"/>
-          <a:chExt cx="0" cy="0"/>
-        </a:xfrm>
-      </p:grpSpPr>
-      <p:sp>
-        <p:nvSpPr>
-          <p:cNvPr id="2" name="标题 1"/>
-          <p:cNvSpPr>
-            <a:spLocks noGrp="1"/>
-          </p:cNvSpPr>
-          <p:nvPr>
-            <p:ph type="title"/>
-          </p:nvPr>
-        </p:nvSpPr>
-        <p:spPr/>
-        <p:txBody>
-          <a:bodyPr/>
-          <a:lstStyle/>
-          <a:p>
-            <a:r>
-              <a:rPr lang="en-US" altLang="zh-CN" dirty="0" smtClean="0"/>
-              <a:t>Improved model(1)</a:t>
-            </a:r>
-            <a:endParaRPr lang="zh-CN" altLang="en-US" dirty="0"/>
-          </a:p>
-        </p:txBody>
-      </p:sp>
-      <p:pic>
-        <p:nvPicPr>
-          <p:cNvPr id="4" name="内容占位符 3" descr="D:\work\tts\code\github\script_emotion\graph\regression .png"/>
-          <p:cNvPicPr>
-            <a:picLocks noGrp="1"/>
-          </p:cNvPicPr>
-          <p:nvPr>
-            <p:ph idx="1"/>
-          </p:nvPr>
-        </p:nvPicPr>
-        <p:blipFill>
-          <a:blip r:embed="rId2">
-            <a:extLst>
-              <a:ext uri="{28A0092B-C50C-407E-A947-70E740481C1C}">
-                <a14:useLocalDpi xmlns:a14="http://schemas.microsoft.com/office/drawing/2010/main" val="0"/>
-              </a:ext>
-            </a:extLst>
-          </a:blip>
-          <a:srcRect/>
-          <a:stretch>
-            <a:fillRect/>
-          </a:stretch>
-        </p:blipFill>
-        <p:spPr bwMode="auto">
-          <a:xfrm>
-            <a:off x="434109" y="2032000"/>
-            <a:ext cx="5329383" cy="4128655"/>
-          </a:xfrm>
-          <a:prstGeom prst="rect">
-            <a:avLst/>
-          </a:prstGeom>
-          <a:noFill/>
-          <a:ln>
-            <a:noFill/>
-          </a:ln>
-        </p:spPr>
-      </p:pic>
-      <p:sp>
-        <p:nvSpPr>
-          <p:cNvPr id="5" name="文本框 4"/>
-          <p:cNvSpPr txBox="1"/>
-          <p:nvPr/>
-        </p:nvSpPr>
-        <p:spPr>
-          <a:xfrm>
-            <a:off x="5763492" y="2503055"/>
-            <a:ext cx="5772726" cy="2862322"/>
-          </a:xfrm>
-          <a:prstGeom prst="rect">
-            <a:avLst/>
-          </a:prstGeom>
-          <a:noFill/>
-        </p:spPr>
-        <p:txBody>
-          <a:bodyPr wrap="square" rtlCol="0">
-            <a:spAutoFit/>
-          </a:bodyPr>
-          <a:lstStyle/>
-          <a:p>
-            <a:pPr marL="285750" indent="-285750">
-              <a:buFont typeface="Arial" panose="020B0604020202020204" pitchFamily="34" charset="0"/>
-              <a:buChar char="•"/>
-            </a:pPr>
-            <a:r>
-              <a:rPr lang="en-US" altLang="zh-CN" dirty="0" smtClean="0"/>
-              <a:t>6 output blocks corresponding to 6 emotions</a:t>
-            </a:r>
-          </a:p>
-          <a:p>
-            <a:pPr marL="285750" indent="-285750">
-              <a:buFont typeface="Arial" panose="020B0604020202020204" pitchFamily="34" charset="0"/>
-              <a:buChar char="•"/>
-            </a:pPr>
-            <a:r>
-              <a:rPr lang="en-US" altLang="zh-CN" dirty="0" smtClean="0"/>
-              <a:t>Regard it as </a:t>
-            </a:r>
-            <a:r>
-              <a:rPr lang="en-US" altLang="zh-CN" dirty="0" smtClean="0">
-                <a:solidFill>
-                  <a:srgbClr val="FF0000"/>
-                </a:solidFill>
-              </a:rPr>
-              <a:t>regression problem </a:t>
-            </a:r>
-            <a:r>
-              <a:rPr lang="en-US" altLang="zh-CN" dirty="0" smtClean="0"/>
-              <a:t>instead of multi-classification problem, because the target is a numeric value 0,1,2,3,different from cat/dog classification</a:t>
-            </a:r>
-          </a:p>
-          <a:p>
-            <a:pPr marL="285750" indent="-285750">
-              <a:buFont typeface="Arial" panose="020B0604020202020204" pitchFamily="34" charset="0"/>
-              <a:buChar char="•"/>
-            </a:pPr>
-            <a:r>
-              <a:rPr lang="en-US" altLang="zh-CN" dirty="0" smtClean="0"/>
-              <a:t>Use </a:t>
-            </a:r>
-            <a:r>
-              <a:rPr lang="en-US" altLang="zh-CN" dirty="0" smtClean="0">
-                <a:solidFill>
-                  <a:srgbClr val="FF0000"/>
-                </a:solidFill>
-              </a:rPr>
-              <a:t>MSE loss </a:t>
-            </a:r>
-            <a:r>
-              <a:rPr lang="en-US" altLang="zh-CN" dirty="0" smtClean="0"/>
-              <a:t>function instead of cross entropy loss</a:t>
-            </a:r>
-          </a:p>
-          <a:p>
-            <a:pPr marL="285750" indent="-285750">
-              <a:buFont typeface="Arial" panose="020B0604020202020204" pitchFamily="34" charset="0"/>
-              <a:buChar char="•"/>
-            </a:pPr>
-            <a:r>
-              <a:rPr lang="en-US" altLang="zh-CN" dirty="0" smtClean="0"/>
-              <a:t>Total loss is the </a:t>
-            </a:r>
-            <a:r>
-              <a:rPr lang="en-US" altLang="zh-CN" dirty="0" smtClean="0">
-                <a:solidFill>
-                  <a:srgbClr val="FF0000"/>
-                </a:solidFill>
-              </a:rPr>
-              <a:t>summation</a:t>
-            </a:r>
-            <a:r>
-              <a:rPr lang="en-US" altLang="zh-CN" dirty="0" smtClean="0"/>
-              <a:t> of all output blocks’ loss</a:t>
-            </a:r>
-          </a:p>
-          <a:p>
-            <a:pPr marL="285750" indent="-285750">
-              <a:buFont typeface="Arial" panose="020B0604020202020204" pitchFamily="34" charset="0"/>
-              <a:buChar char="•"/>
-            </a:pPr>
-            <a:r>
-              <a:rPr lang="en-US" altLang="zh-CN" dirty="0"/>
-              <a:t>Output one dimension logit of float type</a:t>
-            </a:r>
-          </a:p>
-          <a:p>
-            <a:pPr marL="285750" indent="-285750">
-              <a:buFont typeface="Arial" panose="020B0604020202020204" pitchFamily="34" charset="0"/>
-              <a:buChar char="•"/>
-            </a:pPr>
-            <a:r>
-              <a:rPr lang="en-US" altLang="zh-CN" dirty="0"/>
-              <a:t>Convert float number into integer by </a:t>
-            </a:r>
-            <a:r>
-              <a:rPr lang="en-US" altLang="zh-CN" dirty="0">
-                <a:solidFill>
-                  <a:srgbClr val="FF0000"/>
-                </a:solidFill>
-              </a:rPr>
-              <a:t>rounding</a:t>
-            </a:r>
-            <a:r>
-              <a:rPr lang="en-US" altLang="zh-CN" dirty="0"/>
-              <a:t> </a:t>
-            </a:r>
-          </a:p>
-          <a:p>
-            <a:endParaRPr lang="en-US" altLang="zh-CN" dirty="0" smtClean="0"/>
-          </a:p>
-          <a:p>
-            <a:pPr marL="285750" indent="-285750">
-              <a:buFont typeface="Arial" panose="020B0604020202020204" pitchFamily="34" charset="0"/>
-              <a:buChar char="•"/>
-            </a:pPr>
-            <a:endParaRPr lang="zh-CN" altLang="en-US" dirty="0"/>
-          </a:p>
-        </p:txBody>
-      </p:sp>
-    </p:spTree>
-    <p:extLst>
-      <p:ext uri="{BB962C8B-B14F-4D97-AF65-F5344CB8AC3E}">
-        <p14:creationId xmlns:p14="http://schemas.microsoft.com/office/powerpoint/2010/main" val="1883249108"/>
-      </p:ext>
-    </p:extLst>
-  </p:cSld>
-  <p:clrMapOvr>
-    <a:masterClrMapping/>
-  </p:clrMapOvr>
+  <p:timing>
+    <p:tnLst>
+      <p:par>
+        <p:cTn id="1" dur="indefinite" restart="never" nodeType="tmRoot"/>
+      </p:par>
+    </p:tnLst>
+  </p:timing>
 </p:sld>
 </file>
 
@@ -5785,14 +6048,31 @@
           <a:p>
             <a:r>
               <a:rPr lang="en-US" altLang="zh-CN" dirty="0" smtClean="0"/>
-              <a:t>Character and script text are regarded as question and paragraph in QA task</a:t>
-            </a:r>
-          </a:p>
-          <a:p>
+              <a:t>Referring to the QA task, Character is regarded as question, </a:t>
+            </a:r>
             <a:r>
               <a:rPr lang="en-US" altLang="zh-CN" dirty="0" smtClean="0"/>
-              <a:t>Attention mechanism</a:t>
-            </a:r>
+              <a:t>script text </a:t>
+            </a:r>
+            <a:r>
+              <a:rPr lang="en-US" altLang="zh-CN" dirty="0" smtClean="0"/>
+              <a:t>is </a:t>
+            </a:r>
+            <a:r>
+              <a:rPr lang="en-US" altLang="zh-CN" dirty="0" smtClean="0"/>
+              <a:t>regarded as </a:t>
+            </a:r>
+            <a:r>
+              <a:rPr lang="en-US" altLang="zh-CN" dirty="0" smtClean="0"/>
+              <a:t>paragraph </a:t>
+            </a:r>
+          </a:p>
+          <a:p>
+            <a:r>
+              <a:rPr lang="en-US" altLang="zh-CN" dirty="0" smtClean="0"/>
+              <a:t>Attention mechanism in side the BERT</a:t>
+            </a:r>
+            <a:endParaRPr lang="en-US" altLang="zh-CN" dirty="0" smtClean="0"/>
           </a:p>
           <a:p>
             <a:endParaRPr lang="en-US" altLang="zh-CN" dirty="0" smtClean="0"/>
@@ -5878,6 +6158,13 @@
   <p:clrMapOvr>
     <a:masterClrMapping/>
   </p:clrMapOvr>
+  <p:timing>
+    <p:tnLst>
+      <p:par>
+        <p:cTn id="1" dur="indefinite" restart="never" nodeType="tmRoot"/>
+      </p:par>
+    </p:tnLst>
+  </p:timing>
 </p:sld>
 </file>
 
@@ -5915,11 +6202,27 @@
           <a:p>
             <a:r>
               <a:rPr lang="en-US" altLang="zh-CN" dirty="0"/>
-              <a:t>Improved </a:t>
+              <a:t>Baseline model’s </a:t>
+            </a:r>
+            <a:r>
+              <a:rPr lang="en-US" altLang="zh-CN" dirty="0" err="1" smtClean="0"/>
+              <a:t>shoRtcomings</a:t>
             </a:r>
             <a:r>
               <a:rPr lang="en-US" altLang="zh-CN" dirty="0" smtClean="0"/>
-              <a:t>model(3)</a:t>
+              <a:t> </a:t>
+            </a:r>
+            <a:r>
+              <a:rPr lang="zh-CN" altLang="en-US" dirty="0" smtClean="0"/>
+              <a:t>（</a:t>
+            </a:r>
+            <a:r>
+              <a:rPr lang="en-US" altLang="zh-CN" dirty="0" smtClean="0"/>
+              <a:t>3</a:t>
+            </a:r>
+            <a:r>
+              <a:rPr lang="zh-CN" altLang="en-US" dirty="0" smtClean="0"/>
+              <a:t>）</a:t>
             </a:r>
             <a:endParaRPr lang="zh-CN" altLang="en-US" dirty="0"/>
           </a:p>
@@ -5940,33 +6243,44 @@
           <a:bodyPr/>
           <a:lstStyle/>
           <a:p>
+            <a:endParaRPr lang="en-US" altLang="zh-CN" dirty="0" smtClean="0"/>
+          </a:p>
+          <a:p>
             <a:r>
               <a:rPr lang="en-US" altLang="zh-CN" dirty="0" smtClean="0"/>
-              <a:t>Make a script text list, removed duplicates and sorted by the order of time</a:t>
-            </a:r>
-          </a:p>
-          <a:p>
+              <a:t>Baseline model doesn’t use the context, </a:t>
+            </a:r>
             <a:r>
               <a:rPr lang="en-US" altLang="zh-CN" dirty="0" smtClean="0"/>
-              <a:t>Find and merge </a:t>
-            </a:r>
-            <a:r>
-              <a:rPr lang="en-US" altLang="zh-CN" dirty="0"/>
-              <a:t>previous 2 texts into current text </a:t>
+              <a:t>the </a:t>
             </a:r>
             <a:r>
               <a:rPr lang="en-US" altLang="zh-CN" dirty="0" smtClean="0"/>
-              <a:t>to generate a longer text </a:t>
-            </a:r>
-          </a:p>
-          <a:p>
+              <a:t>input sentence is only the current </a:t>
+            </a:r>
             <a:r>
               <a:rPr lang="en-US" altLang="zh-CN" dirty="0" smtClean="0"/>
-              <a:t>Use the same structure of the improved model 2</a:t>
-            </a:r>
-            <a:endParaRPr lang="en-US" altLang="zh-CN" dirty="0"/>
-          </a:p>
-          <a:p>
+              <a:t>one </a:t>
+            </a:r>
+            <a:r>
+              <a:rPr lang="en-US" altLang="zh-CN" dirty="0" smtClean="0"/>
+              <a:t>sentence</a:t>
+            </a:r>
+            <a:endParaRPr lang="en-US" altLang="zh-CN" dirty="0" smtClean="0"/>
+          </a:p>
+          <a:p>
+            <a:r>
+              <a:rPr lang="en-US" altLang="zh-CN" dirty="0" smtClean="0"/>
+              <a:t>Sometimes the historic sentences </a:t>
+            </a:r>
+            <a:r>
+              <a:rPr lang="en-US" altLang="zh-CN" dirty="0" smtClean="0"/>
+              <a:t>help </a:t>
+            </a:r>
+            <a:r>
+              <a:rPr lang="en-US" altLang="zh-CN" dirty="0" smtClean="0"/>
+              <a:t>to predict the emotion.</a:t>
+            </a:r>
             <a:endParaRPr lang="zh-CN" altLang="en-US" dirty="0"/>
           </a:p>
         </p:txBody>
@@ -5974,13 +6288,20 @@
     </p:spTree>
     <p:extLst>
       <p:ext uri="{BB962C8B-B14F-4D97-AF65-F5344CB8AC3E}">
-        <p14:creationId xmlns:p14="http://schemas.microsoft.com/office/powerpoint/2010/main" val="1659269845"/>
+        <p14:creationId xmlns:p14="http://schemas.microsoft.com/office/powerpoint/2010/main" val="1710844676"/>
       </p:ext>
     </p:extLst>
   </p:cSld>
   <p:clrMapOvr>
     <a:masterClrMapping/>
   </p:clrMapOvr>
+  <p:timing>
+    <p:tnLst>
+      <p:par>
+        <p:cTn id="1" dur="indefinite" restart="never" nodeType="tmRoot"/>
+      </p:par>
+    </p:tnLst>
+  </p:timing>
 </p:sld>
 </file>
 
@@ -6017,8 +6338,228 @@
           <a:lstStyle/>
           <a:p>
             <a:r>
+              <a:rPr lang="en-US" altLang="zh-CN" dirty="0"/>
+              <a:t>Improved </a:t>
+            </a:r>
+            <a:r>
               <a:rPr lang="en-US" altLang="zh-CN" dirty="0" smtClean="0"/>
-              <a:t>Results(score)</a:t>
+              <a:t>model(3)</a:t>
+            </a:r>
+            <a:endParaRPr lang="zh-CN" altLang="en-US" dirty="0"/>
+          </a:p>
+        </p:txBody>
+      </p:sp>
+      <p:sp>
+        <p:nvSpPr>
+          <p:cNvPr id="3" name="内容占位符 2"/>
+          <p:cNvSpPr>
+            <a:spLocks noGrp="1"/>
+          </p:cNvSpPr>
+          <p:nvPr>
+            <p:ph idx="1"/>
+          </p:nvPr>
+        </p:nvSpPr>
+        <p:spPr>
+          <a:xfrm>
+            <a:off x="1451580" y="2015732"/>
+            <a:ext cx="4376566" cy="3450613"/>
+          </a:xfrm>
+        </p:spPr>
+        <p:txBody>
+          <a:bodyPr/>
+          <a:lstStyle/>
+          <a:p>
+            <a:r>
+              <a:rPr lang="en-US" altLang="zh-CN" dirty="0" smtClean="0"/>
+              <a:t>Preprocess the </a:t>
+            </a:r>
+            <a:r>
+              <a:rPr lang="en-US" altLang="zh-CN" dirty="0" err="1" smtClean="0"/>
+              <a:t>data:make</a:t>
+            </a:r>
+            <a:r>
+              <a:rPr lang="en-US" altLang="zh-CN" dirty="0" smtClean="0"/>
+              <a:t> </a:t>
+            </a:r>
+            <a:r>
+              <a:rPr lang="en-US" altLang="zh-CN" dirty="0" smtClean="0"/>
+              <a:t>a script text list, </a:t>
+            </a:r>
+            <a:r>
+              <a:rPr lang="en-US" altLang="zh-CN" dirty="0" smtClean="0"/>
+              <a:t>remove </a:t>
+            </a:r>
+            <a:r>
+              <a:rPr lang="en-US" altLang="zh-CN" dirty="0" smtClean="0"/>
+              <a:t>duplicates and </a:t>
+            </a:r>
+            <a:r>
+              <a:rPr lang="en-US" altLang="zh-CN" dirty="0" smtClean="0"/>
+              <a:t>sort them </a:t>
+            </a:r>
+            <a:r>
+              <a:rPr lang="en-US" altLang="zh-CN" dirty="0" smtClean="0"/>
+              <a:t>by </a:t>
+            </a:r>
+            <a:r>
+              <a:rPr lang="en-US" altLang="zh-CN" dirty="0" smtClean="0"/>
+              <a:t>the sentence id</a:t>
+            </a:r>
+            <a:endParaRPr lang="en-US" altLang="zh-CN" dirty="0" smtClean="0"/>
+          </a:p>
+          <a:p>
+            <a:r>
+              <a:rPr lang="en-US" altLang="zh-CN" dirty="0" smtClean="0"/>
+              <a:t>Find </a:t>
+            </a:r>
+            <a:r>
+              <a:rPr lang="en-US" altLang="zh-CN" dirty="0"/>
+              <a:t>previous 2 </a:t>
+            </a:r>
+            <a:r>
+              <a:rPr lang="en-US" altLang="zh-CN" dirty="0" smtClean="0"/>
+              <a:t>texts by sentence id, and merge them </a:t>
+            </a:r>
+            <a:r>
+              <a:rPr lang="en-US" altLang="zh-CN" dirty="0"/>
+              <a:t>into current text </a:t>
+            </a:r>
+            <a:r>
+              <a:rPr lang="en-US" altLang="zh-CN" dirty="0" smtClean="0"/>
+              <a:t>to generate a longer text </a:t>
+            </a:r>
+          </a:p>
+          <a:p>
+            <a:r>
+              <a:rPr lang="en-US" altLang="zh-CN" dirty="0" smtClean="0"/>
+              <a:t>Use the same structure of the improved model 2</a:t>
+            </a:r>
+            <a:endParaRPr lang="en-US" altLang="zh-CN" dirty="0"/>
+          </a:p>
+          <a:p>
+            <a:endParaRPr lang="zh-CN" altLang="en-US" dirty="0"/>
+          </a:p>
+        </p:txBody>
+      </p:sp>
+      <p:pic>
+        <p:nvPicPr>
+          <p:cNvPr id="4" name="图片 3"/>
+          <p:cNvPicPr>
+            <a:picLocks noChangeAspect="1"/>
+          </p:cNvPicPr>
+          <p:nvPr/>
+        </p:nvPicPr>
+        <p:blipFill>
+          <a:blip r:embed="rId2">
+            <a:extLst>
+              <a:ext uri="{28A0092B-C50C-407E-A947-70E740481C1C}">
+                <a14:useLocalDpi xmlns:a14="http://schemas.microsoft.com/office/drawing/2010/main" val="0"/>
+              </a:ext>
+            </a:extLst>
+          </a:blip>
+          <a:stretch>
+            <a:fillRect/>
+          </a:stretch>
+        </p:blipFill>
+        <p:spPr>
+          <a:xfrm>
+            <a:off x="1759990" y="5278829"/>
+            <a:ext cx="8746305" cy="349494"/>
+          </a:xfrm>
+          <a:prstGeom prst="rect">
+            <a:avLst/>
+          </a:prstGeom>
+        </p:spPr>
+      </p:pic>
+      <p:pic>
+        <p:nvPicPr>
+          <p:cNvPr id="6" name="图片 5"/>
+          <p:cNvPicPr>
+            <a:picLocks noChangeAspect="1"/>
+          </p:cNvPicPr>
+          <p:nvPr/>
+        </p:nvPicPr>
+        <p:blipFill>
+          <a:blip r:embed="rId3">
+            <a:extLst>
+              <a:ext uri="{28A0092B-C50C-407E-A947-70E740481C1C}">
+                <a14:useLocalDpi xmlns:a14="http://schemas.microsoft.com/office/drawing/2010/main" val="0"/>
+              </a:ext>
+            </a:extLst>
+          </a:blip>
+          <a:stretch>
+            <a:fillRect/>
+          </a:stretch>
+        </p:blipFill>
+        <p:spPr>
+          <a:xfrm>
+            <a:off x="5828146" y="2131629"/>
+            <a:ext cx="5349704" cy="2834886"/>
+          </a:xfrm>
+          <a:prstGeom prst="rect">
+            <a:avLst/>
+          </a:prstGeom>
+        </p:spPr>
+      </p:pic>
+    </p:spTree>
+    <p:extLst>
+      <p:ext uri="{BB962C8B-B14F-4D97-AF65-F5344CB8AC3E}">
+        <p14:creationId xmlns:p14="http://schemas.microsoft.com/office/powerpoint/2010/main" val="1659269845"/>
+      </p:ext>
+    </p:extLst>
+  </p:cSld>
+  <p:clrMapOvr>
+    <a:masterClrMapping/>
+  </p:clrMapOvr>
+  <p:timing>
+    <p:tnLst>
+      <p:par>
+        <p:cTn id="1" dur="indefinite" restart="never" nodeType="tmRoot"/>
+      </p:par>
+    </p:tnLst>
+  </p:timing>
+</p:sld>
+</file>
+
+<file path=ppt/slides/slide17.xml><?xml version="1.0" encoding="utf-8"?>
+<p:sld xmlns:a="http://schemas.openxmlformats.org/drawingml/2006/main" xmlns:r="http://schemas.openxmlformats.org/officeDocument/2006/relationships" xmlns:p="http://schemas.openxmlformats.org/presentationml/2006/main">
+  <p:cSld>
+    <p:spTree>
+      <p:nvGrpSpPr>
+        <p:cNvPr id="1" name=""/>
+        <p:cNvGrpSpPr/>
+        <p:nvPr/>
+      </p:nvGrpSpPr>
+      <p:grpSpPr>
+        <a:xfrm>
+          <a:off x="0" y="0"/>
+          <a:ext cx="0" cy="0"/>
+          <a:chOff x="0" y="0"/>
+          <a:chExt cx="0" cy="0"/>
+        </a:xfrm>
+      </p:grpSpPr>
+      <p:sp>
+        <p:nvSpPr>
+          <p:cNvPr id="2" name="标题 1"/>
+          <p:cNvSpPr>
+            <a:spLocks noGrp="1"/>
+          </p:cNvSpPr>
+          <p:nvPr>
+            <p:ph type="title"/>
+          </p:nvPr>
+        </p:nvSpPr>
+        <p:spPr/>
+        <p:txBody>
+          <a:bodyPr/>
+          <a:lstStyle/>
+          <a:p>
+            <a:r>
+              <a:rPr lang="en-US" altLang="zh-CN" dirty="0" smtClean="0"/>
+              <a:t>Results(RMSE score</a:t>
+            </a:r>
+            <a:r>
+              <a:rPr lang="en-US" altLang="zh-CN" dirty="0" smtClean="0"/>
+              <a:t>)</a:t>
             </a:r>
             <a:endParaRPr lang="zh-CN" altLang="en-US" dirty="0"/>
           </a:p>
@@ -6424,12 +6965,12 @@
                         </a:spcAft>
                       </a:pPr>
                       <a:r>
-                        <a:rPr lang="en-US" sz="2800" kern="100">
+                        <a:rPr lang="en-US" sz="2800" kern="100" dirty="0">
                           <a:effectLst/>
                         </a:rPr>
                         <a:t>Improved mode (3)</a:t>
                       </a:r>
-                      <a:endParaRPr lang="zh-CN" sz="2800" kern="100">
+                      <a:endParaRPr lang="zh-CN" sz="2800" kern="100" dirty="0">
                         <a:effectLst/>
                         <a:latin typeface="等线" panose="02010600030101010101" pitchFamily="2" charset="-122"/>
                         <a:ea typeface="等线" panose="02010600030101010101" pitchFamily="2" charset="-122"/>
@@ -6511,10 +7052,17 @@
   <p:clrMapOvr>
     <a:masterClrMapping/>
   </p:clrMapOvr>
+  <p:timing>
+    <p:tnLst>
+      <p:par>
+        <p:cTn id="1" dur="indefinite" restart="never" nodeType="tmRoot"/>
+      </p:par>
+    </p:tnLst>
+  </p:timing>
 </p:sld>
 </file>
 
-<file path=ppt/slides/slide17.xml><?xml version="1.0" encoding="utf-8"?>
+<file path=ppt/slides/slide18.xml><?xml version="1.0" encoding="utf-8"?>
 <p:sld xmlns:a="http://schemas.openxmlformats.org/drawingml/2006/main" xmlns:r="http://schemas.openxmlformats.org/officeDocument/2006/relationships" xmlns:p="http://schemas.openxmlformats.org/presentationml/2006/main">
   <p:cSld>
     <p:spTree>
@@ -6548,7 +7096,7 @@
           <a:p>
             <a:r>
               <a:rPr lang="en-US" altLang="zh-CN" dirty="0" smtClean="0"/>
-              <a:t>Results(position)</a:t>
+              <a:t>Results(place in the competition)</a:t>
             </a:r>
             <a:endParaRPr lang="zh-CN" altLang="en-US" dirty="0"/>
           </a:p>
@@ -6592,7 +7140,7 @@
         <p:spPr>
           <a:xfrm>
             <a:off x="9581745" y="2568102"/>
-            <a:ext cx="2477088" cy="646331"/>
+            <a:ext cx="2252668" cy="646331"/>
           </a:xfrm>
           <a:prstGeom prst="rect">
             <a:avLst/>
@@ -6611,7 +7159,19 @@
             </a:pPr>
             <a:r>
               <a:rPr lang="en-US" altLang="zh-CN" dirty="0" smtClean="0"/>
-              <a:t>Won the positon 212</a:t>
+              <a:t>Won </a:t>
+            </a:r>
+            <a:r>
+              <a:rPr lang="en-US" altLang="zh-CN" dirty="0" smtClean="0"/>
+              <a:t>the </a:t>
+            </a:r>
+            <a:r>
+              <a:rPr lang="en-US" altLang="zh-CN" dirty="0" smtClean="0"/>
+              <a:t>place </a:t>
+            </a:r>
+            <a:r>
+              <a:rPr lang="en-US" altLang="zh-CN" dirty="0" smtClean="0"/>
+              <a:t>212</a:t>
             </a:r>
           </a:p>
           <a:p>
@@ -6641,6 +7201,13 @@
   <p:clrMapOvr>
     <a:masterClrMapping/>
   </p:clrMapOvr>
+  <p:timing>
+    <p:tnLst>
+      <p:par>
+        <p:cTn id="1" dur="indefinite" restart="never" nodeType="tmRoot"/>
+      </p:par>
+    </p:tnLst>
+  </p:timing>
 </p:sld>
 </file>
 
@@ -7232,6 +7799,13 @@
   <p:clrMapOvr>
     <a:masterClrMapping/>
   </p:clrMapOvr>
+  <p:timing>
+    <p:tnLst>
+      <p:par>
+        <p:cTn id="1" dur="indefinite" restart="never" nodeType="tmRoot"/>
+      </p:par>
+    </p:tnLst>
+  </p:timing>
 </p:sld>
 </file>
 
@@ -7254,6 +7828,179 @@
       </p:grpSpPr>
       <p:sp>
         <p:nvSpPr>
+          <p:cNvPr id="2" name="标题 1">
+            <a:extLst>
+              <a:ext uri="{FF2B5EF4-FFF2-40B4-BE49-F238E27FC236}">
+                <a16:creationId xmlns:a16="http://schemas.microsoft.com/office/drawing/2014/main" id="{82A6C5A6-BBF9-4FB4-8F19-B6333E0F487E}"/>
+              </a:ext>
+            </a:extLst>
+          </p:cNvPr>
+          <p:cNvSpPr>
+            <a:spLocks noGrp="1"/>
+          </p:cNvSpPr>
+          <p:nvPr>
+            <p:ph type="ctrTitle"/>
+          </p:nvPr>
+        </p:nvSpPr>
+        <p:spPr/>
+        <p:txBody>
+          <a:bodyPr>
+            <a:normAutofit/>
+          </a:bodyPr>
+          <a:lstStyle/>
+          <a:p>
+            <a:r>
+              <a:rPr lang="en-US" altLang="zh-CN" sz="6000" kern="100" dirty="0">
+                <a:effectLst/>
+                <a:latin typeface="Calibri" panose="020F0502020204030204" pitchFamily="34" charset="0"/>
+                <a:ea typeface="等线" panose="02010600030101010101" pitchFamily="2" charset="-122"/>
+                <a:cs typeface="Times New Roman" panose="02020603050405020304" pitchFamily="18" charset="0"/>
+              </a:rPr>
+              <a:t>Script Character Emotion Recognition</a:t>
+            </a:r>
+            <a:endParaRPr lang="zh-CN" altLang="en-US" sz="6000" dirty="0"/>
+          </a:p>
+        </p:txBody>
+      </p:sp>
+      <p:sp>
+        <p:nvSpPr>
+          <p:cNvPr id="3" name="副标题 2">
+            <a:extLst>
+              <a:ext uri="{FF2B5EF4-FFF2-40B4-BE49-F238E27FC236}">
+                <a16:creationId xmlns:a16="http://schemas.microsoft.com/office/drawing/2014/main" id="{0437BC55-7BA9-44E3-862A-0EB0D4D526C2}"/>
+              </a:ext>
+            </a:extLst>
+          </p:cNvPr>
+          <p:cNvSpPr>
+            <a:spLocks noGrp="1"/>
+          </p:cNvSpPr>
+          <p:nvPr>
+            <p:ph type="subTitle" idx="1"/>
+          </p:nvPr>
+        </p:nvSpPr>
+        <p:spPr>
+          <a:xfrm>
+            <a:off x="2417780" y="3531204"/>
+            <a:ext cx="8637072" cy="2524498"/>
+          </a:xfrm>
+        </p:spPr>
+        <p:txBody>
+          <a:bodyPr>
+            <a:normAutofit fontScale="92500" lnSpcReduction="20000"/>
+          </a:bodyPr>
+          <a:lstStyle/>
+          <a:p>
+            <a:r>
+              <a:rPr lang="en-US" altLang="zh-CN" sz="2800" dirty="0">
+                <a:latin typeface="Calibri" panose="020F0502020204030204" pitchFamily="34" charset="0"/>
+                <a:cs typeface="Calibri" panose="020F0502020204030204" pitchFamily="34" charset="0"/>
+              </a:rPr>
+              <a:t>CS 584 Team 39 Presentation</a:t>
+            </a:r>
+          </a:p>
+          <a:p>
+            <a:pPr algn="r">
+              <a:lnSpc>
+                <a:spcPct val="150000"/>
+              </a:lnSpc>
+            </a:pPr>
+            <a:r>
+              <a:rPr lang="en-US" altLang="zh-CN" sz="2800" kern="100" dirty="0">
+                <a:effectLst/>
+                <a:latin typeface="Calibri" panose="020F0502020204030204" pitchFamily="34" charset="0"/>
+                <a:ea typeface="等线" panose="02010600030101010101" pitchFamily="2" charset="-122"/>
+                <a:cs typeface="Calibri" panose="020F0502020204030204" pitchFamily="34" charset="0"/>
+              </a:rPr>
+              <a:t>Biao Sun 	A20475197</a:t>
+            </a:r>
+            <a:endParaRPr lang="zh-CN" altLang="zh-CN" sz="2800" kern="100" dirty="0">
+              <a:effectLst/>
+              <a:latin typeface="Calibri" panose="020F0502020204030204" pitchFamily="34" charset="0"/>
+              <a:ea typeface="等线" panose="02010600030101010101" pitchFamily="2" charset="-122"/>
+              <a:cs typeface="Calibri" panose="020F0502020204030204" pitchFamily="34" charset="0"/>
+            </a:endParaRPr>
+          </a:p>
+          <a:p>
+            <a:pPr algn="r">
+              <a:lnSpc>
+                <a:spcPct val="150000"/>
+              </a:lnSpc>
+            </a:pPr>
+            <a:r>
+              <a:rPr lang="en-US" altLang="zh-CN" sz="2800" kern="100" dirty="0">
+                <a:effectLst/>
+                <a:latin typeface="Calibri" panose="020F0502020204030204" pitchFamily="34" charset="0"/>
+                <a:ea typeface="等线" panose="02010600030101010101" pitchFamily="2" charset="-122"/>
+                <a:cs typeface="Calibri" panose="020F0502020204030204" pitchFamily="34" charset="0"/>
+              </a:rPr>
+              <a:t>Jianhua Tu 	A20480216</a:t>
+            </a:r>
+            <a:endParaRPr lang="zh-CN" altLang="zh-CN" sz="2800" kern="100" dirty="0">
+              <a:effectLst/>
+              <a:latin typeface="Calibri" panose="020F0502020204030204" pitchFamily="34" charset="0"/>
+              <a:ea typeface="等线" panose="02010600030101010101" pitchFamily="2" charset="-122"/>
+              <a:cs typeface="Calibri" panose="020F0502020204030204" pitchFamily="34" charset="0"/>
+            </a:endParaRPr>
+          </a:p>
+          <a:p>
+            <a:pPr algn="r">
+              <a:lnSpc>
+                <a:spcPct val="150000"/>
+              </a:lnSpc>
+            </a:pPr>
+            <a:r>
+              <a:rPr lang="en-US" altLang="zh-CN" sz="2800" kern="100" dirty="0">
+                <a:effectLst/>
+                <a:latin typeface="Calibri" panose="020F0502020204030204" pitchFamily="34" charset="0"/>
+                <a:ea typeface="等线" panose="02010600030101010101" pitchFamily="2" charset="-122"/>
+                <a:cs typeface="Calibri" panose="020F0502020204030204" pitchFamily="34" charset="0"/>
+              </a:rPr>
+              <a:t>Ye Yu 		A20478640</a:t>
+            </a:r>
+            <a:endParaRPr lang="zh-CN" altLang="zh-CN" sz="2800" kern="100" dirty="0">
+              <a:effectLst/>
+              <a:latin typeface="Calibri" panose="020F0502020204030204" pitchFamily="34" charset="0"/>
+              <a:ea typeface="等线" panose="02010600030101010101" pitchFamily="2" charset="-122"/>
+              <a:cs typeface="Calibri" panose="020F0502020204030204" pitchFamily="34" charset="0"/>
+            </a:endParaRPr>
+          </a:p>
+          <a:p>
+            <a:endParaRPr lang="zh-CN" altLang="en-US" dirty="0"/>
+          </a:p>
+        </p:txBody>
+      </p:sp>
+    </p:spTree>
+    <p:extLst>
+      <p:ext uri="{BB962C8B-B14F-4D97-AF65-F5344CB8AC3E}">
+        <p14:creationId xmlns:p14="http://schemas.microsoft.com/office/powerpoint/2010/main" val="2216973053"/>
+      </p:ext>
+    </p:extLst>
+  </p:cSld>
+  <p:clrMapOvr>
+    <a:masterClrMapping/>
+  </p:clrMapOvr>
+</p:sld>
+</file>
+
+<file path=ppt/slides/slide8.xml><?xml version="1.0" encoding="utf-8"?>
+<p:sld xmlns:a="http://schemas.openxmlformats.org/drawingml/2006/main" xmlns:r="http://schemas.openxmlformats.org/officeDocument/2006/relationships" xmlns:p="http://schemas.openxmlformats.org/presentationml/2006/main">
+  <p:cSld>
+    <p:spTree>
+      <p:nvGrpSpPr>
+        <p:cNvPr id="1" name=""/>
+        <p:cNvGrpSpPr/>
+        <p:nvPr/>
+      </p:nvGrpSpPr>
+      <p:grpSpPr>
+        <a:xfrm>
+          <a:off x="0" y="0"/>
+          <a:ext cx="0" cy="0"/>
+          <a:chOff x="0" y="0"/>
+          <a:chExt cx="0" cy="0"/>
+        </a:xfrm>
+      </p:grpSpPr>
+      <p:sp>
+        <p:nvSpPr>
           <p:cNvPr id="2" name="标题 1"/>
           <p:cNvSpPr>
             <a:spLocks noGrp="1"/>
@@ -7264,7 +8011,9 @@
         </p:nvSpPr>
         <p:spPr/>
         <p:txBody>
-          <a:bodyPr/>
+          <a:bodyPr>
+            <a:normAutofit fontScale="90000"/>
+          </a:bodyPr>
           <a:lstStyle/>
           <a:p>
             <a:r>
@@ -7273,7 +8022,38 @@
             </a:r>
             <a:r>
               <a:rPr lang="en-US" altLang="zh-CN" dirty="0" err="1" smtClean="0"/>
-              <a:t>shotcommings</a:t>
+              <a:t>shoRtcomings</a:t>
+            </a:r>
+            <a:r>
+              <a:rPr lang="en-US" altLang="zh-CN" dirty="0" smtClean="0"/>
+              <a:t> &amp; </a:t>
+            </a:r>
+            <a:r>
+              <a:rPr lang="en-US" altLang="zh-CN" dirty="0" err="1" smtClean="0"/>
+              <a:t>improvment</a:t>
+            </a:r>
+            <a:r>
+              <a:rPr lang="en-US" altLang="zh-CN" dirty="0" smtClean="0"/>
+              <a:t/>
+            </a:r>
+            <a:br>
+              <a:rPr lang="en-US" altLang="zh-CN" dirty="0" smtClean="0"/>
+            </a:br>
+            <a:r>
+              <a:rPr lang="en-US" altLang="zh-CN" dirty="0"/>
+              <a:t>	</a:t>
+            </a:r>
+            <a:r>
+              <a:rPr lang="en-US" altLang="zh-CN" dirty="0" smtClean="0"/>
+              <a:t>						by </a:t>
+            </a:r>
+            <a:r>
+              <a:rPr lang="en-US" altLang="zh-CN" kern="100" dirty="0">
+                <a:latin typeface="Calibri" panose="020F0502020204030204" pitchFamily="34" charset="0"/>
+                <a:ea typeface="等线" panose="02010600030101010101" pitchFamily="2" charset="-122"/>
+                <a:cs typeface="Calibri" panose="020F0502020204030204" pitchFamily="34" charset="0"/>
+              </a:rPr>
+              <a:t>Jianhua Tu </a:t>
             </a:r>
             <a:endParaRPr lang="zh-CN" altLang="en-US" dirty="0"/>
           </a:p>
@@ -7289,25 +8069,40 @@
             <p:ph idx="1"/>
           </p:nvPr>
         </p:nvSpPr>
-        <p:spPr/>
-        <p:txBody>
-          <a:bodyPr/>
+        <p:spPr>
+          <a:xfrm>
+            <a:off x="1451579" y="2015732"/>
+            <a:ext cx="9603275" cy="902959"/>
+          </a:xfrm>
+        </p:spPr>
+        <p:txBody>
+          <a:bodyPr>
+            <a:normAutofit lnSpcReduction="10000"/>
+          </a:bodyPr>
           <a:lstStyle/>
           <a:p>
             <a:r>
               <a:rPr lang="en-US" altLang="zh-CN" dirty="0" smtClean="0"/>
-              <a:t>Baseline model </a:t>
+              <a:t>W</a:t>
+            </a:r>
+            <a:r>
+              <a:rPr lang="en-US" altLang="zh-CN" dirty="0" smtClean="0"/>
+              <a:t>e use existing python package </a:t>
             </a:r>
             <a:r>
               <a:rPr lang="en-US" altLang="zh-CN" dirty="0" err="1" smtClean="0"/>
-              <a:t>simplifys</a:t>
+              <a:t>simpletransformers</a:t>
             </a:r>
             <a:r>
               <a:rPr lang="en-US" altLang="zh-CN" dirty="0" smtClean="0"/>
-              <a:t> the multi-label multi-classification problem as a multi-label binary classification problem. It only gives 0 or 1 for an emotion, and ignores intensity degree of it</a:t>
-            </a:r>
-          </a:p>
-          <a:p>
+              <a:t> to build the baseline models quickly</a:t>
+            </a:r>
+          </a:p>
+          <a:p>
+            <a:r>
+              <a:rPr lang="en-US" altLang="zh-CN" dirty="0" smtClean="0"/>
+              <a:t>But it has shortcomings or limitations</a:t>
+            </a:r>
             <a:endParaRPr lang="zh-CN" altLang="en-US" dirty="0"/>
           </a:p>
         </p:txBody>
@@ -7352,108 +8147,13 @@
   <p:clrMapOvr>
     <a:masterClrMapping/>
   </p:clrMapOvr>
-</p:sld>
-</file>
-
-<file path=ppt/slides/slide8.xml><?xml version="1.0" encoding="utf-8"?>
-<p:sld xmlns:a="http://schemas.openxmlformats.org/drawingml/2006/main" xmlns:r="http://schemas.openxmlformats.org/officeDocument/2006/relationships" xmlns:p="http://schemas.openxmlformats.org/presentationml/2006/main">
-  <p:cSld>
-    <p:spTree>
-      <p:nvGrpSpPr>
-        <p:cNvPr id="1" name=""/>
-        <p:cNvGrpSpPr/>
-        <p:nvPr/>
-      </p:nvGrpSpPr>
-      <p:grpSpPr>
-        <a:xfrm>
-          <a:off x="0" y="0"/>
-          <a:ext cx="0" cy="0"/>
-          <a:chOff x="0" y="0"/>
-          <a:chExt cx="0" cy="0"/>
-        </a:xfrm>
-      </p:grpSpPr>
-      <p:sp>
-        <p:nvSpPr>
-          <p:cNvPr id="2" name="标题 1"/>
-          <p:cNvSpPr>
-            <a:spLocks noGrp="1"/>
-          </p:cNvSpPr>
-          <p:nvPr>
-            <p:ph type="title"/>
-          </p:nvPr>
-        </p:nvSpPr>
-        <p:spPr/>
-        <p:txBody>
-          <a:bodyPr/>
-          <a:lstStyle/>
-          <a:p>
-            <a:r>
-              <a:rPr lang="en-US" altLang="zh-CN" dirty="0"/>
-              <a:t>Baseline model’s </a:t>
-            </a:r>
-            <a:r>
-              <a:rPr lang="en-US" altLang="zh-CN" dirty="0" err="1" smtClean="0"/>
-              <a:t>shotcommings</a:t>
-            </a:r>
-            <a:r>
-              <a:rPr lang="en-US" altLang="zh-CN" dirty="0" smtClean="0"/>
-              <a:t> </a:t>
-            </a:r>
-            <a:r>
-              <a:rPr lang="zh-CN" altLang="en-US" dirty="0" smtClean="0"/>
-              <a:t>（</a:t>
-            </a:r>
-            <a:r>
-              <a:rPr lang="en-US" altLang="zh-CN" dirty="0" smtClean="0"/>
-              <a:t>1</a:t>
-            </a:r>
-            <a:r>
-              <a:rPr lang="zh-CN" altLang="en-US" dirty="0" smtClean="0"/>
-              <a:t>）</a:t>
-            </a:r>
-            <a:endParaRPr lang="zh-CN" altLang="en-US" dirty="0"/>
-          </a:p>
-        </p:txBody>
-      </p:sp>
-      <p:pic>
-        <p:nvPicPr>
-          <p:cNvPr id="4" name="内容占位符 3"/>
-          <p:cNvPicPr>
-            <a:picLocks noGrp="1" noChangeAspect="1"/>
-          </p:cNvPicPr>
-          <p:nvPr>
-            <p:ph idx="1"/>
-          </p:nvPr>
-        </p:nvPicPr>
-        <p:blipFill>
-          <a:blip r:embed="rId2">
-            <a:extLst>
-              <a:ext uri="{28A0092B-C50C-407E-A947-70E740481C1C}">
-                <a14:useLocalDpi xmlns:a14="http://schemas.microsoft.com/office/drawing/2010/main" val="0"/>
-              </a:ext>
-            </a:extLst>
-          </a:blip>
-          <a:stretch>
-            <a:fillRect/>
-          </a:stretch>
-        </p:blipFill>
-        <p:spPr>
-          <a:xfrm>
-            <a:off x="2042015" y="2016125"/>
-            <a:ext cx="8422294" cy="3449638"/>
-          </a:xfrm>
-        </p:spPr>
-      </p:pic>
-    </p:spTree>
-    <p:extLst>
-      <p:ext uri="{BB962C8B-B14F-4D97-AF65-F5344CB8AC3E}">
-        <p14:creationId xmlns:p14="http://schemas.microsoft.com/office/powerpoint/2010/main" val="3992474266"/>
-      </p:ext>
-    </p:extLst>
-  </p:cSld>
-  <p:clrMapOvr>
-    <a:masterClrMapping/>
-  </p:clrMapOvr>
+  <p:timing>
+    <p:tnLst>
+      <p:par>
+        <p:cTn id="1" dur="indefinite" restart="never" nodeType="tmRoot"/>
+      </p:par>
+    </p:tnLst>
+  </p:timing>
 </p:sld>
 </file>
 
@@ -7491,27 +8191,11 @@
           <a:p>
             <a:r>
               <a:rPr lang="en-US" altLang="zh-CN" dirty="0"/>
-              <a:t>Baseline model’s </a:t>
-            </a:r>
-            <a:r>
-              <a:rPr lang="en-US" altLang="zh-CN" dirty="0" err="1"/>
-              <a:t>shotcommings</a:t>
-            </a:r>
-            <a:r>
-              <a:rPr lang="en-US" altLang="zh-CN" dirty="0"/>
-              <a:t> </a:t>
-            </a:r>
-            <a:r>
-              <a:rPr lang="zh-CN" altLang="en-US" dirty="0" smtClean="0"/>
-              <a:t>（</a:t>
+              <a:t>Improved </a:t>
             </a:r>
             <a:r>
               <a:rPr lang="en-US" altLang="zh-CN" dirty="0" smtClean="0"/>
-              <a:t>2</a:t>
-            </a:r>
-            <a:r>
-              <a:rPr lang="zh-CN" altLang="en-US" dirty="0" smtClean="0"/>
-              <a:t>）</a:t>
+              <a:t>models</a:t>
             </a:r>
             <a:endParaRPr lang="zh-CN" altLang="en-US" dirty="0"/>
           </a:p>
@@ -7534,52 +8218,54 @@
           <a:p>
             <a:r>
               <a:rPr lang="en-US" altLang="zh-CN" dirty="0" smtClean="0"/>
-              <a:t>Baseline model simply merge the character into script text,  while the character is the key role to the prediction.</a:t>
-            </a:r>
-            <a:endParaRPr lang="zh-CN" altLang="en-US" dirty="0"/>
-          </a:p>
-        </p:txBody>
-      </p:sp>
-      <p:pic>
-        <p:nvPicPr>
-          <p:cNvPr id="4" name="图片 3"/>
-          <p:cNvPicPr>
-            <a:picLocks noChangeAspect="1"/>
-          </p:cNvPicPr>
-          <p:nvPr/>
-        </p:nvPicPr>
-        <p:blipFill>
-          <a:blip r:embed="rId2">
-            <a:extLst>
-              <a:ext uri="{28A0092B-C50C-407E-A947-70E740481C1C}">
-                <a14:useLocalDpi xmlns:a14="http://schemas.microsoft.com/office/drawing/2010/main" val="0"/>
-              </a:ext>
-            </a:extLst>
-          </a:blip>
-          <a:stretch>
-            <a:fillRect/>
-          </a:stretch>
-        </p:blipFill>
-        <p:spPr>
-          <a:xfrm>
-            <a:off x="1905457" y="2943906"/>
-            <a:ext cx="8085521" cy="2522439"/>
-          </a:xfrm>
-          <a:prstGeom prst="rect">
-            <a:avLst/>
-          </a:prstGeom>
-        </p:spPr>
-      </p:pic>
+              <a:t>We </a:t>
+            </a:r>
+            <a:r>
+              <a:rPr lang="en-US" altLang="zh-CN" dirty="0" smtClean="0"/>
+              <a:t>rebuilt the network with </a:t>
+            </a:r>
+            <a:r>
+              <a:rPr lang="en-US" altLang="zh-CN" dirty="0" err="1" smtClean="0"/>
+              <a:t>Pytorch</a:t>
+            </a:r>
+            <a:r>
+              <a:rPr lang="en-US" altLang="zh-CN" dirty="0" smtClean="0"/>
+              <a:t> which allows us freely define the structure and loss functions</a:t>
+            </a:r>
+          </a:p>
+          <a:p>
+            <a:r>
+              <a:rPr lang="en-US" altLang="zh-CN" dirty="0" smtClean="0"/>
+              <a:t>We built 3 </a:t>
+            </a:r>
+            <a:r>
+              <a:rPr lang="en-US" altLang="zh-CN" dirty="0" smtClean="0"/>
+              <a:t>versions with </a:t>
+            </a:r>
+            <a:r>
+              <a:rPr lang="en-US" altLang="zh-CN" dirty="0" smtClean="0"/>
+              <a:t>suitable network structure and overcome the shortcomings step by step</a:t>
+            </a:r>
+          </a:p>
+        </p:txBody>
+      </p:sp>
     </p:spTree>
     <p:extLst>
       <p:ext uri="{BB962C8B-B14F-4D97-AF65-F5344CB8AC3E}">
-        <p14:creationId xmlns:p14="http://schemas.microsoft.com/office/powerpoint/2010/main" val="1939827053"/>
+        <p14:creationId xmlns:p14="http://schemas.microsoft.com/office/powerpoint/2010/main" val="4292693841"/>
       </p:ext>
     </p:extLst>
   </p:cSld>
   <p:clrMapOvr>
     <a:masterClrMapping/>
   </p:clrMapOvr>
+  <p:timing>
+    <p:tnLst>
+      <p:par>
+        <p:cTn id="1" dur="indefinite" restart="never" nodeType="tmRoot"/>
+      </p:par>
+    </p:tnLst>
+  </p:timing>
 </p:sld>
 </file>
 

--- a/CS584_Team39_Presentation1_tjh.pptx
+++ b/CS584_Team39_Presentation1_tjh.pptx
@@ -5,24 +5,18 @@
     <p:sldMasterId id="2147483660" r:id="rId1"/>
   </p:sldMasterIdLst>
   <p:sldIdLst>
-    <p:sldId id="257" r:id="rId2"/>
-    <p:sldId id="258" r:id="rId3"/>
-    <p:sldId id="259" r:id="rId4"/>
-    <p:sldId id="260" r:id="rId5"/>
-    <p:sldId id="261" r:id="rId6"/>
-    <p:sldId id="262" r:id="rId7"/>
-    <p:sldId id="274" r:id="rId8"/>
-    <p:sldId id="263" r:id="rId9"/>
-    <p:sldId id="269" r:id="rId10"/>
-    <p:sldId id="264" r:id="rId11"/>
-    <p:sldId id="268" r:id="rId12"/>
-    <p:sldId id="265" r:id="rId13"/>
-    <p:sldId id="266" r:id="rId14"/>
-    <p:sldId id="270" r:id="rId15"/>
-    <p:sldId id="267" r:id="rId16"/>
-    <p:sldId id="271" r:id="rId17"/>
-    <p:sldId id="272" r:id="rId18"/>
-    <p:sldId id="273" r:id="rId19"/>
+    <p:sldId id="263" r:id="rId2"/>
+    <p:sldId id="269" r:id="rId3"/>
+    <p:sldId id="264" r:id="rId4"/>
+    <p:sldId id="268" r:id="rId5"/>
+    <p:sldId id="265" r:id="rId6"/>
+    <p:sldId id="266" r:id="rId7"/>
+    <p:sldId id="270" r:id="rId8"/>
+    <p:sldId id="267" r:id="rId9"/>
+    <p:sldId id="271" r:id="rId10"/>
+    <p:sldId id="272" r:id="rId11"/>
+    <p:sldId id="273" r:id="rId12"/>
+    <p:sldId id="274" r:id="rId13"/>
   </p:sldIdLst>
   <p:sldSz cx="12192000" cy="6858000"/>
   <p:notesSz cx="6858000" cy="9144000"/>
@@ -127,1325 +121,6 @@
     </p:ext>
   </p:extLst>
 </p:presentation>
-</file>
-
-<file path=ppt/charts/chart1.xml><?xml version="1.0" encoding="utf-8"?>
-<c:chartSpace xmlns:c="http://schemas.openxmlformats.org/drawingml/2006/chart" xmlns:a="http://schemas.openxmlformats.org/drawingml/2006/main" xmlns:r="http://schemas.openxmlformats.org/officeDocument/2006/relationships" xmlns:c16r2="http://schemas.microsoft.com/office/drawing/2015/06/chart">
-  <c:date1904 val="0"/>
-  <c:lang val="zh-CN"/>
-  <c:roundedCorners val="0"/>
-  <mc:AlternateContent xmlns:mc="http://schemas.openxmlformats.org/markup-compatibility/2006">
-    <mc:Choice xmlns:c14="http://schemas.microsoft.com/office/drawing/2007/8/2/chart" Requires="c14">
-      <c14:style val="102"/>
-    </mc:Choice>
-    <mc:Fallback>
-      <c:style val="2"/>
-    </mc:Fallback>
-  </mc:AlternateContent>
-  <c:chart>
-    <c:title>
-      <c:tx>
-        <c:rich>
-          <a:bodyPr rot="0" spcFirstLastPara="1" vertOverflow="ellipsis" vert="horz" wrap="square" anchor="ctr" anchorCtr="1"/>
-          <a:lstStyle/>
-          <a:p>
-            <a:pPr>
-              <a:defRPr sz="2128" b="1" i="0" u="none" strike="noStrike" kern="1200" spc="100" baseline="0">
-                <a:solidFill>
-                  <a:schemeClr val="lt1">
-                    <a:lumMod val="95000"/>
-                  </a:schemeClr>
-                </a:solidFill>
-                <a:effectLst>
-                  <a:outerShdw blurRad="50800" dist="38100" dir="5400000" algn="t" rotWithShape="0">
-                    <a:prstClr val="black">
-                      <a:alpha val="40000"/>
-                    </a:prstClr>
-                  </a:outerShdw>
-                </a:effectLst>
-                <a:latin typeface="+mn-lt"/>
-                <a:ea typeface="+mn-ea"/>
-                <a:cs typeface="+mn-cs"/>
-              </a:defRPr>
-            </a:pPr>
-            <a:r>
-              <a:rPr lang="en-US"/>
-              <a:t>emotion distribution</a:t>
-            </a:r>
-            <a:endParaRPr lang="zh-CN"/>
-          </a:p>
-        </c:rich>
-      </c:tx>
-      <c:overlay val="0"/>
-      <c:spPr>
-        <a:noFill/>
-        <a:ln>
-          <a:noFill/>
-        </a:ln>
-        <a:effectLst/>
-      </c:spPr>
-      <c:txPr>
-        <a:bodyPr rot="0" spcFirstLastPara="1" vertOverflow="ellipsis" vert="horz" wrap="square" anchor="ctr" anchorCtr="1"/>
-        <a:lstStyle/>
-        <a:p>
-          <a:pPr>
-            <a:defRPr sz="2128" b="1" i="0" u="none" strike="noStrike" kern="1200" spc="100" baseline="0">
-              <a:solidFill>
-                <a:schemeClr val="lt1">
-                  <a:lumMod val="95000"/>
-                </a:schemeClr>
-              </a:solidFill>
-              <a:effectLst>
-                <a:outerShdw blurRad="50800" dist="38100" dir="5400000" algn="t" rotWithShape="0">
-                  <a:prstClr val="black">
-                    <a:alpha val="40000"/>
-                  </a:prstClr>
-                </a:outerShdw>
-              </a:effectLst>
-              <a:latin typeface="+mn-lt"/>
-              <a:ea typeface="+mn-ea"/>
-              <a:cs typeface="+mn-cs"/>
-            </a:defRPr>
-          </a:pPr>
-          <a:endParaRPr lang="zh-CN"/>
-        </a:p>
-      </c:txPr>
-    </c:title>
-    <c:autoTitleDeleted val="0"/>
-    <c:plotArea>
-      <c:layout/>
-      <c:barChart>
-        <c:barDir val="col"/>
-        <c:grouping val="clustered"/>
-        <c:varyColors val="0"/>
-        <c:ser>
-          <c:idx val="0"/>
-          <c:order val="0"/>
-          <c:tx>
-            <c:strRef>
-              <c:f>Sheet1!$A$2</c:f>
-              <c:strCache>
-                <c:ptCount val="1"/>
-                <c:pt idx="0">
-                  <c:v>0'</c:v>
-                </c:pt>
-              </c:strCache>
-            </c:strRef>
-          </c:tx>
-          <c:spPr>
-            <a:gradFill rotWithShape="1">
-              <a:gsLst>
-                <a:gs pos="0">
-                  <a:schemeClr val="accent1">
-                    <a:tint val="98000"/>
-                    <a:satMod val="110000"/>
-                    <a:lumMod val="104000"/>
-                  </a:schemeClr>
-                </a:gs>
-                <a:gs pos="69000">
-                  <a:schemeClr val="accent1">
-                    <a:shade val="88000"/>
-                    <a:satMod val="130000"/>
-                    <a:lumMod val="92000"/>
-                  </a:schemeClr>
-                </a:gs>
-                <a:gs pos="100000">
-                  <a:schemeClr val="accent1">
-                    <a:shade val="78000"/>
-                    <a:satMod val="130000"/>
-                    <a:lumMod val="92000"/>
-                  </a:schemeClr>
-                </a:gs>
-              </a:gsLst>
-              <a:lin ang="5400000" scaled="0"/>
-            </a:gradFill>
-            <a:ln>
-              <a:noFill/>
-            </a:ln>
-            <a:effectLst>
-              <a:outerShdw blurRad="50800" dist="50800" dir="5400000" sx="96000" sy="96000" rotWithShape="0">
-                <a:srgbClr val="000000">
-                  <a:alpha val="48000"/>
-                </a:srgbClr>
-              </a:outerShdw>
-            </a:effectLst>
-            <a:scene3d>
-              <a:camera prst="orthographicFront">
-                <a:rot lat="0" lon="0" rev="0"/>
-              </a:camera>
-              <a:lightRig rig="balanced" dir="t">
-                <a:rot lat="0" lon="0" rev="1080000"/>
-              </a:lightRig>
-            </a:scene3d>
-            <a:sp3d>
-              <a:bevelT w="38100" h="12700" prst="softRound"/>
-            </a:sp3d>
-          </c:spPr>
-          <c:invertIfNegative val="0"/>
-          <c:cat>
-            <c:strRef>
-              <c:f>Sheet1!$B$1:$G$1</c:f>
-              <c:strCache>
-                <c:ptCount val="6"/>
-                <c:pt idx="0">
-                  <c:v>love</c:v>
-                </c:pt>
-                <c:pt idx="1">
-                  <c:v>joy</c:v>
-                </c:pt>
-                <c:pt idx="2">
-                  <c:v>surprise</c:v>
-                </c:pt>
-                <c:pt idx="3">
-                  <c:v>anger</c:v>
-                </c:pt>
-                <c:pt idx="4">
-                  <c:v>fear</c:v>
-                </c:pt>
-                <c:pt idx="5">
-                  <c:v>sorrow</c:v>
-                </c:pt>
-              </c:strCache>
-            </c:strRef>
-          </c:cat>
-          <c:val>
-            <c:numRef>
-              <c:f>Sheet1!$B$2:$G$2</c:f>
-              <c:numCache>
-                <c:formatCode>General</c:formatCode>
-                <c:ptCount val="6"/>
-                <c:pt idx="0">
-                  <c:v>28434</c:v>
-                </c:pt>
-                <c:pt idx="1">
-                  <c:v>27262</c:v>
-                </c:pt>
-                <c:pt idx="2">
-                  <c:v>27735</c:v>
-                </c:pt>
-                <c:pt idx="3">
-                  <c:v>26397</c:v>
-                </c:pt>
-                <c:pt idx="4">
-                  <c:v>27048</c:v>
-                </c:pt>
-                <c:pt idx="5">
-                  <c:v>24898</c:v>
-                </c:pt>
-              </c:numCache>
-            </c:numRef>
-          </c:val>
-          <c:extLst>
-            <c:ext xmlns:c16="http://schemas.microsoft.com/office/drawing/2014/chart" uri="{C3380CC4-5D6E-409C-BE32-E72D297353CC}">
-              <c16:uniqueId val="{00000000-D92D-4B5D-8920-A024D2E23E1D}"/>
-            </c:ext>
-          </c:extLst>
-        </c:ser>
-        <c:ser>
-          <c:idx val="1"/>
-          <c:order val="1"/>
-          <c:tx>
-            <c:strRef>
-              <c:f>Sheet1!$A$3</c:f>
-              <c:strCache>
-                <c:ptCount val="1"/>
-                <c:pt idx="0">
-                  <c:v>1'</c:v>
-                </c:pt>
-              </c:strCache>
-            </c:strRef>
-          </c:tx>
-          <c:spPr>
-            <a:gradFill rotWithShape="1">
-              <a:gsLst>
-                <a:gs pos="0">
-                  <a:schemeClr val="accent2">
-                    <a:tint val="98000"/>
-                    <a:satMod val="110000"/>
-                    <a:lumMod val="104000"/>
-                  </a:schemeClr>
-                </a:gs>
-                <a:gs pos="69000">
-                  <a:schemeClr val="accent2">
-                    <a:shade val="88000"/>
-                    <a:satMod val="130000"/>
-                    <a:lumMod val="92000"/>
-                  </a:schemeClr>
-                </a:gs>
-                <a:gs pos="100000">
-                  <a:schemeClr val="accent2">
-                    <a:shade val="78000"/>
-                    <a:satMod val="130000"/>
-                    <a:lumMod val="92000"/>
-                  </a:schemeClr>
-                </a:gs>
-              </a:gsLst>
-              <a:lin ang="5400000" scaled="0"/>
-            </a:gradFill>
-            <a:ln>
-              <a:noFill/>
-            </a:ln>
-            <a:effectLst>
-              <a:outerShdw blurRad="50800" dist="50800" dir="5400000" sx="96000" sy="96000" rotWithShape="0">
-                <a:srgbClr val="000000">
-                  <a:alpha val="48000"/>
-                </a:srgbClr>
-              </a:outerShdw>
-            </a:effectLst>
-            <a:scene3d>
-              <a:camera prst="orthographicFront">
-                <a:rot lat="0" lon="0" rev="0"/>
-              </a:camera>
-              <a:lightRig rig="balanced" dir="t">
-                <a:rot lat="0" lon="0" rev="1080000"/>
-              </a:lightRig>
-            </a:scene3d>
-            <a:sp3d>
-              <a:bevelT w="38100" h="12700" prst="softRound"/>
-            </a:sp3d>
-          </c:spPr>
-          <c:invertIfNegative val="0"/>
-          <c:cat>
-            <c:strRef>
-              <c:f>Sheet1!$B$1:$G$1</c:f>
-              <c:strCache>
-                <c:ptCount val="6"/>
-                <c:pt idx="0">
-                  <c:v>love</c:v>
-                </c:pt>
-                <c:pt idx="1">
-                  <c:v>joy</c:v>
-                </c:pt>
-                <c:pt idx="2">
-                  <c:v>surprise</c:v>
-                </c:pt>
-                <c:pt idx="3">
-                  <c:v>anger</c:v>
-                </c:pt>
-                <c:pt idx="4">
-                  <c:v>fear</c:v>
-                </c:pt>
-                <c:pt idx="5">
-                  <c:v>sorrow</c:v>
-                </c:pt>
-              </c:strCache>
-            </c:strRef>
-          </c:cat>
-          <c:val>
-            <c:numRef>
-              <c:f>Sheet1!$B$3:$G$3</c:f>
-              <c:numCache>
-                <c:formatCode>General</c:formatCode>
-                <c:ptCount val="6"/>
-                <c:pt idx="0">
-                  <c:v>420</c:v>
-                </c:pt>
-                <c:pt idx="1">
-                  <c:v>1645</c:v>
-                </c:pt>
-                <c:pt idx="2">
-                  <c:v>1033</c:v>
-                </c:pt>
-                <c:pt idx="3">
-                  <c:v>1612</c:v>
-                </c:pt>
-                <c:pt idx="4">
-                  <c:v>1253</c:v>
-                </c:pt>
-                <c:pt idx="5">
-                  <c:v>2259</c:v>
-                </c:pt>
-              </c:numCache>
-            </c:numRef>
-          </c:val>
-          <c:extLst>
-            <c:ext xmlns:c16="http://schemas.microsoft.com/office/drawing/2014/chart" uri="{C3380CC4-5D6E-409C-BE32-E72D297353CC}">
-              <c16:uniqueId val="{00000001-D92D-4B5D-8920-A024D2E23E1D}"/>
-            </c:ext>
-          </c:extLst>
-        </c:ser>
-        <c:ser>
-          <c:idx val="2"/>
-          <c:order val="2"/>
-          <c:tx>
-            <c:strRef>
-              <c:f>Sheet1!$A$4</c:f>
-              <c:strCache>
-                <c:ptCount val="1"/>
-                <c:pt idx="0">
-                  <c:v>2'</c:v>
-                </c:pt>
-              </c:strCache>
-            </c:strRef>
-          </c:tx>
-          <c:spPr>
-            <a:gradFill rotWithShape="1">
-              <a:gsLst>
-                <a:gs pos="0">
-                  <a:schemeClr val="accent3">
-                    <a:tint val="98000"/>
-                    <a:satMod val="110000"/>
-                    <a:lumMod val="104000"/>
-                  </a:schemeClr>
-                </a:gs>
-                <a:gs pos="69000">
-                  <a:schemeClr val="accent3">
-                    <a:shade val="88000"/>
-                    <a:satMod val="130000"/>
-                    <a:lumMod val="92000"/>
-                  </a:schemeClr>
-                </a:gs>
-                <a:gs pos="100000">
-                  <a:schemeClr val="accent3">
-                    <a:shade val="78000"/>
-                    <a:satMod val="130000"/>
-                    <a:lumMod val="92000"/>
-                  </a:schemeClr>
-                </a:gs>
-              </a:gsLst>
-              <a:lin ang="5400000" scaled="0"/>
-            </a:gradFill>
-            <a:ln>
-              <a:noFill/>
-            </a:ln>
-            <a:effectLst>
-              <a:outerShdw blurRad="50800" dist="50800" dir="5400000" sx="96000" sy="96000" rotWithShape="0">
-                <a:srgbClr val="000000">
-                  <a:alpha val="48000"/>
-                </a:srgbClr>
-              </a:outerShdw>
-            </a:effectLst>
-            <a:scene3d>
-              <a:camera prst="orthographicFront">
-                <a:rot lat="0" lon="0" rev="0"/>
-              </a:camera>
-              <a:lightRig rig="balanced" dir="t">
-                <a:rot lat="0" lon="0" rev="1080000"/>
-              </a:lightRig>
-            </a:scene3d>
-            <a:sp3d>
-              <a:bevelT w="38100" h="12700" prst="softRound"/>
-            </a:sp3d>
-          </c:spPr>
-          <c:invertIfNegative val="0"/>
-          <c:cat>
-            <c:strRef>
-              <c:f>Sheet1!$B$1:$G$1</c:f>
-              <c:strCache>
-                <c:ptCount val="6"/>
-                <c:pt idx="0">
-                  <c:v>love</c:v>
-                </c:pt>
-                <c:pt idx="1">
-                  <c:v>joy</c:v>
-                </c:pt>
-                <c:pt idx="2">
-                  <c:v>surprise</c:v>
-                </c:pt>
-                <c:pt idx="3">
-                  <c:v>anger</c:v>
-                </c:pt>
-                <c:pt idx="4">
-                  <c:v>fear</c:v>
-                </c:pt>
-                <c:pt idx="5">
-                  <c:v>sorrow</c:v>
-                </c:pt>
-              </c:strCache>
-            </c:strRef>
-          </c:cat>
-          <c:val>
-            <c:numRef>
-              <c:f>Sheet1!$B$4:$G$4</c:f>
-              <c:numCache>
-                <c:formatCode>General</c:formatCode>
-                <c:ptCount val="6"/>
-                <c:pt idx="0">
-                  <c:v>328</c:v>
-                </c:pt>
-                <c:pt idx="1">
-                  <c:v>370</c:v>
-                </c:pt>
-                <c:pt idx="2">
-                  <c:v>458</c:v>
-                </c:pt>
-                <c:pt idx="3">
-                  <c:v>981</c:v>
-                </c:pt>
-                <c:pt idx="4">
-                  <c:v>815</c:v>
-                </c:pt>
-                <c:pt idx="5">
-                  <c:v>1594</c:v>
-                </c:pt>
-              </c:numCache>
-            </c:numRef>
-          </c:val>
-          <c:extLst>
-            <c:ext xmlns:c16="http://schemas.microsoft.com/office/drawing/2014/chart" uri="{C3380CC4-5D6E-409C-BE32-E72D297353CC}">
-              <c16:uniqueId val="{00000002-D92D-4B5D-8920-A024D2E23E1D}"/>
-            </c:ext>
-          </c:extLst>
-        </c:ser>
-        <c:ser>
-          <c:idx val="3"/>
-          <c:order val="3"/>
-          <c:tx>
-            <c:strRef>
-              <c:f>Sheet1!$A$5</c:f>
-              <c:strCache>
-                <c:ptCount val="1"/>
-                <c:pt idx="0">
-                  <c:v>3'</c:v>
-                </c:pt>
-              </c:strCache>
-            </c:strRef>
-          </c:tx>
-          <c:spPr>
-            <a:gradFill rotWithShape="1">
-              <a:gsLst>
-                <a:gs pos="0">
-                  <a:schemeClr val="accent4">
-                    <a:tint val="98000"/>
-                    <a:satMod val="110000"/>
-                    <a:lumMod val="104000"/>
-                  </a:schemeClr>
-                </a:gs>
-                <a:gs pos="69000">
-                  <a:schemeClr val="accent4">
-                    <a:shade val="88000"/>
-                    <a:satMod val="130000"/>
-                    <a:lumMod val="92000"/>
-                  </a:schemeClr>
-                </a:gs>
-                <a:gs pos="100000">
-                  <a:schemeClr val="accent4">
-                    <a:shade val="78000"/>
-                    <a:satMod val="130000"/>
-                    <a:lumMod val="92000"/>
-                  </a:schemeClr>
-                </a:gs>
-              </a:gsLst>
-              <a:lin ang="5400000" scaled="0"/>
-            </a:gradFill>
-            <a:ln>
-              <a:noFill/>
-            </a:ln>
-            <a:effectLst>
-              <a:outerShdw blurRad="50800" dist="50800" dir="5400000" sx="96000" sy="96000" rotWithShape="0">
-                <a:srgbClr val="000000">
-                  <a:alpha val="48000"/>
-                </a:srgbClr>
-              </a:outerShdw>
-            </a:effectLst>
-            <a:scene3d>
-              <a:camera prst="orthographicFront">
-                <a:rot lat="0" lon="0" rev="0"/>
-              </a:camera>
-              <a:lightRig rig="balanced" dir="t">
-                <a:rot lat="0" lon="0" rev="1080000"/>
-              </a:lightRig>
-            </a:scene3d>
-            <a:sp3d>
-              <a:bevelT w="38100" h="12700" prst="softRound"/>
-            </a:sp3d>
-          </c:spPr>
-          <c:invertIfNegative val="0"/>
-          <c:cat>
-            <c:strRef>
-              <c:f>Sheet1!$B$1:$G$1</c:f>
-              <c:strCache>
-                <c:ptCount val="6"/>
-                <c:pt idx="0">
-                  <c:v>love</c:v>
-                </c:pt>
-                <c:pt idx="1">
-                  <c:v>joy</c:v>
-                </c:pt>
-                <c:pt idx="2">
-                  <c:v>surprise</c:v>
-                </c:pt>
-                <c:pt idx="3">
-                  <c:v>anger</c:v>
-                </c:pt>
-                <c:pt idx="4">
-                  <c:v>fear</c:v>
-                </c:pt>
-                <c:pt idx="5">
-                  <c:v>sorrow</c:v>
-                </c:pt>
-              </c:strCache>
-            </c:strRef>
-          </c:cat>
-          <c:val>
-            <c:numRef>
-              <c:f>Sheet1!$B$5:$G$5</c:f>
-              <c:numCache>
-                <c:formatCode>General</c:formatCode>
-                <c:ptCount val="6"/>
-                <c:pt idx="0">
-                  <c:v>273</c:v>
-                </c:pt>
-                <c:pt idx="1">
-                  <c:v>180</c:v>
-                </c:pt>
-                <c:pt idx="2">
-                  <c:v>229</c:v>
-                </c:pt>
-                <c:pt idx="3">
-                  <c:v>465</c:v>
-                </c:pt>
-                <c:pt idx="4">
-                  <c:v>339</c:v>
-                </c:pt>
-                <c:pt idx="5">
-                  <c:v>753</c:v>
-                </c:pt>
-              </c:numCache>
-            </c:numRef>
-          </c:val>
-          <c:extLst>
-            <c:ext xmlns:c16="http://schemas.microsoft.com/office/drawing/2014/chart" uri="{C3380CC4-5D6E-409C-BE32-E72D297353CC}">
-              <c16:uniqueId val="{00000003-D92D-4B5D-8920-A024D2E23E1D}"/>
-            </c:ext>
-          </c:extLst>
-        </c:ser>
-        <c:dLbls>
-          <c:showLegendKey val="0"/>
-          <c:showVal val="0"/>
-          <c:showCatName val="0"/>
-          <c:showSerName val="0"/>
-          <c:showPercent val="0"/>
-          <c:showBubbleSize val="0"/>
-        </c:dLbls>
-        <c:gapWidth val="100"/>
-        <c:overlap val="-24"/>
-        <c:axId val="974997472"/>
-        <c:axId val="974997888"/>
-      </c:barChart>
-      <c:catAx>
-        <c:axId val="974997472"/>
-        <c:scaling>
-          <c:orientation val="minMax"/>
-        </c:scaling>
-        <c:delete val="0"/>
-        <c:axPos val="b"/>
-        <c:numFmt formatCode="General" sourceLinked="1"/>
-        <c:majorTickMark val="none"/>
-        <c:minorTickMark val="none"/>
-        <c:tickLblPos val="nextTo"/>
-        <c:spPr>
-          <a:noFill/>
-          <a:ln w="12700" cap="flat" cmpd="sng" algn="ctr">
-            <a:solidFill>
-              <a:schemeClr val="lt1">
-                <a:lumMod val="95000"/>
-                <a:alpha val="54000"/>
-              </a:schemeClr>
-            </a:solidFill>
-            <a:round/>
-          </a:ln>
-          <a:effectLst/>
-        </c:spPr>
-        <c:txPr>
-          <a:bodyPr rot="-60000000" spcFirstLastPara="1" vertOverflow="ellipsis" vert="horz" wrap="square" anchor="ctr" anchorCtr="1"/>
-          <a:lstStyle/>
-          <a:p>
-            <a:pPr>
-              <a:defRPr sz="1197" b="0" i="0" u="none" strike="noStrike" kern="1200" baseline="0">
-                <a:solidFill>
-                  <a:schemeClr val="lt1">
-                    <a:lumMod val="85000"/>
-                  </a:schemeClr>
-                </a:solidFill>
-                <a:latin typeface="+mn-lt"/>
-                <a:ea typeface="+mn-ea"/>
-                <a:cs typeface="+mn-cs"/>
-              </a:defRPr>
-            </a:pPr>
-            <a:endParaRPr lang="zh-CN"/>
-          </a:p>
-        </c:txPr>
-        <c:crossAx val="974997888"/>
-        <c:crosses val="autoZero"/>
-        <c:auto val="1"/>
-        <c:lblAlgn val="ctr"/>
-        <c:lblOffset val="100"/>
-        <c:noMultiLvlLbl val="0"/>
-      </c:catAx>
-      <c:valAx>
-        <c:axId val="974997888"/>
-        <c:scaling>
-          <c:orientation val="minMax"/>
-        </c:scaling>
-        <c:delete val="0"/>
-        <c:axPos val="l"/>
-        <c:majorGridlines>
-          <c:spPr>
-            <a:ln w="9525" cap="flat" cmpd="sng" algn="ctr">
-              <a:solidFill>
-                <a:schemeClr val="lt1">
-                  <a:lumMod val="95000"/>
-                  <a:alpha val="10000"/>
-                </a:schemeClr>
-              </a:solidFill>
-              <a:round/>
-            </a:ln>
-            <a:effectLst/>
-          </c:spPr>
-        </c:majorGridlines>
-        <c:numFmt formatCode="General" sourceLinked="1"/>
-        <c:majorTickMark val="none"/>
-        <c:minorTickMark val="none"/>
-        <c:tickLblPos val="nextTo"/>
-        <c:spPr>
-          <a:noFill/>
-          <a:ln>
-            <a:noFill/>
-          </a:ln>
-          <a:effectLst/>
-        </c:spPr>
-        <c:txPr>
-          <a:bodyPr rot="-60000000" spcFirstLastPara="1" vertOverflow="ellipsis" vert="horz" wrap="square" anchor="ctr" anchorCtr="1"/>
-          <a:lstStyle/>
-          <a:p>
-            <a:pPr>
-              <a:defRPr sz="1197" b="0" i="0" u="none" strike="noStrike" kern="1200" baseline="0">
-                <a:solidFill>
-                  <a:schemeClr val="lt1">
-                    <a:lumMod val="85000"/>
-                  </a:schemeClr>
-                </a:solidFill>
-                <a:latin typeface="+mn-lt"/>
-                <a:ea typeface="+mn-ea"/>
-                <a:cs typeface="+mn-cs"/>
-              </a:defRPr>
-            </a:pPr>
-            <a:endParaRPr lang="zh-CN"/>
-          </a:p>
-        </c:txPr>
-        <c:crossAx val="974997472"/>
-        <c:crosses val="autoZero"/>
-        <c:crossBetween val="between"/>
-      </c:valAx>
-      <c:spPr>
-        <a:noFill/>
-        <a:ln>
-          <a:noFill/>
-        </a:ln>
-        <a:effectLst/>
-      </c:spPr>
-    </c:plotArea>
-    <c:legend>
-      <c:legendPos val="b"/>
-      <c:overlay val="0"/>
-      <c:spPr>
-        <a:noFill/>
-        <a:ln>
-          <a:noFill/>
-        </a:ln>
-        <a:effectLst/>
-      </c:spPr>
-      <c:txPr>
-        <a:bodyPr rot="0" spcFirstLastPara="1" vertOverflow="ellipsis" vert="horz" wrap="square" anchor="ctr" anchorCtr="1"/>
-        <a:lstStyle/>
-        <a:p>
-          <a:pPr>
-            <a:defRPr sz="1197" b="0" i="0" u="none" strike="noStrike" kern="1200" baseline="0">
-              <a:solidFill>
-                <a:schemeClr val="lt1">
-                  <a:lumMod val="85000"/>
-                </a:schemeClr>
-              </a:solidFill>
-              <a:latin typeface="+mn-lt"/>
-              <a:ea typeface="+mn-ea"/>
-              <a:cs typeface="+mn-cs"/>
-            </a:defRPr>
-          </a:pPr>
-          <a:endParaRPr lang="zh-CN"/>
-        </a:p>
-      </c:txPr>
-    </c:legend>
-    <c:plotVisOnly val="1"/>
-    <c:dispBlanksAs val="gap"/>
-    <c:showDLblsOverMax val="0"/>
-  </c:chart>
-  <c:spPr>
-    <a:gradFill flip="none" rotWithShape="1">
-      <a:gsLst>
-        <a:gs pos="0">
-          <a:schemeClr val="dk1">
-            <a:lumMod val="65000"/>
-            <a:lumOff val="35000"/>
-          </a:schemeClr>
-        </a:gs>
-        <a:gs pos="100000">
-          <a:schemeClr val="dk1">
-            <a:lumMod val="85000"/>
-            <a:lumOff val="15000"/>
-          </a:schemeClr>
-        </a:gs>
-      </a:gsLst>
-      <a:path path="circle">
-        <a:fillToRect l="50000" t="50000" r="50000" b="50000"/>
-      </a:path>
-      <a:tileRect/>
-    </a:gradFill>
-    <a:ln>
-      <a:noFill/>
-    </a:ln>
-    <a:effectLst/>
-  </c:spPr>
-  <c:txPr>
-    <a:bodyPr/>
-    <a:lstStyle/>
-    <a:p>
-      <a:pPr>
-        <a:defRPr/>
-      </a:pPr>
-      <a:endParaRPr lang="zh-CN"/>
-    </a:p>
-  </c:txPr>
-  <c:externalData r:id="rId3">
-    <c:autoUpdate val="0"/>
-  </c:externalData>
-</c:chartSpace>
-</file>
-
-<file path=ppt/charts/colors1.xml><?xml version="1.0" encoding="utf-8"?>
-<cs:colorStyle xmlns:cs="http://schemas.microsoft.com/office/drawing/2012/chartStyle" xmlns:a="http://schemas.openxmlformats.org/drawingml/2006/main" meth="cycle" id="10">
-  <a:schemeClr val="accent1"/>
-  <a:schemeClr val="accent2"/>
-  <a:schemeClr val="accent3"/>
-  <a:schemeClr val="accent4"/>
-  <a:schemeClr val="accent5"/>
-  <a:schemeClr val="accent6"/>
-  <cs:variation/>
-  <cs:variation>
-    <a:lumMod val="60000"/>
-  </cs:variation>
-  <cs:variation>
-    <a:lumMod val="80000"/>
-    <a:lumOff val="20000"/>
-  </cs:variation>
-  <cs:variation>
-    <a:lumMod val="80000"/>
-  </cs:variation>
-  <cs:variation>
-    <a:lumMod val="60000"/>
-    <a:lumOff val="40000"/>
-  </cs:variation>
-  <cs:variation>
-    <a:lumMod val="50000"/>
-  </cs:variation>
-  <cs:variation>
-    <a:lumMod val="70000"/>
-    <a:lumOff val="30000"/>
-  </cs:variation>
-  <cs:variation>
-    <a:lumMod val="70000"/>
-  </cs:variation>
-  <cs:variation>
-    <a:lumMod val="50000"/>
-    <a:lumOff val="50000"/>
-  </cs:variation>
-</cs:colorStyle>
-</file>
-
-<file path=ppt/charts/style1.xml><?xml version="1.0" encoding="utf-8"?>
-<cs:chartStyle xmlns:cs="http://schemas.microsoft.com/office/drawing/2012/chartStyle" xmlns:a="http://schemas.openxmlformats.org/drawingml/2006/main" id="209">
-  <cs:axisTitle>
-    <cs:lnRef idx="0"/>
-    <cs:fillRef idx="0"/>
-    <cs:effectRef idx="0"/>
-    <cs:fontRef idx="minor">
-      <a:schemeClr val="lt1">
-        <a:lumMod val="85000"/>
-      </a:schemeClr>
-    </cs:fontRef>
-    <cs:defRPr sz="1197" b="1" kern="1200" cap="all"/>
-  </cs:axisTitle>
-  <cs:categoryAxis>
-    <cs:lnRef idx="0"/>
-    <cs:fillRef idx="0"/>
-    <cs:effectRef idx="0"/>
-    <cs:fontRef idx="minor">
-      <a:schemeClr val="lt1">
-        <a:lumMod val="85000"/>
-      </a:schemeClr>
-    </cs:fontRef>
-    <cs:spPr>
-      <a:ln w="12700" cap="flat" cmpd="sng" algn="ctr">
-        <a:solidFill>
-          <a:schemeClr val="lt1">
-            <a:lumMod val="95000"/>
-            <a:alpha val="54000"/>
-          </a:schemeClr>
-        </a:solidFill>
-        <a:round/>
-      </a:ln>
-    </cs:spPr>
-    <cs:defRPr sz="1197" kern="1200"/>
-  </cs:categoryAxis>
-  <cs:chartArea>
-    <cs:lnRef idx="0"/>
-    <cs:fillRef idx="0"/>
-    <cs:effectRef idx="0"/>
-    <cs:fontRef idx="minor">
-      <a:schemeClr val="dk1"/>
-    </cs:fontRef>
-    <cs:spPr>
-      <a:gradFill flip="none" rotWithShape="1">
-        <a:gsLst>
-          <a:gs pos="0">
-            <a:schemeClr val="dk1">
-              <a:lumMod val="65000"/>
-              <a:lumOff val="35000"/>
-            </a:schemeClr>
-          </a:gs>
-          <a:gs pos="100000">
-            <a:schemeClr val="dk1">
-              <a:lumMod val="85000"/>
-              <a:lumOff val="15000"/>
-            </a:schemeClr>
-          </a:gs>
-        </a:gsLst>
-        <a:path path="circle">
-          <a:fillToRect l="50000" t="50000" r="50000" b="50000"/>
-        </a:path>
-        <a:tileRect/>
-      </a:gradFill>
-    </cs:spPr>
-    <cs:defRPr sz="1330" kern="1200"/>
-  </cs:chartArea>
-  <cs:dataLabel>
-    <cs:lnRef idx="0"/>
-    <cs:fillRef idx="0"/>
-    <cs:effectRef idx="0"/>
-    <cs:fontRef idx="minor">
-      <a:schemeClr val="lt1">
-        <a:lumMod val="85000"/>
-      </a:schemeClr>
-    </cs:fontRef>
-    <cs:defRPr sz="1197" kern="1200"/>
-  </cs:dataLabel>
-  <cs:dataLabelCallout>
-    <cs:lnRef idx="0"/>
-    <cs:fillRef idx="0"/>
-    <cs:effectRef idx="0"/>
-    <cs:fontRef idx="minor">
-      <a:schemeClr val="dk1">
-        <a:lumMod val="65000"/>
-        <a:lumOff val="35000"/>
-      </a:schemeClr>
-    </cs:fontRef>
-    <cs:spPr>
-      <a:solidFill>
-        <a:schemeClr val="lt1"/>
-      </a:solidFill>
-    </cs:spPr>
-    <cs:defRPr sz="1197" kern="1200"/>
-    <cs:bodyPr rot="0" spcFirstLastPara="1" vertOverflow="clip" horzOverflow="clip" vert="horz" wrap="square" lIns="36576" tIns="18288" rIns="36576" bIns="18288" anchor="ctr" anchorCtr="1">
-      <a:spAutoFit/>
-    </cs:bodyPr>
-  </cs:dataLabelCallout>
-  <cs:dataPoint>
-    <cs:lnRef idx="0"/>
-    <cs:fillRef idx="3">
-      <cs:styleClr val="auto"/>
-    </cs:fillRef>
-    <cs:effectRef idx="3"/>
-    <cs:fontRef idx="minor">
-      <a:schemeClr val="lt1"/>
-    </cs:fontRef>
-  </cs:dataPoint>
-  <cs:dataPoint3D>
-    <cs:lnRef idx="0"/>
-    <cs:fillRef idx="3">
-      <cs:styleClr val="auto"/>
-    </cs:fillRef>
-    <cs:effectRef idx="3"/>
-    <cs:fontRef idx="minor">
-      <a:schemeClr val="lt1"/>
-    </cs:fontRef>
-  </cs:dataPoint3D>
-  <cs:dataPointLine>
-    <cs:lnRef idx="0">
-      <cs:styleClr val="auto"/>
-    </cs:lnRef>
-    <cs:fillRef idx="3"/>
-    <cs:effectRef idx="3"/>
-    <cs:fontRef idx="minor">
-      <a:schemeClr val="lt1"/>
-    </cs:fontRef>
-    <cs:spPr>
-      <a:ln w="34925" cap="rnd">
-        <a:solidFill>
-          <a:schemeClr val="phClr"/>
-        </a:solidFill>
-        <a:round/>
-      </a:ln>
-    </cs:spPr>
-  </cs:dataPointLine>
-  <cs:dataPointMarker>
-    <cs:lnRef idx="0">
-      <cs:styleClr val="auto"/>
-    </cs:lnRef>
-    <cs:fillRef idx="3">
-      <cs:styleClr val="auto"/>
-    </cs:fillRef>
-    <cs:effectRef idx="3"/>
-    <cs:fontRef idx="minor">
-      <a:schemeClr val="lt1"/>
-    </cs:fontRef>
-    <cs:spPr>
-      <a:ln w="9525">
-        <a:solidFill>
-          <a:schemeClr val="phClr"/>
-        </a:solidFill>
-        <a:round/>
-      </a:ln>
-    </cs:spPr>
-  </cs:dataPointMarker>
-  <cs:dataPointMarkerLayout symbol="circle" size="6"/>
-  <cs:dataPointWireframe>
-    <cs:lnRef idx="0">
-      <cs:styleClr val="auto"/>
-    </cs:lnRef>
-    <cs:fillRef idx="3"/>
-    <cs:effectRef idx="3"/>
-    <cs:fontRef idx="minor">
-      <a:schemeClr val="lt1"/>
-    </cs:fontRef>
-    <cs:spPr>
-      <a:ln w="9525" cap="rnd">
-        <a:solidFill>
-          <a:schemeClr val="phClr"/>
-        </a:solidFill>
-        <a:round/>
-      </a:ln>
-    </cs:spPr>
-  </cs:dataPointWireframe>
-  <cs:dataTable>
-    <cs:lnRef idx="0"/>
-    <cs:fillRef idx="0"/>
-    <cs:effectRef idx="0"/>
-    <cs:fontRef idx="minor">
-      <a:schemeClr val="lt1">
-        <a:lumMod val="85000"/>
-      </a:schemeClr>
-    </cs:fontRef>
-    <cs:spPr>
-      <a:ln w="9525">
-        <a:solidFill>
-          <a:schemeClr val="lt1">
-            <a:lumMod val="95000"/>
-            <a:alpha val="54000"/>
-          </a:schemeClr>
-        </a:solidFill>
-      </a:ln>
-    </cs:spPr>
-    <cs:defRPr sz="1197" kern="1200"/>
-  </cs:dataTable>
-  <cs:downBar>
-    <cs:lnRef idx="0"/>
-    <cs:fillRef idx="0"/>
-    <cs:effectRef idx="0"/>
-    <cs:fontRef idx="minor">
-      <a:schemeClr val="lt1"/>
-    </cs:fontRef>
-    <cs:spPr>
-      <a:solidFill>
-        <a:schemeClr val="dk1">
-          <a:lumMod val="75000"/>
-          <a:lumOff val="25000"/>
-        </a:schemeClr>
-      </a:solidFill>
-      <a:ln w="9525">
-        <a:solidFill>
-          <a:schemeClr val="lt1">
-            <a:lumMod val="95000"/>
-            <a:alpha val="54000"/>
-          </a:schemeClr>
-        </a:solidFill>
-      </a:ln>
-    </cs:spPr>
-  </cs:downBar>
-  <cs:dropLine>
-    <cs:lnRef idx="0"/>
-    <cs:fillRef idx="0"/>
-    <cs:effectRef idx="0"/>
-    <cs:fontRef idx="minor">
-      <a:schemeClr val="lt1"/>
-    </cs:fontRef>
-    <cs:spPr>
-      <a:ln w="9525">
-        <a:solidFill>
-          <a:schemeClr val="lt1">
-            <a:lumMod val="95000"/>
-            <a:alpha val="54000"/>
-          </a:schemeClr>
-        </a:solidFill>
-        <a:prstDash val="dash"/>
-      </a:ln>
-    </cs:spPr>
-  </cs:dropLine>
-  <cs:errorBar>
-    <cs:lnRef idx="0"/>
-    <cs:fillRef idx="0"/>
-    <cs:effectRef idx="0"/>
-    <cs:fontRef idx="minor">
-      <a:schemeClr val="lt1"/>
-    </cs:fontRef>
-    <cs:spPr>
-      <a:ln w="9525" cap="flat" cmpd="sng" algn="ctr">
-        <a:solidFill>
-          <a:schemeClr val="lt1">
-            <a:lumMod val="95000"/>
-          </a:schemeClr>
-        </a:solidFill>
-        <a:round/>
-      </a:ln>
-    </cs:spPr>
-  </cs:errorBar>
-  <cs:floor>
-    <cs:lnRef idx="0"/>
-    <cs:fillRef idx="0"/>
-    <cs:effectRef idx="0"/>
-    <cs:fontRef idx="minor">
-      <a:schemeClr val="lt1"/>
-    </cs:fontRef>
-  </cs:floor>
-  <cs:gridlineMajor>
-    <cs:lnRef idx="0"/>
-    <cs:fillRef idx="0"/>
-    <cs:effectRef idx="0"/>
-    <cs:fontRef idx="minor">
-      <a:schemeClr val="lt1"/>
-    </cs:fontRef>
-    <cs:spPr>
-      <a:ln w="9525" cap="flat" cmpd="sng" algn="ctr">
-        <a:solidFill>
-          <a:schemeClr val="lt1">
-            <a:lumMod val="95000"/>
-            <a:alpha val="10000"/>
-          </a:schemeClr>
-        </a:solidFill>
-        <a:round/>
-      </a:ln>
-    </cs:spPr>
-  </cs:gridlineMajor>
-  <cs:gridlineMinor>
-    <cs:lnRef idx="0"/>
-    <cs:fillRef idx="0"/>
-    <cs:effectRef idx="0"/>
-    <cs:fontRef idx="minor">
-      <a:schemeClr val="lt1"/>
-    </cs:fontRef>
-    <cs:spPr>
-      <a:ln>
-        <a:solidFill>
-          <a:schemeClr val="lt1">
-            <a:lumMod val="95000"/>
-            <a:alpha val="5000"/>
-          </a:schemeClr>
-        </a:solidFill>
-      </a:ln>
-    </cs:spPr>
-  </cs:gridlineMinor>
-  <cs:hiLoLine>
-    <cs:lnRef idx="0"/>
-    <cs:fillRef idx="0"/>
-    <cs:effectRef idx="0"/>
-    <cs:fontRef idx="minor">
-      <a:schemeClr val="lt1"/>
-    </cs:fontRef>
-    <cs:spPr>
-      <a:ln w="9525">
-        <a:solidFill>
-          <a:schemeClr val="lt1">
-            <a:lumMod val="95000"/>
-            <a:alpha val="54000"/>
-          </a:schemeClr>
-        </a:solidFill>
-        <a:prstDash val="dash"/>
-      </a:ln>
-    </cs:spPr>
-  </cs:hiLoLine>
-  <cs:leaderLine>
-    <cs:lnRef idx="0"/>
-    <cs:fillRef idx="0"/>
-    <cs:effectRef idx="0"/>
-    <cs:fontRef idx="minor">
-      <a:schemeClr val="lt1"/>
-    </cs:fontRef>
-    <cs:spPr>
-      <a:ln w="9525">
-        <a:solidFill>
-          <a:schemeClr val="lt1">
-            <a:lumMod val="95000"/>
-            <a:alpha val="54000"/>
-          </a:schemeClr>
-        </a:solidFill>
-      </a:ln>
-    </cs:spPr>
-  </cs:leaderLine>
-  <cs:legend>
-    <cs:lnRef idx="0"/>
-    <cs:fillRef idx="0"/>
-    <cs:effectRef idx="0"/>
-    <cs:fontRef idx="minor">
-      <a:schemeClr val="lt1">
-        <a:lumMod val="85000"/>
-      </a:schemeClr>
-    </cs:fontRef>
-    <cs:defRPr sz="1197" kern="1200"/>
-  </cs:legend>
-  <cs:plotArea>
-    <cs:lnRef idx="0"/>
-    <cs:fillRef idx="0"/>
-    <cs:effectRef idx="0"/>
-    <cs:fontRef idx="minor">
-      <a:schemeClr val="lt1"/>
-    </cs:fontRef>
-  </cs:plotArea>
-  <cs:plotArea3D>
-    <cs:lnRef idx="0"/>
-    <cs:fillRef idx="0"/>
-    <cs:effectRef idx="0"/>
-    <cs:fontRef idx="minor">
-      <a:schemeClr val="lt1"/>
-    </cs:fontRef>
-  </cs:plotArea3D>
-  <cs:seriesAxis>
-    <cs:lnRef idx="0"/>
-    <cs:fillRef idx="0"/>
-    <cs:effectRef idx="0"/>
-    <cs:fontRef idx="minor">
-      <a:schemeClr val="lt1">
-        <a:lumMod val="85000"/>
-      </a:schemeClr>
-    </cs:fontRef>
-    <cs:spPr>
-      <a:ln w="12700" cap="flat" cmpd="sng" algn="ctr">
-        <a:solidFill>
-          <a:schemeClr val="lt1">
-            <a:lumMod val="95000"/>
-            <a:alpha val="54000"/>
-          </a:schemeClr>
-        </a:solidFill>
-        <a:round/>
-      </a:ln>
-    </cs:spPr>
-    <cs:defRPr sz="1197" kern="1200"/>
-  </cs:seriesAxis>
-  <cs:seriesLine>
-    <cs:lnRef idx="0"/>
-    <cs:fillRef idx="0"/>
-    <cs:effectRef idx="0"/>
-    <cs:fontRef idx="minor">
-      <a:schemeClr val="lt1"/>
-    </cs:fontRef>
-    <cs:spPr>
-      <a:ln w="9525" cap="flat" cmpd="sng" algn="ctr">
-        <a:solidFill>
-          <a:schemeClr val="lt1">
-            <a:lumMod val="95000"/>
-            <a:alpha val="54000"/>
-          </a:schemeClr>
-        </a:solidFill>
-        <a:round/>
-      </a:ln>
-    </cs:spPr>
-  </cs:seriesLine>
-  <cs:title>
-    <cs:lnRef idx="0"/>
-    <cs:fillRef idx="0"/>
-    <cs:effectRef idx="0"/>
-    <cs:fontRef idx="minor">
-      <a:schemeClr val="lt1">
-        <a:lumMod val="95000"/>
-      </a:schemeClr>
-    </cs:fontRef>
-    <cs:defRPr sz="2128" b="1" kern="1200" spc="100" baseline="0">
-      <a:effectLst>
-        <a:outerShdw blurRad="50800" dist="38100" dir="5400000" algn="t" rotWithShape="0">
-          <a:prstClr val="black">
-            <a:alpha val="40000"/>
-          </a:prstClr>
-        </a:outerShdw>
-      </a:effectLst>
-    </cs:defRPr>
-  </cs:title>
-  <cs:trendline>
-    <cs:lnRef idx="0">
-      <cs:styleClr val="auto"/>
-    </cs:lnRef>
-    <cs:fillRef idx="0"/>
-    <cs:effectRef idx="0"/>
-    <cs:fontRef idx="minor">
-      <a:schemeClr val="lt1"/>
-    </cs:fontRef>
-    <cs:spPr>
-      <a:ln w="19050" cap="rnd">
-        <a:solidFill>
-          <a:schemeClr val="phClr"/>
-        </a:solidFill>
-      </a:ln>
-    </cs:spPr>
-  </cs:trendline>
-  <cs:trendlineLabel>
-    <cs:lnRef idx="0"/>
-    <cs:fillRef idx="0"/>
-    <cs:effectRef idx="0"/>
-    <cs:fontRef idx="minor">
-      <a:schemeClr val="lt1">
-        <a:lumMod val="85000"/>
-      </a:schemeClr>
-    </cs:fontRef>
-    <cs:defRPr sz="1197" kern="1200"/>
-  </cs:trendlineLabel>
-  <cs:upBar>
-    <cs:lnRef idx="0"/>
-    <cs:fillRef idx="0"/>
-    <cs:effectRef idx="0"/>
-    <cs:fontRef idx="minor">
-      <a:schemeClr val="lt1"/>
-    </cs:fontRef>
-    <cs:spPr>
-      <a:solidFill>
-        <a:schemeClr val="lt1"/>
-      </a:solidFill>
-      <a:ln w="9525">
-        <a:solidFill>
-          <a:schemeClr val="lt1">
-            <a:lumMod val="95000"/>
-            <a:alpha val="54000"/>
-          </a:schemeClr>
-        </a:solidFill>
-      </a:ln>
-    </cs:spPr>
-  </cs:upBar>
-  <cs:valueAxis>
-    <cs:lnRef idx="0"/>
-    <cs:fillRef idx="0"/>
-    <cs:effectRef idx="0"/>
-    <cs:fontRef idx="minor">
-      <a:schemeClr val="lt1">
-        <a:lumMod val="85000"/>
-      </a:schemeClr>
-    </cs:fontRef>
-    <cs:defRPr sz="1197" kern="1200"/>
-  </cs:valueAxis>
-  <cs:wall>
-    <cs:lnRef idx="0"/>
-    <cs:fillRef idx="0"/>
-    <cs:effectRef idx="0"/>
-    <cs:fontRef idx="minor">
-      <a:schemeClr val="lt1"/>
-    </cs:fontRef>
-  </cs:wall>
-</cs:chartStyle>
 </file>
 
 <file path=ppt/slideLayouts/slideLayout1.xml><?xml version="1.0" encoding="utf-8"?>
@@ -4963,710 +3638,103 @@
       </p:grpSpPr>
       <p:sp>
         <p:nvSpPr>
-          <p:cNvPr id="2" name="标题 1">
-            <a:extLst>
-              <a:ext uri="{FF2B5EF4-FFF2-40B4-BE49-F238E27FC236}">
-                <a16:creationId xmlns:a16="http://schemas.microsoft.com/office/drawing/2014/main" id="{82A6C5A6-BBF9-4FB4-8F19-B6333E0F487E}"/>
-              </a:ext>
-            </a:extLst>
-          </p:cNvPr>
-          <p:cNvSpPr>
-            <a:spLocks noGrp="1"/>
-          </p:cNvSpPr>
-          <p:nvPr>
-            <p:ph type="ctrTitle"/>
+          <p:cNvPr id="2" name="标题 1"/>
+          <p:cNvSpPr>
+            <a:spLocks noGrp="1"/>
+          </p:cNvSpPr>
+          <p:nvPr>
+            <p:ph type="title"/>
           </p:nvPr>
         </p:nvSpPr>
         <p:spPr/>
         <p:txBody>
           <a:bodyPr>
-            <a:normAutofit/>
+            <a:normAutofit fontScale="90000"/>
           </a:bodyPr>
           <a:lstStyle/>
           <a:p>
             <a:r>
-              <a:rPr lang="en-US" altLang="zh-CN" sz="6000" kern="100" dirty="0">
-                <a:effectLst/>
-                <a:latin typeface="Calibri" panose="020F0502020204030204" pitchFamily="34" charset="0"/>
-                <a:ea typeface="等线" panose="02010600030101010101" pitchFamily="2" charset="-122"/>
-                <a:cs typeface="Times New Roman" panose="02020603050405020304" pitchFamily="18" charset="0"/>
-              </a:rPr>
-              <a:t>Script Character Emotion Recognition</a:t>
-            </a:r>
-            <a:endParaRPr lang="zh-CN" altLang="en-US" sz="6000" dirty="0"/>
-          </a:p>
-        </p:txBody>
-      </p:sp>
-      <p:sp>
-        <p:nvSpPr>
-          <p:cNvPr id="3" name="副标题 2">
-            <a:extLst>
-              <a:ext uri="{FF2B5EF4-FFF2-40B4-BE49-F238E27FC236}">
-                <a16:creationId xmlns:a16="http://schemas.microsoft.com/office/drawing/2014/main" id="{0437BC55-7BA9-44E3-862A-0EB0D4D526C2}"/>
-              </a:ext>
-            </a:extLst>
-          </p:cNvPr>
-          <p:cNvSpPr>
-            <a:spLocks noGrp="1"/>
-          </p:cNvSpPr>
-          <p:nvPr>
-            <p:ph type="subTitle" idx="1"/>
-          </p:nvPr>
-        </p:nvSpPr>
-        <p:spPr>
-          <a:xfrm>
-            <a:off x="2417780" y="3531204"/>
-            <a:ext cx="8637072" cy="2524498"/>
-          </a:xfrm>
-        </p:spPr>
-        <p:txBody>
-          <a:bodyPr>
-            <a:normAutofit fontScale="92500" lnSpcReduction="20000"/>
-          </a:bodyPr>
-          <a:lstStyle/>
-          <a:p>
-            <a:r>
-              <a:rPr lang="en-US" altLang="zh-CN" sz="2800" dirty="0">
-                <a:latin typeface="Calibri" panose="020F0502020204030204" pitchFamily="34" charset="0"/>
-                <a:cs typeface="Calibri" panose="020F0502020204030204" pitchFamily="34" charset="0"/>
-              </a:rPr>
-              <a:t>CS 584 Team 39 Presentation</a:t>
-            </a:r>
-          </a:p>
-          <a:p>
-            <a:pPr algn="r">
-              <a:lnSpc>
-                <a:spcPct val="150000"/>
-              </a:lnSpc>
-            </a:pPr>
-            <a:r>
-              <a:rPr lang="en-US" altLang="zh-CN" sz="2800" kern="100" dirty="0">
-                <a:effectLst/>
+              <a:rPr lang="en-US" altLang="zh-CN" dirty="0" smtClean="0"/>
+              <a:t>Baseline model’s </a:t>
+            </a:r>
+            <a:r>
+              <a:rPr lang="en-US" altLang="zh-CN" dirty="0" err="1" smtClean="0"/>
+              <a:t>shoRtcomings</a:t>
+            </a:r>
+            <a:r>
+              <a:rPr lang="en-US" altLang="zh-CN" dirty="0" smtClean="0"/>
+              <a:t> &amp; </a:t>
+            </a:r>
+            <a:r>
+              <a:rPr lang="en-US" altLang="zh-CN" dirty="0" err="1" smtClean="0"/>
+              <a:t>improvment</a:t>
+            </a:r>
+            <a:r>
+              <a:rPr lang="en-US" altLang="zh-CN" dirty="0" smtClean="0"/>
+              <a:t/>
+            </a:r>
+            <a:br>
+              <a:rPr lang="en-US" altLang="zh-CN" dirty="0" smtClean="0"/>
+            </a:br>
+            <a:r>
+              <a:rPr lang="en-US" altLang="zh-CN" dirty="0"/>
+              <a:t>	</a:t>
+            </a:r>
+            <a:r>
+              <a:rPr lang="en-US" altLang="zh-CN" dirty="0" smtClean="0"/>
+              <a:t>						by </a:t>
+            </a:r>
+            <a:r>
+              <a:rPr lang="en-US" altLang="zh-CN" kern="100" dirty="0">
                 <a:latin typeface="Calibri" panose="020F0502020204030204" pitchFamily="34" charset="0"/>
                 <a:ea typeface="等线" panose="02010600030101010101" pitchFamily="2" charset="-122"/>
                 <a:cs typeface="Calibri" panose="020F0502020204030204" pitchFamily="34" charset="0"/>
               </a:rPr>
-              <a:t>Biao Sun 	A20475197</a:t>
-            </a:r>
-            <a:endParaRPr lang="zh-CN" altLang="zh-CN" sz="2800" kern="100" dirty="0">
-              <a:effectLst/>
-              <a:latin typeface="Calibri" panose="020F0502020204030204" pitchFamily="34" charset="0"/>
-              <a:ea typeface="等线" panose="02010600030101010101" pitchFamily="2" charset="-122"/>
-              <a:cs typeface="Calibri" panose="020F0502020204030204" pitchFamily="34" charset="0"/>
-            </a:endParaRPr>
-          </a:p>
-          <a:p>
-            <a:pPr algn="r">
-              <a:lnSpc>
-                <a:spcPct val="150000"/>
-              </a:lnSpc>
-            </a:pPr>
-            <a:r>
-              <a:rPr lang="en-US" altLang="zh-CN" sz="2800" kern="100" dirty="0">
-                <a:effectLst/>
-                <a:latin typeface="Calibri" panose="020F0502020204030204" pitchFamily="34" charset="0"/>
-                <a:ea typeface="等线" panose="02010600030101010101" pitchFamily="2" charset="-122"/>
-                <a:cs typeface="Calibri" panose="020F0502020204030204" pitchFamily="34" charset="0"/>
-              </a:rPr>
-              <a:t>Jianhua Tu 	A20480216</a:t>
-            </a:r>
-            <a:endParaRPr lang="zh-CN" altLang="zh-CN" sz="2800" kern="100" dirty="0">
-              <a:effectLst/>
-              <a:latin typeface="Calibri" panose="020F0502020204030204" pitchFamily="34" charset="0"/>
-              <a:ea typeface="等线" panose="02010600030101010101" pitchFamily="2" charset="-122"/>
-              <a:cs typeface="Calibri" panose="020F0502020204030204" pitchFamily="34" charset="0"/>
-            </a:endParaRPr>
-          </a:p>
-          <a:p>
-            <a:pPr algn="r">
-              <a:lnSpc>
-                <a:spcPct val="150000"/>
-              </a:lnSpc>
-            </a:pPr>
-            <a:r>
-              <a:rPr lang="en-US" altLang="zh-CN" sz="2800" kern="100" dirty="0">
-                <a:effectLst/>
-                <a:latin typeface="Calibri" panose="020F0502020204030204" pitchFamily="34" charset="0"/>
-                <a:ea typeface="等线" panose="02010600030101010101" pitchFamily="2" charset="-122"/>
-                <a:cs typeface="Calibri" panose="020F0502020204030204" pitchFamily="34" charset="0"/>
-              </a:rPr>
-              <a:t>Ye Yu 		A20478640</a:t>
-            </a:r>
-            <a:endParaRPr lang="zh-CN" altLang="zh-CN" sz="2800" kern="100" dirty="0">
-              <a:effectLst/>
-              <a:latin typeface="Calibri" panose="020F0502020204030204" pitchFamily="34" charset="0"/>
-              <a:ea typeface="等线" panose="02010600030101010101" pitchFamily="2" charset="-122"/>
-              <a:cs typeface="Calibri" panose="020F0502020204030204" pitchFamily="34" charset="0"/>
-            </a:endParaRPr>
-          </a:p>
-          <a:p>
+              <a:t>Jianhua Tu </a:t>
+            </a:r>
             <a:endParaRPr lang="zh-CN" altLang="en-US" dirty="0"/>
           </a:p>
         </p:txBody>
       </p:sp>
-    </p:spTree>
-    <p:extLst>
-      <p:ext uri="{BB962C8B-B14F-4D97-AF65-F5344CB8AC3E}">
-        <p14:creationId xmlns:p14="http://schemas.microsoft.com/office/powerpoint/2010/main" val="2055170776"/>
-      </p:ext>
-    </p:extLst>
-  </p:cSld>
-  <p:clrMapOvr>
-    <a:masterClrMapping/>
-  </p:clrMapOvr>
-</p:sld>
-</file>
-
-<file path=ppt/slides/slide10.xml><?xml version="1.0" encoding="utf-8"?>
-<p:sld xmlns:a="http://schemas.openxmlformats.org/drawingml/2006/main" xmlns:r="http://schemas.openxmlformats.org/officeDocument/2006/relationships" xmlns:p="http://schemas.openxmlformats.org/presentationml/2006/main">
-  <p:cSld>
-    <p:spTree>
-      <p:nvGrpSpPr>
-        <p:cNvPr id="1" name=""/>
-        <p:cNvGrpSpPr/>
-        <p:nvPr/>
-      </p:nvGrpSpPr>
-      <p:grpSpPr>
-        <a:xfrm>
-          <a:off x="0" y="0"/>
-          <a:ext cx="0" cy="0"/>
-          <a:chOff x="0" y="0"/>
-          <a:chExt cx="0" cy="0"/>
-        </a:xfrm>
-      </p:grpSpPr>
-      <p:sp>
-        <p:nvSpPr>
-          <p:cNvPr id="2" name="标题 1"/>
-          <p:cNvSpPr>
-            <a:spLocks noGrp="1"/>
-          </p:cNvSpPr>
-          <p:nvPr>
-            <p:ph type="title"/>
-          </p:nvPr>
-        </p:nvSpPr>
-        <p:spPr/>
-        <p:txBody>
-          <a:bodyPr/>
-          <a:lstStyle/>
-          <a:p>
-            <a:r>
-              <a:rPr lang="en-US" altLang="zh-CN" dirty="0"/>
-              <a:t>Baseline model’s </a:t>
-            </a:r>
-            <a:r>
-              <a:rPr lang="en-US" altLang="zh-CN" dirty="0" err="1" smtClean="0"/>
-              <a:t>shoRtcoming</a:t>
-            </a:r>
-            <a:r>
-              <a:rPr lang="zh-CN" altLang="en-US" dirty="0" smtClean="0"/>
-              <a:t>（</a:t>
-            </a:r>
-            <a:r>
-              <a:rPr lang="en-US" altLang="zh-CN" dirty="0" smtClean="0"/>
-              <a:t>1</a:t>
-            </a:r>
-            <a:r>
-              <a:rPr lang="zh-CN" altLang="en-US" dirty="0" smtClean="0"/>
-              <a:t>）</a:t>
-            </a:r>
-            <a:endParaRPr lang="zh-CN" altLang="en-US" dirty="0"/>
-          </a:p>
-        </p:txBody>
-      </p:sp>
-      <p:pic>
-        <p:nvPicPr>
-          <p:cNvPr id="4" name="内容占位符 3"/>
-          <p:cNvPicPr>
-            <a:picLocks noGrp="1" noChangeAspect="1"/>
-          </p:cNvPicPr>
+      <p:sp>
+        <p:nvSpPr>
+          <p:cNvPr id="3" name="内容占位符 2"/>
+          <p:cNvSpPr>
+            <a:spLocks noGrp="1"/>
+          </p:cNvSpPr>
           <p:nvPr>
             <p:ph idx="1"/>
           </p:nvPr>
-        </p:nvPicPr>
-        <p:blipFill>
-          <a:blip r:embed="rId2">
-            <a:extLst>
-              <a:ext uri="{28A0092B-C50C-407E-A947-70E740481C1C}">
-                <a14:useLocalDpi xmlns:a14="http://schemas.microsoft.com/office/drawing/2010/main" val="0"/>
-              </a:ext>
-            </a:extLst>
-          </a:blip>
-          <a:stretch>
-            <a:fillRect/>
-          </a:stretch>
-        </p:blipFill>
+        </p:nvSpPr>
         <p:spPr>
           <a:xfrm>
-            <a:off x="2042069" y="2447038"/>
-            <a:ext cx="8422294" cy="3449638"/>
+            <a:off x="1451579" y="2015732"/>
+            <a:ext cx="9603275" cy="902959"/>
           </a:xfrm>
         </p:spPr>
-      </p:pic>
-      <p:sp>
-        <p:nvSpPr>
-          <p:cNvPr id="3" name="文本框 2"/>
-          <p:cNvSpPr txBox="1"/>
-          <p:nvPr/>
-        </p:nvSpPr>
-        <p:spPr>
-          <a:xfrm>
-            <a:off x="1451579" y="1853754"/>
-            <a:ext cx="9492439" cy="923330"/>
-          </a:xfrm>
-          <a:prstGeom prst="rect">
-            <a:avLst/>
-          </a:prstGeom>
-          <a:noFill/>
-        </p:spPr>
-        <p:txBody>
-          <a:bodyPr wrap="square" rtlCol="0">
-            <a:spAutoFit/>
+        <p:txBody>
+          <a:bodyPr>
+            <a:normAutofit lnSpcReduction="10000"/>
           </a:bodyPr>
           <a:lstStyle/>
           <a:p>
             <a:r>
-              <a:rPr lang="en-US" altLang="zh-CN" dirty="0"/>
-              <a:t>Baseline model </a:t>
-            </a:r>
-            <a:r>
-              <a:rPr lang="en-US" altLang="zh-CN" dirty="0" err="1"/>
-              <a:t>simplifys</a:t>
-            </a:r>
-            <a:r>
-              <a:rPr lang="en-US" altLang="zh-CN" dirty="0"/>
-              <a:t> the multi-label multi-classification problem as a multi-label binary classification problem. It only gives 0 or 1 for an emotion, </a:t>
-            </a:r>
-            <a:r>
               <a:rPr lang="en-US" altLang="zh-CN" dirty="0" smtClean="0"/>
-              <a:t>but the emotion value could be 2 or 3</a:t>
-            </a:r>
-            <a:endParaRPr lang="en-US" altLang="zh-CN" dirty="0"/>
-          </a:p>
-          <a:p>
-            <a:endParaRPr lang="zh-CN" altLang="en-US" dirty="0"/>
-          </a:p>
-        </p:txBody>
-      </p:sp>
-      <p:sp>
-        <p:nvSpPr>
-          <p:cNvPr id="11" name="任意多边形 10"/>
-          <p:cNvSpPr/>
-          <p:nvPr/>
-        </p:nvSpPr>
-        <p:spPr>
-          <a:xfrm>
-            <a:off x="7970982" y="5717309"/>
-            <a:ext cx="157018" cy="0"/>
-          </a:xfrm>
-          <a:custGeom>
-            <a:avLst/>
-            <a:gdLst>
-              <a:gd name="connsiteX0" fmla="*/ 0 w 157018"/>
-              <a:gd name="connsiteY0" fmla="*/ 0 h 0"/>
-              <a:gd name="connsiteX1" fmla="*/ 157018 w 157018"/>
-              <a:gd name="connsiteY1" fmla="*/ 0 h 0"/>
-            </a:gdLst>
-            <a:ahLst/>
-            <a:cxnLst>
-              <a:cxn ang="0">
-                <a:pos x="connsiteX0" y="connsiteY0"/>
-              </a:cxn>
-              <a:cxn ang="0">
-                <a:pos x="connsiteX1" y="connsiteY1"/>
-              </a:cxn>
-            </a:cxnLst>
-            <a:rect l="l" t="t" r="r" b="b"/>
-            <a:pathLst>
-              <a:path w="157018">
-                <a:moveTo>
-                  <a:pt x="0" y="0"/>
-                </a:moveTo>
-                <a:lnTo>
-                  <a:pt x="157018" y="0"/>
-                </a:lnTo>
-              </a:path>
-            </a:pathLst>
-          </a:custGeom>
-          <a:noFill/>
-        </p:spPr>
-        <p:style>
-          <a:lnRef idx="2">
-            <a:schemeClr val="accent1">
-              <a:shade val="50000"/>
-            </a:schemeClr>
-          </a:lnRef>
-          <a:fillRef idx="1">
-            <a:schemeClr val="accent1"/>
-          </a:fillRef>
-          <a:effectRef idx="0">
-            <a:schemeClr val="accent1"/>
-          </a:effectRef>
-          <a:fontRef idx="minor">
-            <a:schemeClr val="lt1"/>
-          </a:fontRef>
-        </p:style>
-        <p:txBody>
-          <a:bodyPr rtlCol="0" anchor="ctr"/>
-          <a:lstStyle/>
-          <a:p>
-            <a:pPr algn="ctr"/>
-            <a:endParaRPr lang="zh-CN" altLang="en-US"/>
-          </a:p>
-        </p:txBody>
-      </p:sp>
-    </p:spTree>
-    <p:extLst>
-      <p:ext uri="{BB962C8B-B14F-4D97-AF65-F5344CB8AC3E}">
-        <p14:creationId xmlns:p14="http://schemas.microsoft.com/office/powerpoint/2010/main" val="3992474266"/>
-      </p:ext>
-    </p:extLst>
-  </p:cSld>
-  <p:clrMapOvr>
-    <a:masterClrMapping/>
-  </p:clrMapOvr>
-  <p:timing>
-    <p:tnLst>
-      <p:par>
-        <p:cTn id="1" dur="indefinite" restart="never" nodeType="tmRoot"/>
-      </p:par>
-    </p:tnLst>
-  </p:timing>
-</p:sld>
-</file>
-
-<file path=ppt/slides/slide11.xml><?xml version="1.0" encoding="utf-8"?>
-<p:sld xmlns:a="http://schemas.openxmlformats.org/drawingml/2006/main" xmlns:r="http://schemas.openxmlformats.org/officeDocument/2006/relationships" xmlns:p="http://schemas.openxmlformats.org/presentationml/2006/main">
-  <p:cSld>
-    <p:spTree>
-      <p:nvGrpSpPr>
-        <p:cNvPr id="1" name=""/>
-        <p:cNvGrpSpPr/>
-        <p:nvPr/>
-      </p:nvGrpSpPr>
-      <p:grpSpPr>
-        <a:xfrm>
-          <a:off x="0" y="0"/>
-          <a:ext cx="0" cy="0"/>
-          <a:chOff x="0" y="0"/>
-          <a:chExt cx="0" cy="0"/>
-        </a:xfrm>
-      </p:grpSpPr>
-      <p:sp>
-        <p:nvSpPr>
-          <p:cNvPr id="2" name="标题 1"/>
-          <p:cNvSpPr>
-            <a:spLocks noGrp="1"/>
-          </p:cNvSpPr>
-          <p:nvPr>
-            <p:ph type="title"/>
-          </p:nvPr>
-        </p:nvSpPr>
-        <p:spPr/>
-        <p:txBody>
-          <a:bodyPr/>
-          <a:lstStyle/>
-          <a:p>
+              <a:t>We use existing python package </a:t>
+            </a:r>
+            <a:r>
+              <a:rPr lang="en-US" altLang="zh-CN" dirty="0" err="1" smtClean="0"/>
+              <a:t>simpletransformers</a:t>
+            </a:r>
             <a:r>
               <a:rPr lang="en-US" altLang="zh-CN" dirty="0" smtClean="0"/>
-              <a:t>Improved model(1)</a:t>
-            </a:r>
-            <a:endParaRPr lang="zh-CN" altLang="en-US" dirty="0"/>
-          </a:p>
-        </p:txBody>
-      </p:sp>
-      <p:pic>
-        <p:nvPicPr>
-          <p:cNvPr id="4" name="内容占位符 3" descr="D:\work\tts\code\github\script_emotion\graph\regression .png"/>
-          <p:cNvPicPr>
-            <a:picLocks noGrp="1"/>
-          </p:cNvPicPr>
-          <p:nvPr>
-            <p:ph idx="1"/>
-          </p:nvPr>
-        </p:nvPicPr>
-        <p:blipFill>
-          <a:blip r:embed="rId2">
-            <a:extLst>
-              <a:ext uri="{28A0092B-C50C-407E-A947-70E740481C1C}">
-                <a14:useLocalDpi xmlns:a14="http://schemas.microsoft.com/office/drawing/2010/main" val="0"/>
-              </a:ext>
-            </a:extLst>
-          </a:blip>
-          <a:srcRect/>
-          <a:stretch>
-            <a:fillRect/>
-          </a:stretch>
-        </p:blipFill>
-        <p:spPr bwMode="auto">
-          <a:xfrm>
-            <a:off x="434109" y="2032000"/>
-            <a:ext cx="5329383" cy="4128655"/>
-          </a:xfrm>
-          <a:prstGeom prst="rect">
-            <a:avLst/>
-          </a:prstGeom>
-          <a:noFill/>
-          <a:ln>
-            <a:noFill/>
-          </a:ln>
-        </p:spPr>
-      </p:pic>
-      <p:sp>
-        <p:nvSpPr>
-          <p:cNvPr id="5" name="文本框 4"/>
-          <p:cNvSpPr txBox="1"/>
-          <p:nvPr/>
-        </p:nvSpPr>
-        <p:spPr>
-          <a:xfrm>
-            <a:off x="5763492" y="2503055"/>
-            <a:ext cx="5772726" cy="3139321"/>
-          </a:xfrm>
-          <a:prstGeom prst="rect">
-            <a:avLst/>
-          </a:prstGeom>
-          <a:noFill/>
-        </p:spPr>
-        <p:txBody>
-          <a:bodyPr wrap="square" rtlCol="0">
-            <a:spAutoFit/>
-          </a:bodyPr>
-          <a:lstStyle/>
-          <a:p>
-            <a:pPr marL="285750" indent="-285750">
-              <a:buFont typeface="Arial" panose="020B0604020202020204" pitchFamily="34" charset="0"/>
-              <a:buChar char="•"/>
-            </a:pPr>
+              <a:t> to build the baseline models quickly</a:t>
+            </a:r>
+          </a:p>
+          <a:p>
             <a:r>
               <a:rPr lang="en-US" altLang="zh-CN" dirty="0" smtClean="0"/>
-              <a:t>6 output blocks corresponding to 6 emotions</a:t>
-            </a:r>
-          </a:p>
-          <a:p>
-            <a:pPr marL="285750" indent="-285750">
-              <a:buFont typeface="Arial" panose="020B0604020202020204" pitchFamily="34" charset="0"/>
-              <a:buChar char="•"/>
-            </a:pPr>
-            <a:r>
-              <a:rPr lang="en-US" altLang="zh-CN" dirty="0" smtClean="0"/>
-              <a:t>Regard it as </a:t>
-            </a:r>
-            <a:r>
-              <a:rPr lang="en-US" altLang="zh-CN" dirty="0" smtClean="0">
-                <a:solidFill>
-                  <a:srgbClr val="FF0000"/>
-                </a:solidFill>
-              </a:rPr>
-              <a:t>regression problem </a:t>
-            </a:r>
-            <a:r>
-              <a:rPr lang="en-US" altLang="zh-CN" dirty="0" smtClean="0"/>
-              <a:t>instead of multi-classification problem, because the target is a numeric value 0,1,2,3,different from cat/dog </a:t>
-            </a:r>
-            <a:r>
-              <a:rPr lang="en-US" altLang="zh-CN" dirty="0" smtClean="0"/>
-              <a:t>classification whose value can not be comparable in size</a:t>
-            </a:r>
-            <a:endParaRPr lang="en-US" altLang="zh-CN" dirty="0" smtClean="0"/>
-          </a:p>
-          <a:p>
-            <a:pPr marL="285750" indent="-285750">
-              <a:buFont typeface="Arial" panose="020B0604020202020204" pitchFamily="34" charset="0"/>
-              <a:buChar char="•"/>
-            </a:pPr>
-            <a:r>
-              <a:rPr lang="en-US" altLang="zh-CN" dirty="0" smtClean="0"/>
-              <a:t>Use </a:t>
-            </a:r>
-            <a:r>
-              <a:rPr lang="en-US" altLang="zh-CN" dirty="0" smtClean="0">
-                <a:solidFill>
-                  <a:srgbClr val="FF0000"/>
-                </a:solidFill>
-              </a:rPr>
-              <a:t>MSE loss </a:t>
-            </a:r>
-            <a:r>
-              <a:rPr lang="en-US" altLang="zh-CN" dirty="0" smtClean="0"/>
-              <a:t>function instead of cross entropy loss</a:t>
-            </a:r>
-          </a:p>
-          <a:p>
-            <a:pPr marL="285750" indent="-285750">
-              <a:buFont typeface="Arial" panose="020B0604020202020204" pitchFamily="34" charset="0"/>
-              <a:buChar char="•"/>
-            </a:pPr>
-            <a:r>
-              <a:rPr lang="en-US" altLang="zh-CN" dirty="0" smtClean="0"/>
-              <a:t>Total loss is the </a:t>
-            </a:r>
-            <a:r>
-              <a:rPr lang="en-US" altLang="zh-CN" dirty="0" smtClean="0">
-                <a:solidFill>
-                  <a:srgbClr val="FF0000"/>
-                </a:solidFill>
-              </a:rPr>
-              <a:t>summation</a:t>
-            </a:r>
-            <a:r>
-              <a:rPr lang="en-US" altLang="zh-CN" dirty="0" smtClean="0"/>
-              <a:t> of all output blocks’ loss</a:t>
-            </a:r>
-          </a:p>
-          <a:p>
-            <a:pPr marL="285750" indent="-285750">
-              <a:buFont typeface="Arial" panose="020B0604020202020204" pitchFamily="34" charset="0"/>
-              <a:buChar char="•"/>
-            </a:pPr>
-            <a:r>
-              <a:rPr lang="en-US" altLang="zh-CN" dirty="0"/>
-              <a:t>Output one dimension logit of float type</a:t>
-            </a:r>
-          </a:p>
-          <a:p>
-            <a:pPr marL="285750" indent="-285750">
-              <a:buFont typeface="Arial" panose="020B0604020202020204" pitchFamily="34" charset="0"/>
-              <a:buChar char="•"/>
-            </a:pPr>
-            <a:r>
-              <a:rPr lang="en-US" altLang="zh-CN" dirty="0"/>
-              <a:t>Convert float number into integer by </a:t>
-            </a:r>
-            <a:r>
-              <a:rPr lang="en-US" altLang="zh-CN" dirty="0">
-                <a:solidFill>
-                  <a:srgbClr val="FF0000"/>
-                </a:solidFill>
-              </a:rPr>
-              <a:t>rounding</a:t>
-            </a:r>
-            <a:r>
-              <a:rPr lang="en-US" altLang="zh-CN" dirty="0"/>
-              <a:t> </a:t>
-            </a:r>
-          </a:p>
-          <a:p>
-            <a:endParaRPr lang="en-US" altLang="zh-CN" dirty="0" smtClean="0"/>
-          </a:p>
-          <a:p>
-            <a:pPr marL="285750" indent="-285750">
-              <a:buFont typeface="Arial" panose="020B0604020202020204" pitchFamily="34" charset="0"/>
-              <a:buChar char="•"/>
-            </a:pPr>
-            <a:endParaRPr lang="zh-CN" altLang="en-US" dirty="0"/>
-          </a:p>
-        </p:txBody>
-      </p:sp>
-    </p:spTree>
-    <p:extLst>
-      <p:ext uri="{BB962C8B-B14F-4D97-AF65-F5344CB8AC3E}">
-        <p14:creationId xmlns:p14="http://schemas.microsoft.com/office/powerpoint/2010/main" val="1883249108"/>
-      </p:ext>
-    </p:extLst>
-  </p:cSld>
-  <p:clrMapOvr>
-    <a:masterClrMapping/>
-  </p:clrMapOvr>
-  <p:timing>
-    <p:tnLst>
-      <p:par>
-        <p:cTn id="1" dur="indefinite" restart="never" nodeType="tmRoot"/>
-      </p:par>
-    </p:tnLst>
-  </p:timing>
-</p:sld>
-</file>
-
-<file path=ppt/slides/slide12.xml><?xml version="1.0" encoding="utf-8"?>
-<p:sld xmlns:a="http://schemas.openxmlformats.org/drawingml/2006/main" xmlns:r="http://schemas.openxmlformats.org/officeDocument/2006/relationships" xmlns:p="http://schemas.openxmlformats.org/presentationml/2006/main">
-  <p:cSld>
-    <p:spTree>
-      <p:nvGrpSpPr>
-        <p:cNvPr id="1" name=""/>
-        <p:cNvGrpSpPr/>
-        <p:nvPr/>
-      </p:nvGrpSpPr>
-      <p:grpSpPr>
-        <a:xfrm>
-          <a:off x="0" y="0"/>
-          <a:ext cx="0" cy="0"/>
-          <a:chOff x="0" y="0"/>
-          <a:chExt cx="0" cy="0"/>
-        </a:xfrm>
-      </p:grpSpPr>
-      <p:sp>
-        <p:nvSpPr>
-          <p:cNvPr id="2" name="标题 1"/>
-          <p:cNvSpPr>
-            <a:spLocks noGrp="1"/>
-          </p:cNvSpPr>
-          <p:nvPr>
-            <p:ph type="title"/>
-          </p:nvPr>
-        </p:nvSpPr>
-        <p:spPr/>
-        <p:txBody>
-          <a:bodyPr/>
-          <a:lstStyle/>
-          <a:p>
-            <a:r>
-              <a:rPr lang="en-US" altLang="zh-CN" dirty="0"/>
-              <a:t>Baseline model’s </a:t>
-            </a:r>
-            <a:r>
-              <a:rPr lang="en-US" altLang="zh-CN" dirty="0" err="1"/>
-              <a:t>shotcommings</a:t>
-            </a:r>
-            <a:r>
-              <a:rPr lang="en-US" altLang="zh-CN" dirty="0"/>
-              <a:t> </a:t>
-            </a:r>
-            <a:r>
-              <a:rPr lang="zh-CN" altLang="en-US" dirty="0" smtClean="0"/>
-              <a:t>（</a:t>
-            </a:r>
-            <a:r>
-              <a:rPr lang="en-US" altLang="zh-CN" dirty="0" smtClean="0"/>
-              <a:t>2</a:t>
-            </a:r>
-            <a:r>
-              <a:rPr lang="zh-CN" altLang="en-US" dirty="0" smtClean="0"/>
-              <a:t>）</a:t>
-            </a:r>
-            <a:endParaRPr lang="zh-CN" altLang="en-US" dirty="0"/>
-          </a:p>
-        </p:txBody>
-      </p:sp>
-      <p:sp>
-        <p:nvSpPr>
-          <p:cNvPr id="3" name="内容占位符 2"/>
-          <p:cNvSpPr>
-            <a:spLocks noGrp="1"/>
-          </p:cNvSpPr>
-          <p:nvPr>
-            <p:ph idx="1"/>
-          </p:nvPr>
-        </p:nvSpPr>
-        <p:spPr/>
-        <p:txBody>
-          <a:bodyPr/>
-          <a:lstStyle/>
-          <a:p>
-            <a:r>
-              <a:rPr lang="en-US" altLang="zh-CN" dirty="0" smtClean="0"/>
-              <a:t>Baseline model simply </a:t>
-            </a:r>
-            <a:r>
-              <a:rPr lang="en-US" altLang="zh-CN" dirty="0" smtClean="0"/>
-              <a:t>merges </a:t>
-            </a:r>
-            <a:r>
-              <a:rPr lang="en-US" altLang="zh-CN" dirty="0" smtClean="0"/>
-              <a:t>the character into script text,  </a:t>
-            </a:r>
-            <a:r>
-              <a:rPr lang="en-US" altLang="zh-CN" dirty="0" smtClean="0"/>
-              <a:t>forming a longer text.</a:t>
+              <a:t>But it has shortcomings or limitations</a:t>
             </a:r>
             <a:endParaRPr lang="zh-CN" altLang="en-US" dirty="0"/>
           </a:p>
@@ -5694,8 +3762,8 @@
         </p:blipFill>
         <p:spPr>
           <a:xfrm>
-            <a:off x="1905457" y="2943906"/>
-            <a:ext cx="8085521" cy="2522439"/>
+            <a:off x="2313473" y="3098916"/>
+            <a:ext cx="8100762" cy="2636748"/>
           </a:xfrm>
           <a:prstGeom prst="rect">
             <a:avLst/>
@@ -5705,7 +3773,7 @@
     </p:spTree>
     <p:extLst>
       <p:ext uri="{BB962C8B-B14F-4D97-AF65-F5344CB8AC3E}">
-        <p14:creationId xmlns:p14="http://schemas.microsoft.com/office/powerpoint/2010/main" val="1939827053"/>
+        <p14:creationId xmlns:p14="http://schemas.microsoft.com/office/powerpoint/2010/main" val="13369820"/>
       </p:ext>
     </p:extLst>
   </p:cSld>
@@ -5722,7 +3790,7 @@
 </p:sld>
 </file>
 
-<file path=ppt/slides/slide13.xml><?xml version="1.0" encoding="utf-8"?>
+<file path=ppt/slides/slide10.xml><?xml version="1.0" encoding="utf-8"?>
 <p:sld xmlns:a="http://schemas.openxmlformats.org/drawingml/2006/main" xmlns:r="http://schemas.openxmlformats.org/officeDocument/2006/relationships" xmlns:p="http://schemas.openxmlformats.org/presentationml/2006/main">
   <p:cSld>
     <p:spTree>
@@ -5755,811 +3823,8 @@
           <a:lstStyle/>
           <a:p>
             <a:r>
-              <a:rPr lang="en-US" altLang="zh-CN" dirty="0"/>
-              <a:t>Baseline model’s </a:t>
-            </a:r>
-            <a:r>
-              <a:rPr lang="en-US" altLang="zh-CN" dirty="0" err="1" smtClean="0"/>
-              <a:t>shoRtcomings</a:t>
-            </a:r>
-            <a:r>
               <a:rPr lang="en-US" altLang="zh-CN" dirty="0" smtClean="0"/>
-              <a:t> </a:t>
-            </a:r>
-            <a:r>
-              <a:rPr lang="zh-CN" altLang="en-US" dirty="0"/>
-              <a:t>（</a:t>
-            </a:r>
-            <a:r>
-              <a:rPr lang="en-US" altLang="zh-CN" dirty="0"/>
-              <a:t>2</a:t>
-            </a:r>
-            <a:r>
-              <a:rPr lang="zh-CN" altLang="en-US" dirty="0"/>
-              <a:t>）</a:t>
-            </a:r>
-          </a:p>
-        </p:txBody>
-      </p:sp>
-      <p:pic>
-        <p:nvPicPr>
-          <p:cNvPr id="4" name="内容占位符 3" descr="D:\MyData\tujh\AppData\Local\Temp\1637505427(1).png"/>
-          <p:cNvPicPr>
-            <a:picLocks noGrp="1"/>
-          </p:cNvPicPr>
-          <p:nvPr>
-            <p:ph idx="1"/>
-          </p:nvPr>
-        </p:nvPicPr>
-        <p:blipFill>
-          <a:blip r:embed="rId2">
-            <a:extLst>
-              <a:ext uri="{28A0092B-C50C-407E-A947-70E740481C1C}">
-                <a14:useLocalDpi xmlns:a14="http://schemas.microsoft.com/office/drawing/2010/main" val="0"/>
-              </a:ext>
-            </a:extLst>
-          </a:blip>
-          <a:srcRect/>
-          <a:stretch>
-            <a:fillRect/>
-          </a:stretch>
-        </p:blipFill>
-        <p:spPr bwMode="auto">
-          <a:xfrm>
-            <a:off x="6764315" y="2385260"/>
-            <a:ext cx="3078747" cy="3025402"/>
-          </a:xfrm>
-          <a:prstGeom prst="rect">
-            <a:avLst/>
-          </a:prstGeom>
-          <a:noFill/>
-          <a:ln>
-            <a:noFill/>
-          </a:ln>
-        </p:spPr>
-      </p:pic>
-      <p:sp>
-        <p:nvSpPr>
-          <p:cNvPr id="5" name="矩形 4"/>
-          <p:cNvSpPr/>
-          <p:nvPr/>
-        </p:nvSpPr>
-        <p:spPr>
-          <a:xfrm>
-            <a:off x="1564242" y="2062125"/>
-            <a:ext cx="4374740" cy="4339650"/>
-          </a:xfrm>
-          <a:prstGeom prst="rect">
-            <a:avLst/>
-          </a:prstGeom>
-        </p:spPr>
-        <p:txBody>
-          <a:bodyPr wrap="square">
-            <a:spAutoFit/>
-          </a:bodyPr>
-          <a:lstStyle/>
-          <a:p>
-            <a:pPr marL="285750" indent="-285750">
-              <a:buClr>
-                <a:schemeClr val="accent1"/>
-              </a:buClr>
-              <a:buFont typeface="Arial" panose="020B0604020202020204" pitchFamily="34" charset="0"/>
-              <a:buChar char="•"/>
-            </a:pPr>
-            <a:r>
-              <a:rPr lang="en-US" altLang="zh-CN" sz="2000" dirty="0"/>
-              <a:t>script text </a:t>
-            </a:r>
-            <a:r>
-              <a:rPr lang="en-US" altLang="zh-CN" sz="2000" dirty="0" smtClean="0"/>
-              <a:t> merged with the character </a:t>
-            </a:r>
-            <a:r>
-              <a:rPr lang="en-US" altLang="zh-CN" sz="2000" dirty="0" smtClean="0"/>
-              <a:t>is fed into the model as a </a:t>
-            </a:r>
-            <a:r>
-              <a:rPr lang="en-US" altLang="zh-CN" sz="2000" dirty="0" smtClean="0">
-                <a:solidFill>
-                  <a:srgbClr val="FF0000"/>
-                </a:solidFill>
-              </a:rPr>
-              <a:t>single sentence</a:t>
-            </a:r>
-            <a:r>
-              <a:rPr lang="en-US" altLang="zh-CN" sz="2000" dirty="0" smtClean="0"/>
-              <a:t>.</a:t>
-            </a:r>
-          </a:p>
-          <a:p>
-            <a:pPr marL="285750" indent="-285750">
-              <a:buClr>
-                <a:schemeClr val="accent1"/>
-              </a:buClr>
-              <a:buFont typeface="Arial" panose="020B0604020202020204" pitchFamily="34" charset="0"/>
-              <a:buChar char="•"/>
-            </a:pPr>
-            <a:endParaRPr lang="en-US" altLang="zh-CN" sz="2000" dirty="0" smtClean="0"/>
-          </a:p>
-          <a:p>
-            <a:pPr marL="285750" indent="-285750">
-              <a:buClr>
-                <a:schemeClr val="accent1"/>
-              </a:buClr>
-              <a:buFont typeface="Arial" panose="020B0604020202020204" pitchFamily="34" charset="0"/>
-              <a:buChar char="•"/>
-            </a:pPr>
-            <a:r>
-              <a:rPr lang="en-US" altLang="zh-CN" sz="2000" dirty="0" smtClean="0"/>
-              <a:t>But different characters might have different emotions, and it is the </a:t>
-            </a:r>
-            <a:r>
-              <a:rPr lang="en-US" altLang="zh-CN" sz="2000" dirty="0" smtClean="0">
-                <a:solidFill>
-                  <a:srgbClr val="FF0000"/>
-                </a:solidFill>
-              </a:rPr>
-              <a:t>key information </a:t>
-            </a:r>
-          </a:p>
-          <a:p>
-            <a:pPr marL="285750" indent="-285750">
-              <a:buClr>
-                <a:schemeClr val="accent1"/>
-              </a:buClr>
-              <a:buFont typeface="Arial" panose="020B0604020202020204" pitchFamily="34" charset="0"/>
-              <a:buChar char="•"/>
-            </a:pPr>
-            <a:endParaRPr lang="en-US" altLang="zh-CN" sz="2000" dirty="0" smtClean="0">
-              <a:solidFill>
-                <a:srgbClr val="FF0000"/>
-              </a:solidFill>
-            </a:endParaRPr>
-          </a:p>
-          <a:p>
-            <a:pPr marL="285750" indent="-285750">
-              <a:buClr>
-                <a:schemeClr val="accent1"/>
-              </a:buClr>
-              <a:buFont typeface="Arial" panose="020B0604020202020204" pitchFamily="34" charset="0"/>
-              <a:buChar char="•"/>
-            </a:pPr>
-            <a:r>
-              <a:rPr lang="en-US" altLang="zh-CN" sz="2000" dirty="0" smtClean="0"/>
-              <a:t>By merging, the character is mixed up with other words in the text, the model might </a:t>
-            </a:r>
-            <a:r>
-              <a:rPr lang="en-US" altLang="zh-CN" sz="2000" dirty="0" smtClean="0">
-                <a:solidFill>
-                  <a:srgbClr val="FF0000"/>
-                </a:solidFill>
-              </a:rPr>
-              <a:t>not be able to learn the importance </a:t>
-            </a:r>
-            <a:r>
-              <a:rPr lang="en-US" altLang="zh-CN" sz="2000" dirty="0" smtClean="0"/>
-              <a:t>of the character </a:t>
-            </a:r>
-          </a:p>
-          <a:p>
-            <a:endParaRPr lang="en-US" altLang="zh-CN" dirty="0" smtClean="0"/>
-          </a:p>
-          <a:p>
-            <a:endParaRPr lang="en-US" altLang="zh-CN" dirty="0"/>
-          </a:p>
-        </p:txBody>
-      </p:sp>
-    </p:spTree>
-    <p:extLst>
-      <p:ext uri="{BB962C8B-B14F-4D97-AF65-F5344CB8AC3E}">
-        <p14:creationId xmlns:p14="http://schemas.microsoft.com/office/powerpoint/2010/main" val="2621855770"/>
-      </p:ext>
-    </p:extLst>
-  </p:cSld>
-  <p:clrMapOvr>
-    <a:masterClrMapping/>
-  </p:clrMapOvr>
-  <p:timing>
-    <p:tnLst>
-      <p:par>
-        <p:cTn id="1" dur="indefinite" restart="never" nodeType="tmRoot"/>
-      </p:par>
-    </p:tnLst>
-  </p:timing>
-</p:sld>
-</file>
-
-<file path=ppt/slides/slide14.xml><?xml version="1.0" encoding="utf-8"?>
-<p:sld xmlns:a="http://schemas.openxmlformats.org/drawingml/2006/main" xmlns:r="http://schemas.openxmlformats.org/officeDocument/2006/relationships" xmlns:p="http://schemas.openxmlformats.org/presentationml/2006/main">
-  <p:cSld>
-    <p:spTree>
-      <p:nvGrpSpPr>
-        <p:cNvPr id="1" name=""/>
-        <p:cNvGrpSpPr/>
-        <p:nvPr/>
-      </p:nvGrpSpPr>
-      <p:grpSpPr>
-        <a:xfrm>
-          <a:off x="0" y="0"/>
-          <a:ext cx="0" cy="0"/>
-          <a:chOff x="0" y="0"/>
-          <a:chExt cx="0" cy="0"/>
-        </a:xfrm>
-      </p:grpSpPr>
-      <p:sp>
-        <p:nvSpPr>
-          <p:cNvPr id="2" name="标题 1"/>
-          <p:cNvSpPr>
-            <a:spLocks noGrp="1"/>
-          </p:cNvSpPr>
-          <p:nvPr>
-            <p:ph type="title"/>
-          </p:nvPr>
-        </p:nvSpPr>
-        <p:spPr>
-          <a:xfrm>
-            <a:off x="1211434" y="750923"/>
-            <a:ext cx="9603275" cy="636354"/>
-          </a:xfrm>
-        </p:spPr>
-        <p:txBody>
-          <a:bodyPr/>
-          <a:lstStyle/>
-          <a:p>
-            <a:r>
-              <a:rPr lang="en-US" altLang="zh-CN" dirty="0"/>
-              <a:t>Improved </a:t>
-            </a:r>
-            <a:r>
-              <a:rPr lang="en-US" altLang="zh-CN" dirty="0" smtClean="0"/>
-              <a:t>model(2)</a:t>
-            </a:r>
-            <a:endParaRPr lang="zh-CN" altLang="en-US" dirty="0"/>
-          </a:p>
-        </p:txBody>
-      </p:sp>
-      <p:sp>
-        <p:nvSpPr>
-          <p:cNvPr id="3" name="内容占位符 2"/>
-          <p:cNvSpPr>
-            <a:spLocks noGrp="1"/>
-          </p:cNvSpPr>
-          <p:nvPr>
-            <p:ph idx="1"/>
-          </p:nvPr>
-        </p:nvSpPr>
-        <p:spPr>
-          <a:xfrm>
-            <a:off x="8737600" y="2015731"/>
-            <a:ext cx="2835563" cy="3793941"/>
-          </a:xfrm>
-        </p:spPr>
-        <p:txBody>
-          <a:bodyPr>
-            <a:normAutofit/>
-          </a:bodyPr>
-          <a:lstStyle/>
-          <a:p>
-            <a:r>
-              <a:rPr lang="en-US" altLang="zh-CN" dirty="0" smtClean="0"/>
-              <a:t>Separate character from script text</a:t>
-            </a:r>
-          </a:p>
-          <a:p>
-            <a:r>
-              <a:rPr lang="en-US" altLang="zh-CN" dirty="0" smtClean="0"/>
-              <a:t>Referring to the QA task, Character is regarded as question, </a:t>
-            </a:r>
-            <a:r>
-              <a:rPr lang="en-US" altLang="zh-CN" dirty="0" smtClean="0"/>
-              <a:t>script text </a:t>
-            </a:r>
-            <a:r>
-              <a:rPr lang="en-US" altLang="zh-CN" dirty="0" smtClean="0"/>
-              <a:t>is </a:t>
-            </a:r>
-            <a:r>
-              <a:rPr lang="en-US" altLang="zh-CN" dirty="0" smtClean="0"/>
-              <a:t>regarded as </a:t>
-            </a:r>
-            <a:r>
-              <a:rPr lang="en-US" altLang="zh-CN" dirty="0" smtClean="0"/>
-              <a:t>paragraph </a:t>
-            </a:r>
-          </a:p>
-          <a:p>
-            <a:r>
-              <a:rPr lang="en-US" altLang="zh-CN" dirty="0" smtClean="0"/>
-              <a:t>Attention mechanism in side the BERT</a:t>
-            </a:r>
-            <a:endParaRPr lang="en-US" altLang="zh-CN" dirty="0" smtClean="0"/>
-          </a:p>
-          <a:p>
-            <a:endParaRPr lang="en-US" altLang="zh-CN" dirty="0" smtClean="0"/>
-          </a:p>
-          <a:p>
-            <a:endParaRPr lang="zh-CN" altLang="en-US" dirty="0"/>
-          </a:p>
-        </p:txBody>
-      </p:sp>
-      <p:pic>
-        <p:nvPicPr>
-          <p:cNvPr id="4" name="图片 3" descr="D:\work\tts\code\github\script_emotion\graph\qa.png"/>
-          <p:cNvPicPr/>
-          <p:nvPr/>
-        </p:nvPicPr>
-        <p:blipFill>
-          <a:blip r:embed="rId2">
-            <a:extLst>
-              <a:ext uri="{28A0092B-C50C-407E-A947-70E740481C1C}">
-                <a14:useLocalDpi xmlns:a14="http://schemas.microsoft.com/office/drawing/2010/main" val="0"/>
-              </a:ext>
-            </a:extLst>
-          </a:blip>
-          <a:srcRect/>
-          <a:stretch>
-            <a:fillRect/>
-          </a:stretch>
-        </p:blipFill>
-        <p:spPr bwMode="auto">
-          <a:xfrm>
-            <a:off x="-120073" y="2143550"/>
-            <a:ext cx="5366327" cy="4054050"/>
-          </a:xfrm>
-          <a:prstGeom prst="rect">
-            <a:avLst/>
-          </a:prstGeom>
-          <a:noFill/>
-          <a:ln>
-            <a:noFill/>
-          </a:ln>
-        </p:spPr>
-      </p:pic>
-      <p:pic>
-        <p:nvPicPr>
-          <p:cNvPr id="5" name="图片 4" descr="D:\MyData\tujh\AppData\Local\Temp\1637505408(1).png"/>
-          <p:cNvPicPr/>
-          <p:nvPr/>
-        </p:nvPicPr>
-        <p:blipFill>
-          <a:blip r:embed="rId3">
-            <a:extLst>
-              <a:ext uri="{28A0092B-C50C-407E-A947-70E740481C1C}">
-                <a14:useLocalDpi xmlns:a14="http://schemas.microsoft.com/office/drawing/2010/main" val="0"/>
-              </a:ext>
-            </a:extLst>
-          </a:blip>
-          <a:srcRect/>
-          <a:stretch>
-            <a:fillRect/>
-          </a:stretch>
-        </p:blipFill>
-        <p:spPr bwMode="auto">
-          <a:xfrm>
-            <a:off x="5315527" y="2513393"/>
-            <a:ext cx="3352800" cy="3063240"/>
-          </a:xfrm>
-          <a:prstGeom prst="rect">
-            <a:avLst/>
-          </a:prstGeom>
-          <a:noFill/>
-          <a:ln>
-            <a:noFill/>
-          </a:ln>
-        </p:spPr>
-      </p:pic>
-    </p:spTree>
-    <p:extLst>
-      <p:ext uri="{BB962C8B-B14F-4D97-AF65-F5344CB8AC3E}">
-        <p14:creationId xmlns:p14="http://schemas.microsoft.com/office/powerpoint/2010/main" val="2891131073"/>
-      </p:ext>
-    </p:extLst>
-  </p:cSld>
-  <p:clrMapOvr>
-    <a:masterClrMapping/>
-  </p:clrMapOvr>
-  <p:timing>
-    <p:tnLst>
-      <p:par>
-        <p:cTn id="1" dur="indefinite" restart="never" nodeType="tmRoot"/>
-      </p:par>
-    </p:tnLst>
-  </p:timing>
-</p:sld>
-</file>
-
-<file path=ppt/slides/slide15.xml><?xml version="1.0" encoding="utf-8"?>
-<p:sld xmlns:a="http://schemas.openxmlformats.org/drawingml/2006/main" xmlns:r="http://schemas.openxmlformats.org/officeDocument/2006/relationships" xmlns:p="http://schemas.openxmlformats.org/presentationml/2006/main">
-  <p:cSld>
-    <p:spTree>
-      <p:nvGrpSpPr>
-        <p:cNvPr id="1" name=""/>
-        <p:cNvGrpSpPr/>
-        <p:nvPr/>
-      </p:nvGrpSpPr>
-      <p:grpSpPr>
-        <a:xfrm>
-          <a:off x="0" y="0"/>
-          <a:ext cx="0" cy="0"/>
-          <a:chOff x="0" y="0"/>
-          <a:chExt cx="0" cy="0"/>
-        </a:xfrm>
-      </p:grpSpPr>
-      <p:sp>
-        <p:nvSpPr>
-          <p:cNvPr id="2" name="标题 1"/>
-          <p:cNvSpPr>
-            <a:spLocks noGrp="1"/>
-          </p:cNvSpPr>
-          <p:nvPr>
-            <p:ph type="title"/>
-          </p:nvPr>
-        </p:nvSpPr>
-        <p:spPr/>
-        <p:txBody>
-          <a:bodyPr/>
-          <a:lstStyle/>
-          <a:p>
-            <a:r>
-              <a:rPr lang="en-US" altLang="zh-CN" dirty="0"/>
-              <a:t>Baseline model’s </a:t>
-            </a:r>
-            <a:r>
-              <a:rPr lang="en-US" altLang="zh-CN" dirty="0" err="1" smtClean="0"/>
-              <a:t>shoRtcomings</a:t>
-            </a:r>
-            <a:r>
-              <a:rPr lang="en-US" altLang="zh-CN" dirty="0" smtClean="0"/>
-              <a:t> </a:t>
-            </a:r>
-            <a:r>
-              <a:rPr lang="zh-CN" altLang="en-US" dirty="0" smtClean="0"/>
-              <a:t>（</a:t>
-            </a:r>
-            <a:r>
-              <a:rPr lang="en-US" altLang="zh-CN" dirty="0" smtClean="0"/>
-              <a:t>3</a:t>
-            </a:r>
-            <a:r>
-              <a:rPr lang="zh-CN" altLang="en-US" dirty="0" smtClean="0"/>
-              <a:t>）</a:t>
-            </a:r>
-            <a:endParaRPr lang="zh-CN" altLang="en-US" dirty="0"/>
-          </a:p>
-        </p:txBody>
-      </p:sp>
-      <p:sp>
-        <p:nvSpPr>
-          <p:cNvPr id="3" name="内容占位符 2"/>
-          <p:cNvSpPr>
-            <a:spLocks noGrp="1"/>
-          </p:cNvSpPr>
-          <p:nvPr>
-            <p:ph idx="1"/>
-          </p:nvPr>
-        </p:nvSpPr>
-        <p:spPr/>
-        <p:txBody>
-          <a:bodyPr/>
-          <a:lstStyle/>
-          <a:p>
-            <a:endParaRPr lang="en-US" altLang="zh-CN" dirty="0" smtClean="0"/>
-          </a:p>
-          <a:p>
-            <a:r>
-              <a:rPr lang="en-US" altLang="zh-CN" dirty="0" smtClean="0"/>
-              <a:t>Baseline model doesn’t use the context, </a:t>
-            </a:r>
-            <a:r>
-              <a:rPr lang="en-US" altLang="zh-CN" dirty="0" smtClean="0"/>
-              <a:t>the </a:t>
-            </a:r>
-            <a:r>
-              <a:rPr lang="en-US" altLang="zh-CN" dirty="0" smtClean="0"/>
-              <a:t>input sentence is only the current </a:t>
-            </a:r>
-            <a:r>
-              <a:rPr lang="en-US" altLang="zh-CN" dirty="0" smtClean="0"/>
-              <a:t>one </a:t>
-            </a:r>
-            <a:r>
-              <a:rPr lang="en-US" altLang="zh-CN" dirty="0" smtClean="0"/>
-              <a:t>sentence</a:t>
-            </a:r>
-            <a:endParaRPr lang="en-US" altLang="zh-CN" dirty="0" smtClean="0"/>
-          </a:p>
-          <a:p>
-            <a:r>
-              <a:rPr lang="en-US" altLang="zh-CN" dirty="0" smtClean="0"/>
-              <a:t>Sometimes the historic sentences </a:t>
-            </a:r>
-            <a:r>
-              <a:rPr lang="en-US" altLang="zh-CN" dirty="0" smtClean="0"/>
-              <a:t>help </a:t>
-            </a:r>
-            <a:r>
-              <a:rPr lang="en-US" altLang="zh-CN" dirty="0" smtClean="0"/>
-              <a:t>to predict the emotion.</a:t>
-            </a:r>
-            <a:endParaRPr lang="zh-CN" altLang="en-US" dirty="0"/>
-          </a:p>
-        </p:txBody>
-      </p:sp>
-    </p:spTree>
-    <p:extLst>
-      <p:ext uri="{BB962C8B-B14F-4D97-AF65-F5344CB8AC3E}">
-        <p14:creationId xmlns:p14="http://schemas.microsoft.com/office/powerpoint/2010/main" val="1710844676"/>
-      </p:ext>
-    </p:extLst>
-  </p:cSld>
-  <p:clrMapOvr>
-    <a:masterClrMapping/>
-  </p:clrMapOvr>
-  <p:timing>
-    <p:tnLst>
-      <p:par>
-        <p:cTn id="1" dur="indefinite" restart="never" nodeType="tmRoot"/>
-      </p:par>
-    </p:tnLst>
-  </p:timing>
-</p:sld>
-</file>
-
-<file path=ppt/slides/slide16.xml><?xml version="1.0" encoding="utf-8"?>
-<p:sld xmlns:a="http://schemas.openxmlformats.org/drawingml/2006/main" xmlns:r="http://schemas.openxmlformats.org/officeDocument/2006/relationships" xmlns:p="http://schemas.openxmlformats.org/presentationml/2006/main">
-  <p:cSld>
-    <p:spTree>
-      <p:nvGrpSpPr>
-        <p:cNvPr id="1" name=""/>
-        <p:cNvGrpSpPr/>
-        <p:nvPr/>
-      </p:nvGrpSpPr>
-      <p:grpSpPr>
-        <a:xfrm>
-          <a:off x="0" y="0"/>
-          <a:ext cx="0" cy="0"/>
-          <a:chOff x="0" y="0"/>
-          <a:chExt cx="0" cy="0"/>
-        </a:xfrm>
-      </p:grpSpPr>
-      <p:sp>
-        <p:nvSpPr>
-          <p:cNvPr id="2" name="标题 1"/>
-          <p:cNvSpPr>
-            <a:spLocks noGrp="1"/>
-          </p:cNvSpPr>
-          <p:nvPr>
-            <p:ph type="title"/>
-          </p:nvPr>
-        </p:nvSpPr>
-        <p:spPr/>
-        <p:txBody>
-          <a:bodyPr/>
-          <a:lstStyle/>
-          <a:p>
-            <a:r>
-              <a:rPr lang="en-US" altLang="zh-CN" dirty="0"/>
-              <a:t>Improved </a:t>
-            </a:r>
-            <a:r>
-              <a:rPr lang="en-US" altLang="zh-CN" dirty="0" smtClean="0"/>
-              <a:t>model(3)</a:t>
-            </a:r>
-            <a:endParaRPr lang="zh-CN" altLang="en-US" dirty="0"/>
-          </a:p>
-        </p:txBody>
-      </p:sp>
-      <p:sp>
-        <p:nvSpPr>
-          <p:cNvPr id="3" name="内容占位符 2"/>
-          <p:cNvSpPr>
-            <a:spLocks noGrp="1"/>
-          </p:cNvSpPr>
-          <p:nvPr>
-            <p:ph idx="1"/>
-          </p:nvPr>
-        </p:nvSpPr>
-        <p:spPr>
-          <a:xfrm>
-            <a:off x="1451580" y="2015732"/>
-            <a:ext cx="4376566" cy="3450613"/>
-          </a:xfrm>
-        </p:spPr>
-        <p:txBody>
-          <a:bodyPr/>
-          <a:lstStyle/>
-          <a:p>
-            <a:r>
-              <a:rPr lang="en-US" altLang="zh-CN" dirty="0" smtClean="0"/>
-              <a:t>Preprocess the </a:t>
-            </a:r>
-            <a:r>
-              <a:rPr lang="en-US" altLang="zh-CN" dirty="0" err="1" smtClean="0"/>
-              <a:t>data:make</a:t>
-            </a:r>
-            <a:r>
-              <a:rPr lang="en-US" altLang="zh-CN" dirty="0" smtClean="0"/>
-              <a:t> </a:t>
-            </a:r>
-            <a:r>
-              <a:rPr lang="en-US" altLang="zh-CN" dirty="0" smtClean="0"/>
-              <a:t>a script text list, </a:t>
-            </a:r>
-            <a:r>
-              <a:rPr lang="en-US" altLang="zh-CN" dirty="0" smtClean="0"/>
-              <a:t>remove </a:t>
-            </a:r>
-            <a:r>
-              <a:rPr lang="en-US" altLang="zh-CN" dirty="0" smtClean="0"/>
-              <a:t>duplicates and </a:t>
-            </a:r>
-            <a:r>
-              <a:rPr lang="en-US" altLang="zh-CN" dirty="0" smtClean="0"/>
-              <a:t>sort them </a:t>
-            </a:r>
-            <a:r>
-              <a:rPr lang="en-US" altLang="zh-CN" dirty="0" smtClean="0"/>
-              <a:t>by </a:t>
-            </a:r>
-            <a:r>
-              <a:rPr lang="en-US" altLang="zh-CN" dirty="0" smtClean="0"/>
-              <a:t>the sentence id</a:t>
-            </a:r>
-            <a:endParaRPr lang="en-US" altLang="zh-CN" dirty="0" smtClean="0"/>
-          </a:p>
-          <a:p>
-            <a:r>
-              <a:rPr lang="en-US" altLang="zh-CN" dirty="0" smtClean="0"/>
-              <a:t>Find </a:t>
-            </a:r>
-            <a:r>
-              <a:rPr lang="en-US" altLang="zh-CN" dirty="0"/>
-              <a:t>previous 2 </a:t>
-            </a:r>
-            <a:r>
-              <a:rPr lang="en-US" altLang="zh-CN" dirty="0" smtClean="0"/>
-              <a:t>texts by sentence id, and merge them </a:t>
-            </a:r>
-            <a:r>
-              <a:rPr lang="en-US" altLang="zh-CN" dirty="0"/>
-              <a:t>into current text </a:t>
-            </a:r>
-            <a:r>
-              <a:rPr lang="en-US" altLang="zh-CN" dirty="0" smtClean="0"/>
-              <a:t>to generate a longer text </a:t>
-            </a:r>
-          </a:p>
-          <a:p>
-            <a:r>
-              <a:rPr lang="en-US" altLang="zh-CN" dirty="0" smtClean="0"/>
-              <a:t>Use the same structure of the improved model 2</a:t>
-            </a:r>
-            <a:endParaRPr lang="en-US" altLang="zh-CN" dirty="0"/>
-          </a:p>
-          <a:p>
-            <a:endParaRPr lang="zh-CN" altLang="en-US" dirty="0"/>
-          </a:p>
-        </p:txBody>
-      </p:sp>
-      <p:pic>
-        <p:nvPicPr>
-          <p:cNvPr id="4" name="图片 3"/>
-          <p:cNvPicPr>
-            <a:picLocks noChangeAspect="1"/>
-          </p:cNvPicPr>
-          <p:nvPr/>
-        </p:nvPicPr>
-        <p:blipFill>
-          <a:blip r:embed="rId2">
-            <a:extLst>
-              <a:ext uri="{28A0092B-C50C-407E-A947-70E740481C1C}">
-                <a14:useLocalDpi xmlns:a14="http://schemas.microsoft.com/office/drawing/2010/main" val="0"/>
-              </a:ext>
-            </a:extLst>
-          </a:blip>
-          <a:stretch>
-            <a:fillRect/>
-          </a:stretch>
-        </p:blipFill>
-        <p:spPr>
-          <a:xfrm>
-            <a:off x="1759990" y="5278829"/>
-            <a:ext cx="8746305" cy="349494"/>
-          </a:xfrm>
-          <a:prstGeom prst="rect">
-            <a:avLst/>
-          </a:prstGeom>
-        </p:spPr>
-      </p:pic>
-      <p:pic>
-        <p:nvPicPr>
-          <p:cNvPr id="6" name="图片 5"/>
-          <p:cNvPicPr>
-            <a:picLocks noChangeAspect="1"/>
-          </p:cNvPicPr>
-          <p:nvPr/>
-        </p:nvPicPr>
-        <p:blipFill>
-          <a:blip r:embed="rId3">
-            <a:extLst>
-              <a:ext uri="{28A0092B-C50C-407E-A947-70E740481C1C}">
-                <a14:useLocalDpi xmlns:a14="http://schemas.microsoft.com/office/drawing/2010/main" val="0"/>
-              </a:ext>
-            </a:extLst>
-          </a:blip>
-          <a:stretch>
-            <a:fillRect/>
-          </a:stretch>
-        </p:blipFill>
-        <p:spPr>
-          <a:xfrm>
-            <a:off x="5828146" y="2131629"/>
-            <a:ext cx="5349704" cy="2834886"/>
-          </a:xfrm>
-          <a:prstGeom prst="rect">
-            <a:avLst/>
-          </a:prstGeom>
-        </p:spPr>
-      </p:pic>
-    </p:spTree>
-    <p:extLst>
-      <p:ext uri="{BB962C8B-B14F-4D97-AF65-F5344CB8AC3E}">
-        <p14:creationId xmlns:p14="http://schemas.microsoft.com/office/powerpoint/2010/main" val="1659269845"/>
-      </p:ext>
-    </p:extLst>
-  </p:cSld>
-  <p:clrMapOvr>
-    <a:masterClrMapping/>
-  </p:clrMapOvr>
-  <p:timing>
-    <p:tnLst>
-      <p:par>
-        <p:cTn id="1" dur="indefinite" restart="never" nodeType="tmRoot"/>
-      </p:par>
-    </p:tnLst>
-  </p:timing>
-</p:sld>
-</file>
-
-<file path=ppt/slides/slide17.xml><?xml version="1.0" encoding="utf-8"?>
-<p:sld xmlns:a="http://schemas.openxmlformats.org/drawingml/2006/main" xmlns:r="http://schemas.openxmlformats.org/officeDocument/2006/relationships" xmlns:p="http://schemas.openxmlformats.org/presentationml/2006/main">
-  <p:cSld>
-    <p:spTree>
-      <p:nvGrpSpPr>
-        <p:cNvPr id="1" name=""/>
-        <p:cNvGrpSpPr/>
-        <p:nvPr/>
-      </p:nvGrpSpPr>
-      <p:grpSpPr>
-        <a:xfrm>
-          <a:off x="0" y="0"/>
-          <a:ext cx="0" cy="0"/>
-          <a:chOff x="0" y="0"/>
-          <a:chExt cx="0" cy="0"/>
-        </a:xfrm>
-      </p:grpSpPr>
-      <p:sp>
-        <p:nvSpPr>
-          <p:cNvPr id="2" name="标题 1"/>
-          <p:cNvSpPr>
-            <a:spLocks noGrp="1"/>
-          </p:cNvSpPr>
-          <p:nvPr>
-            <p:ph type="title"/>
-          </p:nvPr>
-        </p:nvSpPr>
-        <p:spPr/>
-        <p:txBody>
-          <a:bodyPr/>
-          <a:lstStyle/>
-          <a:p>
-            <a:r>
-              <a:rPr lang="en-US" altLang="zh-CN" dirty="0" smtClean="0"/>
-              <a:t>Results(RMSE score</a:t>
-            </a:r>
-            <a:r>
-              <a:rPr lang="en-US" altLang="zh-CN" dirty="0" smtClean="0"/>
-              <a:t>)</a:t>
+              <a:t>Results(RMSE score)</a:t>
             </a:r>
             <a:endParaRPr lang="zh-CN" altLang="en-US" dirty="0"/>
           </a:p>
@@ -6575,7 +3840,7 @@
             <p:ph idx="1"/>
             <p:extLst>
               <p:ext uri="{D42A27DB-BD31-4B8C-83A1-F6EECF244321}">
-                <p14:modId xmlns:p14="http://schemas.microsoft.com/office/powerpoint/2010/main" val="251696682"/>
+                <p14:modId xmlns:p14="http://schemas.microsoft.com/office/powerpoint/2010/main" val="4026159522"/>
               </p:ext>
             </p:extLst>
           </p:nvPr>
@@ -6713,7 +3978,13 @@
                         <a:rPr lang="en-US" sz="2800" kern="100" dirty="0">
                           <a:effectLst/>
                         </a:rPr>
-                        <a:t>Baseline mode</a:t>
+                        <a:t>Baseline </a:t>
+                      </a:r>
+                      <a:r>
+                        <a:rPr lang="en-US" sz="2800" kern="100" dirty="0" smtClean="0">
+                          <a:effectLst/>
+                        </a:rPr>
+                        <a:t>model</a:t>
                       </a:r>
                       <a:endParaRPr lang="zh-CN" sz="2800" kern="100" dirty="0">
                         <a:effectLst/>
@@ -6795,12 +4066,24 @@
                         </a:spcAft>
                       </a:pPr>
                       <a:r>
-                        <a:rPr lang="en-US" sz="2800" kern="100">
+                        <a:rPr lang="en-US" sz="2800" kern="100" dirty="0">
                           <a:effectLst/>
                         </a:rPr>
-                        <a:t>Improved mode (1)</a:t>
+                        <a:t>Improved </a:t>
                       </a:r>
-                      <a:endParaRPr lang="zh-CN" sz="2800" kern="100">
+                      <a:r>
+                        <a:rPr lang="en-US" sz="2800" kern="100" dirty="0" smtClean="0">
+                          <a:effectLst/>
+                        </a:rPr>
+                        <a:t>model </a:t>
+                      </a:r>
+                      <a:r>
+                        <a:rPr lang="en-US" sz="2800" kern="100" dirty="0">
+                          <a:effectLst/>
+                        </a:rPr>
+                        <a:t>(1)</a:t>
+                      </a:r>
+                      <a:endParaRPr lang="zh-CN" sz="2800" kern="100" dirty="0">
                         <a:effectLst/>
                         <a:latin typeface="等线" panose="02010600030101010101" pitchFamily="2" charset="-122"/>
                         <a:ea typeface="等线" panose="02010600030101010101" pitchFamily="2" charset="-122"/>
@@ -6880,12 +4163,24 @@
                         </a:spcAft>
                       </a:pPr>
                       <a:r>
-                        <a:rPr lang="en-US" sz="2800" kern="100">
+                        <a:rPr lang="en-US" sz="2800" kern="100" dirty="0">
                           <a:effectLst/>
                         </a:rPr>
-                        <a:t>Improved mode (2)</a:t>
+                        <a:t>Improved </a:t>
                       </a:r>
-                      <a:endParaRPr lang="zh-CN" sz="2800" kern="100">
+                      <a:r>
+                        <a:rPr lang="en-US" sz="2800" kern="100" dirty="0" smtClean="0">
+                          <a:effectLst/>
+                        </a:rPr>
+                        <a:t>model </a:t>
+                      </a:r>
+                      <a:r>
+                        <a:rPr lang="en-US" sz="2800" kern="100" dirty="0">
+                          <a:effectLst/>
+                        </a:rPr>
+                        <a:t>(2)</a:t>
+                      </a:r>
+                      <a:endParaRPr lang="zh-CN" sz="2800" kern="100" dirty="0">
                         <a:effectLst/>
                         <a:latin typeface="等线" panose="02010600030101010101" pitchFamily="2" charset="-122"/>
                         <a:ea typeface="等线" panose="02010600030101010101" pitchFamily="2" charset="-122"/>
@@ -6968,7 +4263,19 @@
                         <a:rPr lang="en-US" sz="2800" kern="100" dirty="0">
                           <a:effectLst/>
                         </a:rPr>
-                        <a:t>Improved mode (3)</a:t>
+                        <a:t>Improved </a:t>
+                      </a:r>
+                      <a:r>
+                        <a:rPr lang="en-US" sz="2800" kern="100" dirty="0" smtClean="0">
+                          <a:effectLst/>
+                        </a:rPr>
+                        <a:t>model </a:t>
+                      </a:r>
+                      <a:r>
+                        <a:rPr lang="en-US" sz="2800" kern="100" dirty="0">
+                          <a:effectLst/>
+                        </a:rPr>
+                        <a:t>(3)</a:t>
                       </a:r>
                       <a:endParaRPr lang="zh-CN" sz="2800" kern="100" dirty="0">
                         <a:effectLst/>
@@ -7062,7 +4369,7 @@
 </p:sld>
 </file>
 
-<file path=ppt/slides/slide18.xml><?xml version="1.0" encoding="utf-8"?>
+<file path=ppt/slides/slide11.xml><?xml version="1.0" encoding="utf-8"?>
 <p:sld xmlns:a="http://schemas.openxmlformats.org/drawingml/2006/main" xmlns:r="http://schemas.openxmlformats.org/officeDocument/2006/relationships" xmlns:p="http://schemas.openxmlformats.org/presentationml/2006/main">
   <p:cSld>
     <p:spTree>
@@ -7159,19 +4466,7 @@
             </a:pPr>
             <a:r>
               <a:rPr lang="en-US" altLang="zh-CN" dirty="0" smtClean="0"/>
-              <a:t>Won </a:t>
-            </a:r>
-            <a:r>
-              <a:rPr lang="en-US" altLang="zh-CN" dirty="0" smtClean="0"/>
-              <a:t>the </a:t>
-            </a:r>
-            <a:r>
-              <a:rPr lang="en-US" altLang="zh-CN" dirty="0" smtClean="0"/>
-              <a:t>place </a:t>
-            </a:r>
-            <a:r>
-              <a:rPr lang="en-US" altLang="zh-CN" dirty="0" smtClean="0"/>
-              <a:t>212</a:t>
+              <a:t>Won the place 212</a:t>
             </a:r>
           </a:p>
           <a:p>
@@ -7195,6 +4490,93 @@
     <p:extLst>
       <p:ext uri="{BB962C8B-B14F-4D97-AF65-F5344CB8AC3E}">
         <p14:creationId xmlns:p14="http://schemas.microsoft.com/office/powerpoint/2010/main" val="4222638767"/>
+      </p:ext>
+    </p:extLst>
+  </p:cSld>
+  <p:clrMapOvr>
+    <a:masterClrMapping/>
+  </p:clrMapOvr>
+  <p:timing>
+    <p:tnLst>
+      <p:par>
+        <p:cTn id="1" dur="indefinite" restart="never" nodeType="tmRoot"/>
+      </p:par>
+    </p:tnLst>
+  </p:timing>
+</p:sld>
+</file>
+
+<file path=ppt/slides/slide12.xml><?xml version="1.0" encoding="utf-8"?>
+<p:sld xmlns:a="http://schemas.openxmlformats.org/drawingml/2006/main" xmlns:r="http://schemas.openxmlformats.org/officeDocument/2006/relationships" xmlns:p="http://schemas.openxmlformats.org/presentationml/2006/main">
+  <p:cSld>
+    <p:spTree>
+      <p:nvGrpSpPr>
+        <p:cNvPr id="1" name=""/>
+        <p:cNvGrpSpPr/>
+        <p:nvPr/>
+      </p:nvGrpSpPr>
+      <p:grpSpPr>
+        <a:xfrm>
+          <a:off x="0" y="0"/>
+          <a:ext cx="0" cy="0"/>
+          <a:chOff x="0" y="0"/>
+          <a:chExt cx="0" cy="0"/>
+        </a:xfrm>
+      </p:grpSpPr>
+      <p:sp>
+        <p:nvSpPr>
+          <p:cNvPr id="2" name="标题 1"/>
+          <p:cNvSpPr>
+            <a:spLocks noGrp="1"/>
+          </p:cNvSpPr>
+          <p:nvPr>
+            <p:ph type="title"/>
+          </p:nvPr>
+        </p:nvSpPr>
+        <p:spPr/>
+        <p:txBody>
+          <a:bodyPr/>
+          <a:lstStyle/>
+          <a:p>
+            <a:endParaRPr lang="zh-CN" altLang="en-US"/>
+          </a:p>
+        </p:txBody>
+      </p:sp>
+      <p:sp>
+        <p:nvSpPr>
+          <p:cNvPr id="3" name="内容占位符 2"/>
+          <p:cNvSpPr>
+            <a:spLocks noGrp="1"/>
+          </p:cNvSpPr>
+          <p:nvPr>
+            <p:ph idx="1"/>
+          </p:nvPr>
+        </p:nvSpPr>
+        <p:spPr/>
+        <p:txBody>
+          <a:bodyPr>
+            <a:normAutofit/>
+          </a:bodyPr>
+          <a:lstStyle/>
+          <a:p>
+            <a:pPr marL="0" indent="0" algn="ctr">
+              <a:lnSpc>
+                <a:spcPct val="200000"/>
+              </a:lnSpc>
+              <a:buNone/>
+            </a:pPr>
+            <a:r>
+              <a:rPr lang="en-US" altLang="zh-CN" sz="6600" dirty="0" smtClean="0"/>
+              <a:t>Thank you </a:t>
+            </a:r>
+            <a:endParaRPr lang="zh-CN" altLang="en-US" sz="6600" dirty="0"/>
+          </a:p>
+        </p:txBody>
+      </p:sp>
+    </p:spTree>
+    <p:extLst>
+      <p:ext uri="{BB962C8B-B14F-4D97-AF65-F5344CB8AC3E}">
+        <p14:creationId xmlns:p14="http://schemas.microsoft.com/office/powerpoint/2010/main" val="145318463"/>
       </p:ext>
     </p:extLst>
   </p:cSld>
@@ -7230,13 +4612,7 @@
       </p:grpSpPr>
       <p:sp>
         <p:nvSpPr>
-          <p:cNvPr id="2" name="标题 1">
-            <a:extLst>
-              <a:ext uri="{FF2B5EF4-FFF2-40B4-BE49-F238E27FC236}">
-                <a16:creationId xmlns:a16="http://schemas.microsoft.com/office/drawing/2014/main" id="{3E668D43-8748-40BF-8223-24D82FE496A3}"/>
-              </a:ext>
-            </a:extLst>
-          </p:cNvPr>
+          <p:cNvPr id="2" name="标题 1"/>
           <p:cNvSpPr>
             <a:spLocks noGrp="1"/>
           </p:cNvSpPr>
@@ -7251,7 +4627,11 @@
           <a:p>
             <a:r>
               <a:rPr lang="en-US" altLang="zh-CN" dirty="0"/>
-              <a:t>Abstract</a:t>
+              <a:t>Improved </a:t>
+            </a:r>
+            <a:r>
+              <a:rPr lang="en-US" altLang="zh-CN" dirty="0" smtClean="0"/>
+              <a:t>models</a:t>
             </a:r>
             <a:endParaRPr lang="zh-CN" altLang="en-US" dirty="0"/>
           </a:p>
@@ -7259,13 +4639,7 @@
       </p:sp>
       <p:sp>
         <p:nvSpPr>
-          <p:cNvPr id="3" name="内容占位符 2">
-            <a:extLst>
-              <a:ext uri="{FF2B5EF4-FFF2-40B4-BE49-F238E27FC236}">
-                <a16:creationId xmlns:a16="http://schemas.microsoft.com/office/drawing/2014/main" id="{7A71D11C-4109-4E61-8093-FE4E7423E23F}"/>
-              </a:ext>
-            </a:extLst>
-          </p:cNvPr>
+          <p:cNvPr id="3" name="内容占位符 2"/>
           <p:cNvSpPr>
             <a:spLocks noGrp="1"/>
           </p:cNvSpPr>
@@ -7273,59 +4647,49 @@
             <p:ph idx="1"/>
           </p:nvPr>
         </p:nvSpPr>
-        <p:spPr>
-          <a:xfrm>
-            <a:off x="1451579" y="2015732"/>
-            <a:ext cx="9603275" cy="4129887"/>
-          </a:xfrm>
-        </p:spPr>
+        <p:spPr/>
         <p:txBody>
           <a:bodyPr/>
           <a:lstStyle/>
           <a:p>
             <a:r>
-              <a:rPr lang="en-US" altLang="zh-CN" sz="1800" b="0" i="0" kern="100" dirty="0">
-                <a:solidFill>
-                  <a:srgbClr val="000000"/>
-                </a:solidFill>
-                <a:effectLst/>
-                <a:latin typeface="NimbusRomNo9L-Regu"/>
-                <a:ea typeface="等线" panose="02010600030101010101" pitchFamily="2" charset="-122"/>
-                <a:cs typeface="Times New Roman" panose="02020603050405020304" pitchFamily="18" charset="0"/>
-              </a:rPr>
-              <a:t>This task is to analyze and identify the emotions of each character involved in every dialogue and action description in the script scenes from multiple dimensions. Comparing with traditional sentimental classification task, there are more changes in this task. E</a:t>
-            </a:r>
-            <a:r>
-              <a:rPr lang="en-US" altLang="zh-CN" sz="1800" kern="100" dirty="0">
-                <a:effectLst/>
-                <a:latin typeface="Calibri" panose="020F0502020204030204" pitchFamily="34" charset="0"/>
-                <a:ea typeface="等线" panose="02010600030101010101" pitchFamily="2" charset="-122"/>
-                <a:cs typeface="Times New Roman" panose="02020603050405020304" pitchFamily="18" charset="0"/>
-              </a:rPr>
-              <a:t>motions are multidimensional, and each emotion has a degree. For example, the degree of happiness ranges from 0 to 5, with 0 being none and 5 being the strongest. A sentence may have a variety of emotions, such as joy, surprise. Emotion classification is for a certain role in a sentence, rather than the whole sentence. A sentence may have multiple roles with different emotions. Considering the property of the task, we tried a few networks which different from what the multi-classifier does.</a:t>
-            </a:r>
-            <a:endParaRPr lang="zh-CN" altLang="zh-CN" sz="1800" kern="100" dirty="0">
-              <a:effectLst/>
-              <a:latin typeface="等线" panose="02010600030101010101" pitchFamily="2" charset="-122"/>
-              <a:ea typeface="等线" panose="02010600030101010101" pitchFamily="2" charset="-122"/>
-              <a:cs typeface="Times New Roman" panose="02020603050405020304" pitchFamily="18" charset="0"/>
-            </a:endParaRPr>
-          </a:p>
-          <a:p>
-            <a:endParaRPr lang="zh-CN" altLang="en-US" dirty="0"/>
+              <a:rPr lang="en-US" altLang="zh-CN" dirty="0" smtClean="0"/>
+              <a:t>We rebuilt the network with </a:t>
+            </a:r>
+            <a:r>
+              <a:rPr lang="en-US" altLang="zh-CN" dirty="0" err="1" smtClean="0"/>
+              <a:t>Pytorch</a:t>
+            </a:r>
+            <a:r>
+              <a:rPr lang="en-US" altLang="zh-CN" dirty="0" smtClean="0"/>
+              <a:t> which allows us freely define the structure and loss functions</a:t>
+            </a:r>
+          </a:p>
+          <a:p>
+            <a:r>
+              <a:rPr lang="en-US" altLang="zh-CN" dirty="0" smtClean="0"/>
+              <a:t>We built 3 versions with suitable network structure and overcome the shortcomings step by step</a:t>
+            </a:r>
           </a:p>
         </p:txBody>
       </p:sp>
     </p:spTree>
     <p:extLst>
       <p:ext uri="{BB962C8B-B14F-4D97-AF65-F5344CB8AC3E}">
-        <p14:creationId xmlns:p14="http://schemas.microsoft.com/office/powerpoint/2010/main" val="3577606807"/>
+        <p14:creationId xmlns:p14="http://schemas.microsoft.com/office/powerpoint/2010/main" val="4292693841"/>
       </p:ext>
     </p:extLst>
   </p:cSld>
   <p:clrMapOvr>
     <a:masterClrMapping/>
   </p:clrMapOvr>
+  <p:timing>
+    <p:tnLst>
+      <p:par>
+        <p:cTn id="1" dur="indefinite" restart="never" nodeType="tmRoot"/>
+      </p:par>
+    </p:tnLst>
+  </p:timing>
 </p:sld>
 </file>
 
@@ -7346,52 +4710,84 @@
           <a:chExt cx="0" cy="0"/>
         </a:xfrm>
       </p:grpSpPr>
+      <p:sp>
+        <p:nvSpPr>
+          <p:cNvPr id="2" name="标题 1"/>
+          <p:cNvSpPr>
+            <a:spLocks noGrp="1"/>
+          </p:cNvSpPr>
+          <p:nvPr>
+            <p:ph type="title"/>
+          </p:nvPr>
+        </p:nvSpPr>
+        <p:spPr/>
+        <p:txBody>
+          <a:bodyPr/>
+          <a:lstStyle/>
+          <a:p>
+            <a:r>
+              <a:rPr lang="en-US" altLang="zh-CN" dirty="0"/>
+              <a:t>Baseline model’s </a:t>
+            </a:r>
+            <a:r>
+              <a:rPr lang="en-US" altLang="zh-CN" dirty="0" err="1" smtClean="0"/>
+              <a:t>shoRtcoming</a:t>
+            </a:r>
+            <a:r>
+              <a:rPr lang="zh-CN" altLang="en-US" dirty="0" smtClean="0"/>
+              <a:t>（</a:t>
+            </a:r>
+            <a:r>
+              <a:rPr lang="en-US" altLang="zh-CN" dirty="0" smtClean="0"/>
+              <a:t>1</a:t>
+            </a:r>
+            <a:r>
+              <a:rPr lang="zh-CN" altLang="en-US" dirty="0" smtClean="0"/>
+              <a:t>）</a:t>
+            </a:r>
+            <a:endParaRPr lang="zh-CN" altLang="en-US" dirty="0"/>
+          </a:p>
+        </p:txBody>
+      </p:sp>
       <p:pic>
         <p:nvPicPr>
-          <p:cNvPr id="5" name="图片 4">
+          <p:cNvPr id="4" name="内容占位符 3"/>
+          <p:cNvPicPr>
+            <a:picLocks noGrp="1" noChangeAspect="1"/>
+          </p:cNvPicPr>
+          <p:nvPr>
+            <p:ph idx="1"/>
+          </p:nvPr>
+        </p:nvPicPr>
+        <p:blipFill>
+          <a:blip r:embed="rId2">
             <a:extLst>
-              <a:ext uri="{FF2B5EF4-FFF2-40B4-BE49-F238E27FC236}">
-                <a16:creationId xmlns:a16="http://schemas.microsoft.com/office/drawing/2014/main" id="{F548896B-6518-4538-82C6-1BA383A9A363}"/>
+              <a:ext uri="{28A0092B-C50C-407E-A947-70E740481C1C}">
+                <a14:useLocalDpi xmlns:a14="http://schemas.microsoft.com/office/drawing/2010/main" val="0"/>
               </a:ext>
             </a:extLst>
-          </p:cNvPr>
-          <p:cNvPicPr>
-            <a:picLocks noChangeAspect="1"/>
-          </p:cNvPicPr>
-          <p:nvPr/>
-        </p:nvPicPr>
-        <p:blipFill>
-          <a:blip r:embed="rId2"/>
+          </a:blip>
           <a:stretch>
             <a:fillRect/>
           </a:stretch>
         </p:blipFill>
         <p:spPr>
           <a:xfrm>
-            <a:off x="317465" y="974641"/>
-            <a:ext cx="11557070" cy="1736662"/>
+            <a:off x="2042069" y="2447038"/>
+            <a:ext cx="8422294" cy="3449638"/>
           </a:xfrm>
-          <a:prstGeom prst="rect">
-            <a:avLst/>
-          </a:prstGeom>
         </p:spPr>
       </p:pic>
       <p:sp>
         <p:nvSpPr>
-          <p:cNvPr id="6" name="文本框 5">
-            <a:extLst>
-              <a:ext uri="{FF2B5EF4-FFF2-40B4-BE49-F238E27FC236}">
-                <a16:creationId xmlns:a16="http://schemas.microsoft.com/office/drawing/2014/main" id="{FFDEE953-5152-4156-BB3A-6E2C2F497073}"/>
-              </a:ext>
-            </a:extLst>
-          </p:cNvPr>
+          <p:cNvPr id="3" name="文本框 2"/>
           <p:cNvSpPr txBox="1"/>
           <p:nvPr/>
         </p:nvSpPr>
         <p:spPr>
           <a:xfrm>
-            <a:off x="317465" y="2828836"/>
-            <a:ext cx="11557070" cy="3693319"/>
+            <a:off x="1451579" y="1853754"/>
+            <a:ext cx="9492439" cy="923330"/>
           </a:xfrm>
           <a:prstGeom prst="rect">
             <a:avLst/>
@@ -7405,20 +4801,22 @@
           <a:lstStyle/>
           <a:p>
             <a:r>
-              <a:rPr lang="en-US" altLang="zh-CN" sz="2400" kern="100" dirty="0">
-                <a:effectLst/>
-                <a:latin typeface="Calibri" panose="020F0502020204030204" pitchFamily="34" charset="0"/>
-                <a:ea typeface="等线" panose="02010600030101010101" pitchFamily="2" charset="-122"/>
-                <a:cs typeface="Calibri" panose="020F0502020204030204" pitchFamily="34" charset="0"/>
-              </a:rPr>
-              <a:t>The above table is an example: The table content contains the script of a movie. The character column contains the specified character, that is mentioned in the script. The last 6 columns are the labels, which is in the training data but missing in the test data. The task is to identify the given character’s six emotions: love, happiness, surprise, anger, fear, and sorrow, and numerically rank them according to the script. A sentence has multiple characters, such as p2, d1 and x2, and for each character, the type and degree of emotion needs to be identified. In the sample, there is one line: A X2 Praise: “Wow, beautiful car!", which contains two emotions: "joy" and "surprise", and they are in degree 2 and 3, respectively.</a:t>
-            </a:r>
-            <a:endParaRPr lang="zh-CN" altLang="zh-CN" sz="2400" kern="100" dirty="0">
-              <a:effectLst/>
-              <a:latin typeface="Calibri" panose="020F0502020204030204" pitchFamily="34" charset="0"/>
-              <a:ea typeface="等线" panose="02010600030101010101" pitchFamily="2" charset="-122"/>
-              <a:cs typeface="Calibri" panose="020F0502020204030204" pitchFamily="34" charset="0"/>
-            </a:endParaRPr>
+              <a:rPr lang="en-US" altLang="zh-CN" dirty="0"/>
+              <a:t>Baseline model </a:t>
+            </a:r>
+            <a:r>
+              <a:rPr lang="en-US" altLang="zh-CN" dirty="0" err="1"/>
+              <a:t>simplifys</a:t>
+            </a:r>
+            <a:r>
+              <a:rPr lang="en-US" altLang="zh-CN" dirty="0"/>
+              <a:t> the multi-label multi-classification problem as a multi-label binary classification problem. It only gives 0 or 1 for an emotion, </a:t>
+            </a:r>
+            <a:r>
+              <a:rPr lang="en-US" altLang="zh-CN" dirty="0" smtClean="0"/>
+              <a:t>but the emotion value could be 2 or 3</a:t>
+            </a:r>
+            <a:endParaRPr lang="en-US" altLang="zh-CN" dirty="0"/>
           </a:p>
           <a:p>
             <a:endParaRPr lang="zh-CN" altLang="en-US" dirty="0"/>
@@ -7427,56 +4825,88 @@
       </p:sp>
       <p:sp>
         <p:nvSpPr>
-          <p:cNvPr id="7" name="文本框 6">
-            <a:extLst>
-              <a:ext uri="{FF2B5EF4-FFF2-40B4-BE49-F238E27FC236}">
-                <a16:creationId xmlns:a16="http://schemas.microsoft.com/office/drawing/2014/main" id="{BEF81159-661B-4531-87A0-D53D22AA6405}"/>
-              </a:ext>
-            </a:extLst>
-          </p:cNvPr>
-          <p:cNvSpPr txBox="1"/>
+          <p:cNvPr id="11" name="任意多边形 10"/>
+          <p:cNvSpPr/>
           <p:nvPr/>
         </p:nvSpPr>
         <p:spPr>
           <a:xfrm>
-            <a:off x="335161" y="232594"/>
-            <a:ext cx="1015174" cy="461665"/>
+            <a:off x="7970982" y="5717309"/>
+            <a:ext cx="157018" cy="0"/>
           </a:xfrm>
-          <a:prstGeom prst="rect">
+          <a:custGeom>
             <a:avLst/>
-          </a:prstGeom>
+            <a:gdLst>
+              <a:gd name="connsiteX0" fmla="*/ 0 w 157018"/>
+              <a:gd name="connsiteY0" fmla="*/ 0 h 0"/>
+              <a:gd name="connsiteX1" fmla="*/ 157018 w 157018"/>
+              <a:gd name="connsiteY1" fmla="*/ 0 h 0"/>
+            </a:gdLst>
+            <a:ahLst/>
+            <a:cxnLst>
+              <a:cxn ang="0">
+                <a:pos x="connsiteX0" y="connsiteY0"/>
+              </a:cxn>
+              <a:cxn ang="0">
+                <a:pos x="connsiteX1" y="connsiteY1"/>
+              </a:cxn>
+            </a:cxnLst>
+            <a:rect l="l" t="t" r="r" b="b"/>
+            <a:pathLst>
+              <a:path w="157018">
+                <a:moveTo>
+                  <a:pt x="0" y="0"/>
+                </a:moveTo>
+                <a:lnTo>
+                  <a:pt x="157018" y="0"/>
+                </a:lnTo>
+              </a:path>
+            </a:pathLst>
+          </a:custGeom>
           <a:noFill/>
         </p:spPr>
-        <p:txBody>
-          <a:bodyPr wrap="square" rtlCol="0">
-            <a:spAutoFit/>
-          </a:bodyPr>
-          <a:lstStyle/>
-          <a:p>
-            <a:r>
-              <a:rPr lang="en-US" altLang="zh-CN" sz="2400" dirty="0">
-                <a:latin typeface="Calibri" panose="020F0502020204030204" pitchFamily="34" charset="0"/>
-                <a:cs typeface="Calibri" panose="020F0502020204030204" pitchFamily="34" charset="0"/>
-              </a:rPr>
-              <a:t>Data</a:t>
-            </a:r>
-            <a:endParaRPr lang="zh-CN" altLang="en-US" sz="2400" dirty="0">
-              <a:latin typeface="Calibri" panose="020F0502020204030204" pitchFamily="34" charset="0"/>
-              <a:cs typeface="Calibri" panose="020F0502020204030204" pitchFamily="34" charset="0"/>
-            </a:endParaRPr>
+        <p:style>
+          <a:lnRef idx="2">
+            <a:schemeClr val="accent1">
+              <a:shade val="50000"/>
+            </a:schemeClr>
+          </a:lnRef>
+          <a:fillRef idx="1">
+            <a:schemeClr val="accent1"/>
+          </a:fillRef>
+          <a:effectRef idx="0">
+            <a:schemeClr val="accent1"/>
+          </a:effectRef>
+          <a:fontRef idx="minor">
+            <a:schemeClr val="lt1"/>
+          </a:fontRef>
+        </p:style>
+        <p:txBody>
+          <a:bodyPr rtlCol="0" anchor="ctr"/>
+          <a:lstStyle/>
+          <a:p>
+            <a:pPr algn="ctr"/>
+            <a:endParaRPr lang="zh-CN" altLang="en-US"/>
           </a:p>
         </p:txBody>
       </p:sp>
     </p:spTree>
     <p:extLst>
       <p:ext uri="{BB962C8B-B14F-4D97-AF65-F5344CB8AC3E}">
-        <p14:creationId xmlns:p14="http://schemas.microsoft.com/office/powerpoint/2010/main" val="3507696946"/>
+        <p14:creationId xmlns:p14="http://schemas.microsoft.com/office/powerpoint/2010/main" val="3992474266"/>
       </p:ext>
     </p:extLst>
   </p:cSld>
   <p:clrMapOvr>
     <a:masterClrMapping/>
   </p:clrMapOvr>
+  <p:timing>
+    <p:tnLst>
+      <p:par>
+        <p:cTn id="1" dur="indefinite" restart="never" nodeType="tmRoot"/>
+      </p:par>
+    </p:tnLst>
+  </p:timing>
 </p:sld>
 </file>
 
@@ -7499,20 +4929,74 @@
       </p:grpSpPr>
       <p:sp>
         <p:nvSpPr>
-          <p:cNvPr id="4" name="文本框 3">
+          <p:cNvPr id="2" name="标题 1"/>
+          <p:cNvSpPr>
+            <a:spLocks noGrp="1"/>
+          </p:cNvSpPr>
+          <p:nvPr>
+            <p:ph type="title"/>
+          </p:nvPr>
+        </p:nvSpPr>
+        <p:spPr/>
+        <p:txBody>
+          <a:bodyPr/>
+          <a:lstStyle/>
+          <a:p>
+            <a:r>
+              <a:rPr lang="en-US" altLang="zh-CN" dirty="0" smtClean="0"/>
+              <a:t>Improved model(1)</a:t>
+            </a:r>
+            <a:endParaRPr lang="zh-CN" altLang="en-US" dirty="0"/>
+          </a:p>
+        </p:txBody>
+      </p:sp>
+      <p:pic>
+        <p:nvPicPr>
+          <p:cNvPr id="4" name="内容占位符 3" descr="D:\work\tts\code\github\script_emotion\graph\regression .png"/>
+          <p:cNvPicPr>
+            <a:picLocks noGrp="1"/>
+          </p:cNvPicPr>
+          <p:nvPr>
+            <p:ph idx="1"/>
+          </p:nvPr>
+        </p:nvPicPr>
+        <p:blipFill>
+          <a:blip r:embed="rId2">
             <a:extLst>
-              <a:ext uri="{FF2B5EF4-FFF2-40B4-BE49-F238E27FC236}">
-                <a16:creationId xmlns:a16="http://schemas.microsoft.com/office/drawing/2014/main" id="{0A07B73A-60B0-4D23-A4B0-3766E3FFAF44}"/>
+              <a:ext uri="{28A0092B-C50C-407E-A947-70E740481C1C}">
+                <a14:useLocalDpi xmlns:a14="http://schemas.microsoft.com/office/drawing/2010/main" val="0"/>
               </a:ext>
             </a:extLst>
-          </p:cNvPr>
+          </a:blip>
+          <a:srcRect/>
+          <a:stretch>
+            <a:fillRect/>
+          </a:stretch>
+        </p:blipFill>
+        <p:spPr bwMode="auto">
+          <a:xfrm>
+            <a:off x="434109" y="2032000"/>
+            <a:ext cx="5329383" cy="4128655"/>
+          </a:xfrm>
+          <a:prstGeom prst="rect">
+            <a:avLst/>
+          </a:prstGeom>
+          <a:noFill/>
+          <a:ln>
+            <a:noFill/>
+          </a:ln>
+        </p:spPr>
+      </p:pic>
+      <p:sp>
+        <p:nvSpPr>
+          <p:cNvPr id="5" name="文本框 4"/>
           <p:cNvSpPr txBox="1"/>
           <p:nvPr/>
         </p:nvSpPr>
         <p:spPr>
           <a:xfrm>
-            <a:off x="489099" y="574158"/>
-            <a:ext cx="10887740" cy="2246769"/>
+            <a:off x="5763492" y="2503055"/>
+            <a:ext cx="5772726" cy="3139321"/>
           </a:xfrm>
           <a:prstGeom prst="rect">
             <a:avLst/>
@@ -7525,60 +5009,142 @@
           </a:bodyPr>
           <a:lstStyle/>
           <a:p>
-            <a:r>
-              <a:rPr lang="en-US" altLang="zh-CN" sz="2800" dirty="0">
-                <a:latin typeface="Calibri" panose="020F0502020204030204" pitchFamily="34" charset="0"/>
-                <a:cs typeface="Calibri" panose="020F0502020204030204" pitchFamily="34" charset="0"/>
+            <a:pPr marL="285750" indent="-285750">
+              <a:buFont typeface="Arial" panose="020B0604020202020204" pitchFamily="34" charset="0"/>
+              <a:buChar char="•"/>
+            </a:pPr>
+            <a:r>
+              <a:rPr lang="en-US" altLang="zh-CN" dirty="0" smtClean="0"/>
+              <a:t>6 output blocks corresponding to 6 emotions</a:t>
+            </a:r>
+          </a:p>
+          <a:p>
+            <a:pPr marL="285750" indent="-285750">
+              <a:buFont typeface="Arial" panose="020B0604020202020204" pitchFamily="34" charset="0"/>
+              <a:buChar char="•"/>
+            </a:pPr>
+            <a:r>
+              <a:rPr lang="en-US" altLang="zh-CN" dirty="0" smtClean="0"/>
+              <a:t>Regard it as </a:t>
+            </a:r>
+            <a:r>
+              <a:rPr lang="en-US" altLang="zh-CN" dirty="0" smtClean="0">
+                <a:solidFill>
+                  <a:srgbClr val="FF0000"/>
+                </a:solidFill>
               </a:rPr>
-              <a:t>A total of 42896 labeled data were randomly shuffled and divided into training set and validation set in a ratio of 8:2.  We have counted the label distribution on the training set, and it is obvious from the data distribution that emotion value 0 accounts for the vast majority.  The higher the emotional value, the smaller the proportion.</a:t>
-            </a:r>
-            <a:endParaRPr lang="zh-CN" altLang="en-US" sz="2800" dirty="0">
-              <a:latin typeface="Calibri" panose="020F0502020204030204" pitchFamily="34" charset="0"/>
-              <a:cs typeface="Calibri" panose="020F0502020204030204" pitchFamily="34" charset="0"/>
-            </a:endParaRPr>
-          </a:p>
-        </p:txBody>
-      </p:sp>
-      <p:pic>
-        <p:nvPicPr>
-          <p:cNvPr id="6" name="图片 5">
-            <a:extLst>
-              <a:ext uri="{FF2B5EF4-FFF2-40B4-BE49-F238E27FC236}">
-                <a16:creationId xmlns:a16="http://schemas.microsoft.com/office/drawing/2014/main" id="{3FC1551C-70FC-4977-8926-84CD49B7543C}"/>
-              </a:ext>
-            </a:extLst>
-          </p:cNvPr>
-          <p:cNvPicPr>
-            <a:picLocks noChangeAspect="1"/>
-          </p:cNvPicPr>
-          <p:nvPr/>
-        </p:nvPicPr>
-        <p:blipFill>
-          <a:blip r:embed="rId2"/>
-          <a:stretch>
-            <a:fillRect/>
-          </a:stretch>
-        </p:blipFill>
-        <p:spPr>
-          <a:xfrm>
-            <a:off x="1042840" y="3019210"/>
-            <a:ext cx="9473117" cy="3424120"/>
-          </a:xfrm>
-          <a:prstGeom prst="rect">
-            <a:avLst/>
-          </a:prstGeom>
-        </p:spPr>
-      </p:pic>
+              <a:t>regression problem </a:t>
+            </a:r>
+            <a:r>
+              <a:rPr lang="en-US" altLang="zh-CN" dirty="0" smtClean="0"/>
+              <a:t>instead of multi-classification problem, because the target is a numeric value 0,1,2,3,different from cat/dog classification whose value can not be comparable in size</a:t>
+            </a:r>
+          </a:p>
+          <a:p>
+            <a:pPr marL="285750" indent="-285750">
+              <a:buFont typeface="Arial" panose="020B0604020202020204" pitchFamily="34" charset="0"/>
+              <a:buChar char="•"/>
+            </a:pPr>
+            <a:r>
+              <a:rPr lang="en-US" altLang="zh-CN" dirty="0" smtClean="0"/>
+              <a:t>Use </a:t>
+            </a:r>
+            <a:r>
+              <a:rPr lang="en-US" altLang="zh-CN" dirty="0" smtClean="0">
+                <a:solidFill>
+                  <a:srgbClr val="FF0000"/>
+                </a:solidFill>
+              </a:rPr>
+              <a:t>MSE loss </a:t>
+            </a:r>
+            <a:r>
+              <a:rPr lang="en-US" altLang="zh-CN" dirty="0" smtClean="0"/>
+              <a:t>function instead of cross entropy loss</a:t>
+            </a:r>
+          </a:p>
+          <a:p>
+            <a:pPr marL="285750" indent="-285750">
+              <a:buFont typeface="Arial" panose="020B0604020202020204" pitchFamily="34" charset="0"/>
+              <a:buChar char="•"/>
+            </a:pPr>
+            <a:r>
+              <a:rPr lang="en-US" altLang="zh-CN" dirty="0" smtClean="0"/>
+              <a:t>Total loss is the </a:t>
+            </a:r>
+            <a:r>
+              <a:rPr lang="en-US" altLang="zh-CN" dirty="0" smtClean="0">
+                <a:solidFill>
+                  <a:srgbClr val="FF0000"/>
+                </a:solidFill>
+              </a:rPr>
+              <a:t>summation</a:t>
+            </a:r>
+            <a:r>
+              <a:rPr lang="en-US" altLang="zh-CN" dirty="0" smtClean="0"/>
+              <a:t> of all output blocks’ loss</a:t>
+            </a:r>
+          </a:p>
+          <a:p>
+            <a:pPr marL="285750" indent="-285750">
+              <a:buFont typeface="Arial" panose="020B0604020202020204" pitchFamily="34" charset="0"/>
+              <a:buChar char="•"/>
+            </a:pPr>
+            <a:r>
+              <a:rPr lang="en-US" altLang="zh-CN" dirty="0"/>
+              <a:t>Output one dimension logit of float type</a:t>
+            </a:r>
+          </a:p>
+          <a:p>
+            <a:pPr marL="285750" indent="-285750">
+              <a:buFont typeface="Arial" panose="020B0604020202020204" pitchFamily="34" charset="0"/>
+              <a:buChar char="•"/>
+            </a:pPr>
+            <a:r>
+              <a:rPr lang="en-US" altLang="zh-CN" dirty="0"/>
+              <a:t>Convert float number into integer by </a:t>
+            </a:r>
+            <a:r>
+              <a:rPr lang="en-US" altLang="zh-CN" dirty="0">
+                <a:solidFill>
+                  <a:srgbClr val="FF0000"/>
+                </a:solidFill>
+              </a:rPr>
+              <a:t>rounding</a:t>
+            </a:r>
+            <a:r>
+              <a:rPr lang="en-US" altLang="zh-CN" dirty="0"/>
+              <a:t> </a:t>
+            </a:r>
+          </a:p>
+          <a:p>
+            <a:endParaRPr lang="en-US" altLang="zh-CN" dirty="0" smtClean="0"/>
+          </a:p>
+          <a:p>
+            <a:pPr marL="285750" indent="-285750">
+              <a:buFont typeface="Arial" panose="020B0604020202020204" pitchFamily="34" charset="0"/>
+              <a:buChar char="•"/>
+            </a:pPr>
+            <a:endParaRPr lang="zh-CN" altLang="en-US" dirty="0"/>
+          </a:p>
+        </p:txBody>
+      </p:sp>
     </p:spTree>
     <p:extLst>
       <p:ext uri="{BB962C8B-B14F-4D97-AF65-F5344CB8AC3E}">
-        <p14:creationId xmlns:p14="http://schemas.microsoft.com/office/powerpoint/2010/main" val="4263481453"/>
+        <p14:creationId xmlns:p14="http://schemas.microsoft.com/office/powerpoint/2010/main" val="1883249108"/>
       </p:ext>
     </p:extLst>
   </p:cSld>
   <p:clrMapOvr>
     <a:masterClrMapping/>
   </p:clrMapOvr>
+  <p:timing>
+    <p:tnLst>
+      <p:par>
+        <p:cTn id="1" dur="indefinite" restart="never" nodeType="tmRoot"/>
+      </p:par>
+    </p:tnLst>
+  </p:timing>
 </p:sld>
 </file>
 
@@ -7599,44 +5165,119 @@
           <a:chExt cx="0" cy="0"/>
         </a:xfrm>
       </p:grpSpPr>
-      <p:graphicFrame>
-        <p:nvGraphicFramePr>
-          <p:cNvPr id="2" name="图表 1">
+      <p:sp>
+        <p:nvSpPr>
+          <p:cNvPr id="2" name="标题 1"/>
+          <p:cNvSpPr>
+            <a:spLocks noGrp="1"/>
+          </p:cNvSpPr>
+          <p:nvPr>
+            <p:ph type="title"/>
+          </p:nvPr>
+        </p:nvSpPr>
+        <p:spPr/>
+        <p:txBody>
+          <a:bodyPr/>
+          <a:lstStyle/>
+          <a:p>
+            <a:r>
+              <a:rPr lang="en-US" altLang="zh-CN" dirty="0"/>
+              <a:t>Baseline model’s </a:t>
+            </a:r>
+            <a:r>
+              <a:rPr lang="en-US" altLang="zh-CN" dirty="0" err="1"/>
+              <a:t>shotcommings</a:t>
+            </a:r>
+            <a:r>
+              <a:rPr lang="en-US" altLang="zh-CN" dirty="0"/>
+              <a:t> </a:t>
+            </a:r>
+            <a:r>
+              <a:rPr lang="zh-CN" altLang="en-US" dirty="0" smtClean="0"/>
+              <a:t>（</a:t>
+            </a:r>
+            <a:r>
+              <a:rPr lang="en-US" altLang="zh-CN" dirty="0" smtClean="0"/>
+              <a:t>2</a:t>
+            </a:r>
+            <a:r>
+              <a:rPr lang="zh-CN" altLang="en-US" dirty="0" smtClean="0"/>
+              <a:t>）</a:t>
+            </a:r>
+            <a:endParaRPr lang="zh-CN" altLang="en-US" dirty="0"/>
+          </a:p>
+        </p:txBody>
+      </p:sp>
+      <p:sp>
+        <p:nvSpPr>
+          <p:cNvPr id="3" name="内容占位符 2"/>
+          <p:cNvSpPr>
+            <a:spLocks noGrp="1"/>
+          </p:cNvSpPr>
+          <p:nvPr>
+            <p:ph idx="1"/>
+          </p:nvPr>
+        </p:nvSpPr>
+        <p:spPr/>
+        <p:txBody>
+          <a:bodyPr/>
+          <a:lstStyle/>
+          <a:p>
+            <a:r>
+              <a:rPr lang="en-US" altLang="zh-CN" dirty="0" smtClean="0"/>
+              <a:t>Baseline model simply merges the character into script text,  forming a longer text.</a:t>
+            </a:r>
+            <a:endParaRPr lang="zh-CN" altLang="en-US" dirty="0"/>
+          </a:p>
+        </p:txBody>
+      </p:sp>
+      <p:pic>
+        <p:nvPicPr>
+          <p:cNvPr id="4" name="图片 3"/>
+          <p:cNvPicPr>
+            <a:picLocks noChangeAspect="1"/>
+          </p:cNvPicPr>
+          <p:nvPr/>
+        </p:nvPicPr>
+        <p:blipFill>
+          <a:blip r:embed="rId2">
             <a:extLst>
-              <a:ext uri="{FF2B5EF4-FFF2-40B4-BE49-F238E27FC236}">
-                <a16:creationId xmlns:a16="http://schemas.microsoft.com/office/drawing/2014/main" id="{F08A8D1C-7F67-4F08-86EA-91C315E9BDFB}"/>
+              <a:ext uri="{28A0092B-C50C-407E-A947-70E740481C1C}">
+                <a14:useLocalDpi xmlns:a14="http://schemas.microsoft.com/office/drawing/2010/main" val="0"/>
               </a:ext>
             </a:extLst>
-          </p:cNvPr>
-          <p:cNvGraphicFramePr/>
-          <p:nvPr>
-            <p:extLst>
-              <p:ext uri="{D42A27DB-BD31-4B8C-83A1-F6EECF244321}">
-                <p14:modId xmlns:p14="http://schemas.microsoft.com/office/powerpoint/2010/main" val="1669467144"/>
-              </p:ext>
-            </p:extLst>
-          </p:nvPr>
-        </p:nvGraphicFramePr>
-        <p:xfrm>
-          <a:off x="1520456" y="377454"/>
-          <a:ext cx="9151088" cy="5502351"/>
-        </p:xfrm>
-        <a:graphic>
-          <a:graphicData uri="http://schemas.openxmlformats.org/drawingml/2006/chart">
-            <c:chart xmlns:c="http://schemas.openxmlformats.org/drawingml/2006/chart" xmlns:r="http://schemas.openxmlformats.org/officeDocument/2006/relationships" r:id="rId2"/>
-          </a:graphicData>
-        </a:graphic>
-      </p:graphicFrame>
+          </a:blip>
+          <a:stretch>
+            <a:fillRect/>
+          </a:stretch>
+        </p:blipFill>
+        <p:spPr>
+          <a:xfrm>
+            <a:off x="1905457" y="2943906"/>
+            <a:ext cx="8085521" cy="2522439"/>
+          </a:xfrm>
+          <a:prstGeom prst="rect">
+            <a:avLst/>
+          </a:prstGeom>
+        </p:spPr>
+      </p:pic>
     </p:spTree>
     <p:extLst>
       <p:ext uri="{BB962C8B-B14F-4D97-AF65-F5344CB8AC3E}">
-        <p14:creationId xmlns:p14="http://schemas.microsoft.com/office/powerpoint/2010/main" val="2647724219"/>
+        <p14:creationId xmlns:p14="http://schemas.microsoft.com/office/powerpoint/2010/main" val="1939827053"/>
       </p:ext>
     </p:extLst>
   </p:cSld>
   <p:clrMapOvr>
     <a:masterClrMapping/>
   </p:clrMapOvr>
+  <p:timing>
+    <p:tnLst>
+      <p:par>
+        <p:cTn id="1" dur="indefinite" restart="never" nodeType="tmRoot"/>
+      </p:par>
+    </p:tnLst>
+  </p:timing>
 </p:sld>
 </file>
 
@@ -7659,140 +5300,214 @@
       </p:grpSpPr>
       <p:sp>
         <p:nvSpPr>
-          <p:cNvPr id="2" name="标题 1">
+          <p:cNvPr id="2" name="标题 1"/>
+          <p:cNvSpPr>
+            <a:spLocks noGrp="1"/>
+          </p:cNvSpPr>
+          <p:nvPr>
+            <p:ph type="title"/>
+          </p:nvPr>
+        </p:nvSpPr>
+        <p:spPr/>
+        <p:txBody>
+          <a:bodyPr/>
+          <a:lstStyle/>
+          <a:p>
+            <a:r>
+              <a:rPr lang="en-US" altLang="zh-CN" dirty="0"/>
+              <a:t>Baseline model’s </a:t>
+            </a:r>
+            <a:r>
+              <a:rPr lang="en-US" altLang="zh-CN" dirty="0" err="1" smtClean="0"/>
+              <a:t>shoRtcomings</a:t>
+            </a:r>
+            <a:r>
+              <a:rPr lang="en-US" altLang="zh-CN" dirty="0" smtClean="0"/>
+              <a:t> </a:t>
+            </a:r>
+            <a:r>
+              <a:rPr lang="zh-CN" altLang="en-US" dirty="0"/>
+              <a:t>（</a:t>
+            </a:r>
+            <a:r>
+              <a:rPr lang="en-US" altLang="zh-CN" dirty="0"/>
+              <a:t>2</a:t>
+            </a:r>
+            <a:r>
+              <a:rPr lang="zh-CN" altLang="en-US" dirty="0"/>
+              <a:t>）</a:t>
+            </a:r>
+          </a:p>
+        </p:txBody>
+      </p:sp>
+      <p:pic>
+        <p:nvPicPr>
+          <p:cNvPr id="4" name="内容占位符 3" descr="D:\MyData\tujh\AppData\Local\Temp\1637505427(1).png"/>
+          <p:cNvPicPr>
+            <a:picLocks noGrp="1"/>
+          </p:cNvPicPr>
+          <p:nvPr>
+            <p:ph idx="1"/>
+          </p:nvPr>
+        </p:nvPicPr>
+        <p:blipFill>
+          <a:blip r:embed="rId2">
             <a:extLst>
-              <a:ext uri="{FF2B5EF4-FFF2-40B4-BE49-F238E27FC236}">
-                <a16:creationId xmlns:a16="http://schemas.microsoft.com/office/drawing/2014/main" id="{4A0CBCB4-9D15-4AD3-9D83-5D66523A80A2}"/>
+              <a:ext uri="{28A0092B-C50C-407E-A947-70E740481C1C}">
+                <a14:useLocalDpi xmlns:a14="http://schemas.microsoft.com/office/drawing/2010/main" val="0"/>
               </a:ext>
             </a:extLst>
-          </p:cNvPr>
-          <p:cNvSpPr>
-            <a:spLocks noGrp="1"/>
-          </p:cNvSpPr>
-          <p:nvPr>
-            <p:ph type="title"/>
-          </p:nvPr>
-        </p:nvSpPr>
-        <p:spPr/>
-        <p:txBody>
-          <a:bodyPr/>
-          <a:lstStyle/>
-          <a:p>
-            <a:r>
-              <a:rPr lang="en-US" altLang="zh-CN" dirty="0"/>
-              <a:t>evaluation indicators</a:t>
-            </a:r>
-            <a:endParaRPr lang="zh-CN" altLang="en-US" dirty="0"/>
-          </a:p>
-        </p:txBody>
-      </p:sp>
-      <p:sp>
-        <p:nvSpPr>
-          <p:cNvPr id="3" name="内容占位符 2">
-            <a:extLst>
-              <a:ext uri="{FF2B5EF4-FFF2-40B4-BE49-F238E27FC236}">
-                <a16:creationId xmlns:a16="http://schemas.microsoft.com/office/drawing/2014/main" id="{1028E390-4AD9-4E29-A4FC-A5481E8CB0FA}"/>
-              </a:ext>
-            </a:extLst>
-          </p:cNvPr>
-          <p:cNvSpPr>
-            <a:spLocks noGrp="1"/>
-          </p:cNvSpPr>
-          <p:nvPr>
-            <p:ph idx="1"/>
-          </p:nvPr>
-        </p:nvSpPr>
-        <p:spPr>
-          <a:xfrm>
-            <a:off x="1451579" y="2015732"/>
-            <a:ext cx="9603275" cy="4037749"/>
-          </a:xfrm>
-        </p:spPr>
-        <p:txBody>
-          <a:bodyPr>
-            <a:normAutofit fontScale="92500" lnSpcReduction="20000"/>
-          </a:bodyPr>
-          <a:lstStyle/>
-          <a:p>
-            <a:r>
-              <a:rPr lang="en-US" altLang="zh-CN" dirty="0"/>
-              <a:t>The score of the algorithm in this competition is calculated by the common root mean square error (RMSE), and the emotion values corresponding to the six emotions identified by "text content + character name" are counted:</a:t>
-            </a:r>
-          </a:p>
-          <a:p>
-            <a:endParaRPr lang="en-US" altLang="zh-CN" dirty="0"/>
-          </a:p>
-          <a:p>
-            <a:endParaRPr lang="en-US" altLang="zh-CN" dirty="0"/>
-          </a:p>
-          <a:p>
-            <a:endParaRPr lang="en-US" altLang="zh-CN" dirty="0"/>
-          </a:p>
-          <a:p>
-            <a:endParaRPr lang="en-US" altLang="zh-CN" dirty="0"/>
-          </a:p>
-          <a:p>
-            <a:endParaRPr lang="en-US" altLang="zh-CN" dirty="0"/>
-          </a:p>
-          <a:p>
-            <a:r>
-              <a:rPr lang="en-US" altLang="zh-CN" dirty="0"/>
-              <a:t>Where </a:t>
-            </a:r>
-            <a:r>
-              <a:rPr lang="en-US" altLang="zh-CN" dirty="0" err="1"/>
-              <a:t>yi,j</a:t>
-            </a:r>
-            <a:r>
-              <a:rPr lang="en-US" altLang="zh-CN" dirty="0"/>
-              <a:t> is the predicted emotion value, </a:t>
-            </a:r>
-            <a:r>
-              <a:rPr lang="en-US" altLang="zh-CN" dirty="0" err="1"/>
-              <a:t>xi,j</a:t>
-            </a:r>
-            <a:r>
-              <a:rPr lang="en-US" altLang="zh-CN" dirty="0"/>
-              <a:t> are the marked emotion value, and n is the total number of test samples. The final ranking is based on score.</a:t>
-            </a:r>
-            <a:endParaRPr lang="zh-CN" altLang="en-US" dirty="0"/>
-          </a:p>
-        </p:txBody>
-      </p:sp>
-      <p:pic>
-        <p:nvPicPr>
-          <p:cNvPr id="5" name="图片 4">
-            <a:extLst>
-              <a:ext uri="{FF2B5EF4-FFF2-40B4-BE49-F238E27FC236}">
-                <a16:creationId xmlns:a16="http://schemas.microsoft.com/office/drawing/2014/main" id="{F404C6F0-46B7-4555-A746-ADE6A18C4EC1}"/>
-              </a:ext>
-            </a:extLst>
-          </p:cNvPr>
-          <p:cNvPicPr>
-            <a:picLocks noChangeAspect="1"/>
-          </p:cNvPicPr>
-          <p:nvPr/>
-        </p:nvPicPr>
-        <p:blipFill>
-          <a:blip r:embed="rId2"/>
+          </a:blip>
+          <a:srcRect/>
           <a:stretch>
             <a:fillRect/>
           </a:stretch>
         </p:blipFill>
+        <p:spPr bwMode="auto">
+          <a:xfrm>
+            <a:off x="6764315" y="2385260"/>
+            <a:ext cx="3078747" cy="3025402"/>
+          </a:xfrm>
+          <a:prstGeom prst="rect">
+            <a:avLst/>
+          </a:prstGeom>
+          <a:noFill/>
+          <a:ln>
+            <a:noFill/>
+          </a:ln>
+        </p:spPr>
+      </p:pic>
+      <p:sp>
+        <p:nvSpPr>
+          <p:cNvPr id="5" name="矩形 4"/>
+          <p:cNvSpPr/>
+          <p:nvPr/>
+        </p:nvSpPr>
         <p:spPr>
           <a:xfrm>
-            <a:off x="3153198" y="3299573"/>
-            <a:ext cx="5885604" cy="1889631"/>
+            <a:off x="1564242" y="2062125"/>
+            <a:ext cx="4374740" cy="4339650"/>
           </a:xfrm>
           <a:prstGeom prst="rect">
             <a:avLst/>
           </a:prstGeom>
         </p:spPr>
-      </p:pic>
+        <p:txBody>
+          <a:bodyPr wrap="square">
+            <a:spAutoFit/>
+          </a:bodyPr>
+          <a:lstStyle/>
+          <a:p>
+            <a:pPr marL="285750" indent="-285750">
+              <a:buClr>
+                <a:schemeClr val="accent1"/>
+              </a:buClr>
+              <a:buFont typeface="Arial" panose="020B0604020202020204" pitchFamily="34" charset="0"/>
+              <a:buChar char="•"/>
+            </a:pPr>
+            <a:r>
+              <a:rPr lang="en-US" altLang="zh-CN" sz="2000" dirty="0"/>
+              <a:t>script text </a:t>
+            </a:r>
+            <a:r>
+              <a:rPr lang="en-US" altLang="zh-CN" sz="2000" dirty="0" smtClean="0"/>
+              <a:t> merged with the character is fed into the model as a </a:t>
+            </a:r>
+            <a:r>
+              <a:rPr lang="en-US" altLang="zh-CN" sz="2000" dirty="0" smtClean="0">
+                <a:solidFill>
+                  <a:srgbClr val="FF0000"/>
+                </a:solidFill>
+              </a:rPr>
+              <a:t>single sentence</a:t>
+            </a:r>
+            <a:r>
+              <a:rPr lang="en-US" altLang="zh-CN" sz="2000" dirty="0" smtClean="0"/>
+              <a:t>.</a:t>
+            </a:r>
+          </a:p>
+          <a:p>
+            <a:pPr marL="285750" indent="-285750">
+              <a:buClr>
+                <a:schemeClr val="accent1"/>
+              </a:buClr>
+              <a:buFont typeface="Arial" panose="020B0604020202020204" pitchFamily="34" charset="0"/>
+              <a:buChar char="•"/>
+            </a:pPr>
+            <a:endParaRPr lang="en-US" altLang="zh-CN" sz="2000" dirty="0" smtClean="0"/>
+          </a:p>
+          <a:p>
+            <a:pPr marL="285750" indent="-285750">
+              <a:buClr>
+                <a:schemeClr val="accent1"/>
+              </a:buClr>
+              <a:buFont typeface="Arial" panose="020B0604020202020204" pitchFamily="34" charset="0"/>
+              <a:buChar char="•"/>
+            </a:pPr>
+            <a:r>
+              <a:rPr lang="en-US" altLang="zh-CN" sz="2000" dirty="0" smtClean="0"/>
+              <a:t>But different characters might have different emotions, and it is the </a:t>
+            </a:r>
+            <a:r>
+              <a:rPr lang="en-US" altLang="zh-CN" sz="2000" dirty="0" smtClean="0">
+                <a:solidFill>
+                  <a:srgbClr val="FF0000"/>
+                </a:solidFill>
+              </a:rPr>
+              <a:t>key information </a:t>
+            </a:r>
+          </a:p>
+          <a:p>
+            <a:pPr marL="285750" indent="-285750">
+              <a:buClr>
+                <a:schemeClr val="accent1"/>
+              </a:buClr>
+              <a:buFont typeface="Arial" panose="020B0604020202020204" pitchFamily="34" charset="0"/>
+              <a:buChar char="•"/>
+            </a:pPr>
+            <a:endParaRPr lang="en-US" altLang="zh-CN" sz="2000" dirty="0" smtClean="0">
+              <a:solidFill>
+                <a:srgbClr val="FF0000"/>
+              </a:solidFill>
+            </a:endParaRPr>
+          </a:p>
+          <a:p>
+            <a:pPr marL="285750" indent="-285750">
+              <a:buClr>
+                <a:schemeClr val="accent1"/>
+              </a:buClr>
+              <a:buFont typeface="Arial" panose="020B0604020202020204" pitchFamily="34" charset="0"/>
+              <a:buChar char="•"/>
+            </a:pPr>
+            <a:r>
+              <a:rPr lang="en-US" altLang="zh-CN" sz="2000" dirty="0" smtClean="0"/>
+              <a:t>By merging, the character is mixed up with other words in the text, the model might </a:t>
+            </a:r>
+            <a:r>
+              <a:rPr lang="en-US" altLang="zh-CN" sz="2000" dirty="0" smtClean="0">
+                <a:solidFill>
+                  <a:srgbClr val="FF0000"/>
+                </a:solidFill>
+              </a:rPr>
+              <a:t>not be able to learn the importance </a:t>
+            </a:r>
+            <a:r>
+              <a:rPr lang="en-US" altLang="zh-CN" sz="2000" dirty="0" smtClean="0"/>
+              <a:t>of the character </a:t>
+            </a:r>
+          </a:p>
+          <a:p>
+            <a:endParaRPr lang="en-US" altLang="zh-CN" dirty="0" smtClean="0"/>
+          </a:p>
+          <a:p>
+            <a:endParaRPr lang="en-US" altLang="zh-CN" dirty="0"/>
+          </a:p>
+        </p:txBody>
+      </p:sp>
     </p:spTree>
     <p:extLst>
       <p:ext uri="{BB962C8B-B14F-4D97-AF65-F5344CB8AC3E}">
-        <p14:creationId xmlns:p14="http://schemas.microsoft.com/office/powerpoint/2010/main" val="2048220174"/>
+        <p14:creationId xmlns:p14="http://schemas.microsoft.com/office/powerpoint/2010/main" val="2621855770"/>
       </p:ext>
     </p:extLst>
   </p:cSld>
@@ -7828,21 +5543,52 @@
       </p:grpSpPr>
       <p:sp>
         <p:nvSpPr>
-          <p:cNvPr id="2" name="标题 1">
-            <a:extLst>
-              <a:ext uri="{FF2B5EF4-FFF2-40B4-BE49-F238E27FC236}">
-                <a16:creationId xmlns:a16="http://schemas.microsoft.com/office/drawing/2014/main" id="{82A6C5A6-BBF9-4FB4-8F19-B6333E0F487E}"/>
-              </a:ext>
-            </a:extLst>
-          </p:cNvPr>
-          <p:cNvSpPr>
-            <a:spLocks noGrp="1"/>
-          </p:cNvSpPr>
-          <p:nvPr>
-            <p:ph type="ctrTitle"/>
-          </p:nvPr>
-        </p:nvSpPr>
-        <p:spPr/>
+          <p:cNvPr id="2" name="标题 1"/>
+          <p:cNvSpPr>
+            <a:spLocks noGrp="1"/>
+          </p:cNvSpPr>
+          <p:nvPr>
+            <p:ph type="title"/>
+          </p:nvPr>
+        </p:nvSpPr>
+        <p:spPr>
+          <a:xfrm>
+            <a:off x="1211434" y="750923"/>
+            <a:ext cx="9603275" cy="636354"/>
+          </a:xfrm>
+        </p:spPr>
+        <p:txBody>
+          <a:bodyPr/>
+          <a:lstStyle/>
+          <a:p>
+            <a:r>
+              <a:rPr lang="en-US" altLang="zh-CN" dirty="0"/>
+              <a:t>Improved </a:t>
+            </a:r>
+            <a:r>
+              <a:rPr lang="en-US" altLang="zh-CN" dirty="0" smtClean="0"/>
+              <a:t>model(2)</a:t>
+            </a:r>
+            <a:endParaRPr lang="zh-CN" altLang="en-US" dirty="0"/>
+          </a:p>
+        </p:txBody>
+      </p:sp>
+      <p:sp>
+        <p:nvSpPr>
+          <p:cNvPr id="3" name="内容占位符 2"/>
+          <p:cNvSpPr>
+            <a:spLocks noGrp="1"/>
+          </p:cNvSpPr>
+          <p:nvPr>
+            <p:ph idx="1"/>
+          </p:nvPr>
+        </p:nvSpPr>
+        <p:spPr>
+          <a:xfrm>
+            <a:off x="8737600" y="2015731"/>
+            <a:ext cx="2835563" cy="3793941"/>
+          </a:xfrm>
+        </p:spPr>
         <p:txBody>
           <a:bodyPr>
             <a:normAutofit/>
@@ -7850,135 +5596,113 @@
           <a:lstStyle/>
           <a:p>
             <a:r>
-              <a:rPr lang="en-US" altLang="zh-CN" sz="6000" kern="100" dirty="0">
-                <a:effectLst/>
-                <a:latin typeface="Calibri" panose="020F0502020204030204" pitchFamily="34" charset="0"/>
-                <a:ea typeface="等线" panose="02010600030101010101" pitchFamily="2" charset="-122"/>
-                <a:cs typeface="Times New Roman" panose="02020603050405020304" pitchFamily="18" charset="0"/>
-              </a:rPr>
-              <a:t>Script Character Emotion Recognition</a:t>
-            </a:r>
-            <a:endParaRPr lang="zh-CN" altLang="en-US" sz="6000" dirty="0"/>
-          </a:p>
-        </p:txBody>
-      </p:sp>
-      <p:sp>
-        <p:nvSpPr>
-          <p:cNvPr id="3" name="副标题 2">
+              <a:rPr lang="en-US" altLang="zh-CN" dirty="0" smtClean="0"/>
+              <a:t>Separate character from script text</a:t>
+            </a:r>
+          </a:p>
+          <a:p>
+            <a:r>
+              <a:rPr lang="en-US" altLang="zh-CN" dirty="0" smtClean="0"/>
+              <a:t>Referring to the QA task, Character is regarded as question, script text is regarded as paragraph </a:t>
+            </a:r>
+          </a:p>
+          <a:p>
+            <a:r>
+              <a:rPr lang="en-US" altLang="zh-CN" dirty="0" smtClean="0"/>
+              <a:t>Attention mechanism in side the BERT</a:t>
+            </a:r>
+          </a:p>
+          <a:p>
+            <a:endParaRPr lang="en-US" altLang="zh-CN" dirty="0" smtClean="0"/>
+          </a:p>
+          <a:p>
+            <a:endParaRPr lang="zh-CN" altLang="en-US" dirty="0"/>
+          </a:p>
+        </p:txBody>
+      </p:sp>
+      <p:pic>
+        <p:nvPicPr>
+          <p:cNvPr id="4" name="图片 3" descr="D:\work\tts\code\github\script_emotion\graph\qa.png"/>
+          <p:cNvPicPr/>
+          <p:nvPr/>
+        </p:nvPicPr>
+        <p:blipFill>
+          <a:blip r:embed="rId2">
             <a:extLst>
-              <a:ext uri="{FF2B5EF4-FFF2-40B4-BE49-F238E27FC236}">
-                <a16:creationId xmlns:a16="http://schemas.microsoft.com/office/drawing/2014/main" id="{0437BC55-7BA9-44E3-862A-0EB0D4D526C2}"/>
+              <a:ext uri="{28A0092B-C50C-407E-A947-70E740481C1C}">
+                <a14:useLocalDpi xmlns:a14="http://schemas.microsoft.com/office/drawing/2010/main" val="0"/>
               </a:ext>
             </a:extLst>
-          </p:cNvPr>
-          <p:cNvSpPr>
-            <a:spLocks noGrp="1"/>
-          </p:cNvSpPr>
-          <p:nvPr>
-            <p:ph type="subTitle" idx="1"/>
-          </p:nvPr>
-        </p:nvSpPr>
-        <p:spPr>
+          </a:blip>
+          <a:srcRect/>
+          <a:stretch>
+            <a:fillRect/>
+          </a:stretch>
+        </p:blipFill>
+        <p:spPr bwMode="auto">
           <a:xfrm>
-            <a:off x="2417780" y="3531204"/>
-            <a:ext cx="8637072" cy="2524498"/>
+            <a:off x="-120073" y="2143550"/>
+            <a:ext cx="5366327" cy="4054050"/>
           </a:xfrm>
+          <a:prstGeom prst="rect">
+            <a:avLst/>
+          </a:prstGeom>
+          <a:noFill/>
+          <a:ln>
+            <a:noFill/>
+          </a:ln>
         </p:spPr>
-        <p:txBody>
-          <a:bodyPr>
-            <a:normAutofit fontScale="92500" lnSpcReduction="20000"/>
-          </a:bodyPr>
-          <a:lstStyle/>
-          <a:p>
-            <a:r>
-              <a:rPr lang="en-US" altLang="zh-CN" sz="2800" dirty="0">
-                <a:latin typeface="Calibri" panose="020F0502020204030204" pitchFamily="34" charset="0"/>
-                <a:cs typeface="Calibri" panose="020F0502020204030204" pitchFamily="34" charset="0"/>
-              </a:rPr>
-              <a:t>CS 584 Team 39 Presentation</a:t>
-            </a:r>
-          </a:p>
-          <a:p>
-            <a:pPr algn="r">
-              <a:lnSpc>
-                <a:spcPct val="150000"/>
-              </a:lnSpc>
-            </a:pPr>
-            <a:r>
-              <a:rPr lang="en-US" altLang="zh-CN" sz="2800" kern="100" dirty="0">
-                <a:effectLst/>
-                <a:latin typeface="Calibri" panose="020F0502020204030204" pitchFamily="34" charset="0"/>
-                <a:ea typeface="等线" panose="02010600030101010101" pitchFamily="2" charset="-122"/>
-                <a:cs typeface="Calibri" panose="020F0502020204030204" pitchFamily="34" charset="0"/>
-              </a:rPr>
-              <a:t>Biao Sun 	A20475197</a:t>
-            </a:r>
-            <a:endParaRPr lang="zh-CN" altLang="zh-CN" sz="2800" kern="100" dirty="0">
-              <a:effectLst/>
-              <a:latin typeface="Calibri" panose="020F0502020204030204" pitchFamily="34" charset="0"/>
-              <a:ea typeface="等线" panose="02010600030101010101" pitchFamily="2" charset="-122"/>
-              <a:cs typeface="Calibri" panose="020F0502020204030204" pitchFamily="34" charset="0"/>
-            </a:endParaRPr>
-          </a:p>
-          <a:p>
-            <a:pPr algn="r">
-              <a:lnSpc>
-                <a:spcPct val="150000"/>
-              </a:lnSpc>
-            </a:pPr>
-            <a:r>
-              <a:rPr lang="en-US" altLang="zh-CN" sz="2800" kern="100" dirty="0">
-                <a:effectLst/>
-                <a:latin typeface="Calibri" panose="020F0502020204030204" pitchFamily="34" charset="0"/>
-                <a:ea typeface="等线" panose="02010600030101010101" pitchFamily="2" charset="-122"/>
-                <a:cs typeface="Calibri" panose="020F0502020204030204" pitchFamily="34" charset="0"/>
-              </a:rPr>
-              <a:t>Jianhua Tu 	A20480216</a:t>
-            </a:r>
-            <a:endParaRPr lang="zh-CN" altLang="zh-CN" sz="2800" kern="100" dirty="0">
-              <a:effectLst/>
-              <a:latin typeface="Calibri" panose="020F0502020204030204" pitchFamily="34" charset="0"/>
-              <a:ea typeface="等线" panose="02010600030101010101" pitchFamily="2" charset="-122"/>
-              <a:cs typeface="Calibri" panose="020F0502020204030204" pitchFamily="34" charset="0"/>
-            </a:endParaRPr>
-          </a:p>
-          <a:p>
-            <a:pPr algn="r">
-              <a:lnSpc>
-                <a:spcPct val="150000"/>
-              </a:lnSpc>
-            </a:pPr>
-            <a:r>
-              <a:rPr lang="en-US" altLang="zh-CN" sz="2800" kern="100" dirty="0">
-                <a:effectLst/>
-                <a:latin typeface="Calibri" panose="020F0502020204030204" pitchFamily="34" charset="0"/>
-                <a:ea typeface="等线" panose="02010600030101010101" pitchFamily="2" charset="-122"/>
-                <a:cs typeface="Calibri" panose="020F0502020204030204" pitchFamily="34" charset="0"/>
-              </a:rPr>
-              <a:t>Ye Yu 		A20478640</a:t>
-            </a:r>
-            <a:endParaRPr lang="zh-CN" altLang="zh-CN" sz="2800" kern="100" dirty="0">
-              <a:effectLst/>
-              <a:latin typeface="Calibri" panose="020F0502020204030204" pitchFamily="34" charset="0"/>
-              <a:ea typeface="等线" panose="02010600030101010101" pitchFamily="2" charset="-122"/>
-              <a:cs typeface="Calibri" panose="020F0502020204030204" pitchFamily="34" charset="0"/>
-            </a:endParaRPr>
-          </a:p>
-          <a:p>
-            <a:endParaRPr lang="zh-CN" altLang="en-US" dirty="0"/>
-          </a:p>
-        </p:txBody>
-      </p:sp>
+      </p:pic>
+      <p:pic>
+        <p:nvPicPr>
+          <p:cNvPr id="5" name="图片 4" descr="D:\MyData\tujh\AppData\Local\Temp\1637505408(1).png"/>
+          <p:cNvPicPr/>
+          <p:nvPr/>
+        </p:nvPicPr>
+        <p:blipFill>
+          <a:blip r:embed="rId3">
+            <a:extLst>
+              <a:ext uri="{28A0092B-C50C-407E-A947-70E740481C1C}">
+                <a14:useLocalDpi xmlns:a14="http://schemas.microsoft.com/office/drawing/2010/main" val="0"/>
+              </a:ext>
+            </a:extLst>
+          </a:blip>
+          <a:srcRect/>
+          <a:stretch>
+            <a:fillRect/>
+          </a:stretch>
+        </p:blipFill>
+        <p:spPr bwMode="auto">
+          <a:xfrm>
+            <a:off x="5315527" y="2513393"/>
+            <a:ext cx="3352800" cy="3063240"/>
+          </a:xfrm>
+          <a:prstGeom prst="rect">
+            <a:avLst/>
+          </a:prstGeom>
+          <a:noFill/>
+          <a:ln>
+            <a:noFill/>
+          </a:ln>
+        </p:spPr>
+      </p:pic>
     </p:spTree>
     <p:extLst>
       <p:ext uri="{BB962C8B-B14F-4D97-AF65-F5344CB8AC3E}">
-        <p14:creationId xmlns:p14="http://schemas.microsoft.com/office/powerpoint/2010/main" val="2216973053"/>
+        <p14:creationId xmlns:p14="http://schemas.microsoft.com/office/powerpoint/2010/main" val="2891131073"/>
       </p:ext>
     </p:extLst>
   </p:cSld>
   <p:clrMapOvr>
     <a:masterClrMapping/>
   </p:clrMapOvr>
+  <p:timing>
+    <p:tnLst>
+      <p:par>
+        <p:cTn id="1" dur="indefinite" restart="never" nodeType="tmRoot"/>
+      </p:par>
+    </p:tnLst>
+  </p:timing>
 </p:sld>
 </file>
 
@@ -8011,13 +5735,11 @@
         </p:nvSpPr>
         <p:spPr/>
         <p:txBody>
-          <a:bodyPr>
-            <a:normAutofit fontScale="90000"/>
-          </a:bodyPr>
-          <a:lstStyle/>
-          <a:p>
-            <a:r>
-              <a:rPr lang="en-US" altLang="zh-CN" dirty="0" smtClean="0"/>
+          <a:bodyPr/>
+          <a:lstStyle/>
+          <a:p>
+            <a:r>
+              <a:rPr lang="en-US" altLang="zh-CN" dirty="0"/>
               <a:t>Baseline model’s </a:t>
             </a:r>
             <a:r>
@@ -8026,121 +5748,60 @@
             </a:r>
             <a:r>
               <a:rPr lang="en-US" altLang="zh-CN" dirty="0" smtClean="0"/>
-              <a:t> &amp; </a:t>
-            </a:r>
-            <a:r>
-              <a:rPr lang="en-US" altLang="zh-CN" dirty="0" err="1" smtClean="0"/>
-              <a:t>improvment</a:t>
+              <a:t> </a:t>
+            </a:r>
+            <a:r>
+              <a:rPr lang="zh-CN" altLang="en-US" dirty="0" smtClean="0"/>
+              <a:t>（</a:t>
             </a:r>
             <a:r>
               <a:rPr lang="en-US" altLang="zh-CN" dirty="0" smtClean="0"/>
-              <a:t/>
-            </a:r>
-            <a:br>
+              <a:t>3</a:t>
+            </a:r>
+            <a:r>
+              <a:rPr lang="zh-CN" altLang="en-US" dirty="0" smtClean="0"/>
+              <a:t>）</a:t>
+            </a:r>
+            <a:endParaRPr lang="zh-CN" altLang="en-US" dirty="0"/>
+          </a:p>
+        </p:txBody>
+      </p:sp>
+      <p:sp>
+        <p:nvSpPr>
+          <p:cNvPr id="3" name="内容占位符 2"/>
+          <p:cNvSpPr>
+            <a:spLocks noGrp="1"/>
+          </p:cNvSpPr>
+          <p:nvPr>
+            <p:ph idx="1"/>
+          </p:nvPr>
+        </p:nvSpPr>
+        <p:spPr/>
+        <p:txBody>
+          <a:bodyPr/>
+          <a:lstStyle/>
+          <a:p>
+            <a:endParaRPr lang="en-US" altLang="zh-CN" dirty="0" smtClean="0"/>
+          </a:p>
+          <a:p>
+            <a:r>
               <a:rPr lang="en-US" altLang="zh-CN" dirty="0" smtClean="0"/>
-            </a:br>
-            <a:r>
-              <a:rPr lang="en-US" altLang="zh-CN" dirty="0"/>
-              <a:t>	</a:t>
-            </a:r>
+              <a:t>Baseline model doesn’t use the context, the input sentence is only the current one sentence</a:t>
+            </a:r>
+          </a:p>
+          <a:p>
             <a:r>
               <a:rPr lang="en-US" altLang="zh-CN" dirty="0" smtClean="0"/>
-              <a:t>						by </a:t>
-            </a:r>
-            <a:r>
-              <a:rPr lang="en-US" altLang="zh-CN" kern="100" dirty="0">
-                <a:latin typeface="Calibri" panose="020F0502020204030204" pitchFamily="34" charset="0"/>
-                <a:ea typeface="等线" panose="02010600030101010101" pitchFamily="2" charset="-122"/>
-                <a:cs typeface="Calibri" panose="020F0502020204030204" pitchFamily="34" charset="0"/>
-              </a:rPr>
-              <a:t>Jianhua Tu </a:t>
+              <a:t>Sometimes the historic sentences help to predict the emotion.</a:t>
             </a:r>
             <a:endParaRPr lang="zh-CN" altLang="en-US" dirty="0"/>
           </a:p>
         </p:txBody>
       </p:sp>
-      <p:sp>
-        <p:nvSpPr>
-          <p:cNvPr id="3" name="内容占位符 2"/>
-          <p:cNvSpPr>
-            <a:spLocks noGrp="1"/>
-          </p:cNvSpPr>
-          <p:nvPr>
-            <p:ph idx="1"/>
-          </p:nvPr>
-        </p:nvSpPr>
-        <p:spPr>
-          <a:xfrm>
-            <a:off x="1451579" y="2015732"/>
-            <a:ext cx="9603275" cy="902959"/>
-          </a:xfrm>
-        </p:spPr>
-        <p:txBody>
-          <a:bodyPr>
-            <a:normAutofit lnSpcReduction="10000"/>
-          </a:bodyPr>
-          <a:lstStyle/>
-          <a:p>
-            <a:r>
-              <a:rPr lang="en-US" altLang="zh-CN" dirty="0" smtClean="0"/>
-              <a:t>W</a:t>
-            </a:r>
-            <a:r>
-              <a:rPr lang="en-US" altLang="zh-CN" dirty="0" smtClean="0"/>
-              <a:t>e use existing python package </a:t>
-            </a:r>
-            <a:r>
-              <a:rPr lang="en-US" altLang="zh-CN" dirty="0" err="1" smtClean="0"/>
-              <a:t>simpletransformers</a:t>
-            </a:r>
-            <a:r>
-              <a:rPr lang="en-US" altLang="zh-CN" dirty="0" smtClean="0"/>
-              <a:t> to build the baseline models quickly</a:t>
-            </a:r>
-          </a:p>
-          <a:p>
-            <a:r>
-              <a:rPr lang="en-US" altLang="zh-CN" dirty="0" smtClean="0"/>
-              <a:t>But it has shortcomings or limitations</a:t>
-            </a:r>
-            <a:endParaRPr lang="zh-CN" altLang="en-US" dirty="0"/>
-          </a:p>
-        </p:txBody>
-      </p:sp>
-      <p:pic>
-        <p:nvPicPr>
-          <p:cNvPr id="4" name="图片 3"/>
-          <p:cNvPicPr>
-            <a:picLocks noChangeAspect="1"/>
-          </p:cNvPicPr>
-          <p:nvPr/>
-        </p:nvPicPr>
-        <p:blipFill>
-          <a:blip r:embed="rId2">
-            <a:extLst>
-              <a:ext uri="{28A0092B-C50C-407E-A947-70E740481C1C}">
-                <a14:useLocalDpi xmlns:a14="http://schemas.microsoft.com/office/drawing/2010/main" val="0"/>
-              </a:ext>
-            </a:extLst>
-          </a:blip>
-          <a:stretch>
-            <a:fillRect/>
-          </a:stretch>
-        </p:blipFill>
-        <p:spPr>
-          <a:xfrm>
-            <a:off x="2313473" y="3098916"/>
-            <a:ext cx="8100762" cy="2636748"/>
-          </a:xfrm>
-          <a:prstGeom prst="rect">
-            <a:avLst/>
-          </a:prstGeom>
-        </p:spPr>
-      </p:pic>
     </p:spTree>
     <p:extLst>
       <p:ext uri="{BB962C8B-B14F-4D97-AF65-F5344CB8AC3E}">
-        <p14:creationId xmlns:p14="http://schemas.microsoft.com/office/powerpoint/2010/main" val="13369820"/>
+        <p14:creationId xmlns:p14="http://schemas.microsoft.com/office/powerpoint/2010/main" val="1710844676"/>
       </p:ext>
     </p:extLst>
   </p:cSld>
@@ -8195,7 +5856,7 @@
             </a:r>
             <a:r>
               <a:rPr lang="en-US" altLang="zh-CN" dirty="0" smtClean="0"/>
-              <a:t>models</a:t>
+              <a:t>model(3)</a:t>
             </a:r>
             <a:endParaRPr lang="zh-CN" altLang="en-US" dirty="0"/>
           </a:p>
@@ -8211,48 +5872,127 @@
             <p:ph idx="1"/>
           </p:nvPr>
         </p:nvSpPr>
-        <p:spPr/>
+        <p:spPr>
+          <a:xfrm>
+            <a:off x="1451580" y="2015732"/>
+            <a:ext cx="4376566" cy="3450613"/>
+          </a:xfrm>
+        </p:spPr>
         <p:txBody>
           <a:bodyPr/>
           <a:lstStyle/>
           <a:p>
             <a:r>
               <a:rPr lang="en-US" altLang="zh-CN" dirty="0" smtClean="0"/>
-              <a:t>We </a:t>
+              <a:t>Preprocess the </a:t>
+            </a:r>
+            <a:r>
+              <a:rPr lang="en-US" altLang="zh-CN" dirty="0" err="1" smtClean="0"/>
+              <a:t>data:make</a:t>
             </a:r>
             <a:r>
               <a:rPr lang="en-US" altLang="zh-CN" dirty="0" smtClean="0"/>
-              <a:t>rebuilt the network with </a:t>
-            </a:r>
-            <a:r>
-              <a:rPr lang="en-US" altLang="zh-CN" dirty="0" err="1" smtClean="0"/>
-              <a:t>Pytorch</a:t>
-            </a:r>
+              <a:t> a script text list, remove duplicates and sort them by the sentence id</a:t>
+            </a:r>
+          </a:p>
+          <a:p>
             <a:r>
               <a:rPr lang="en-US" altLang="zh-CN" dirty="0" smtClean="0"/>
-              <a:t> which allows us freely define the structure and loss functions</a:t>
-            </a:r>
-          </a:p>
-          <a:p>
+              <a:t>Find </a:t>
+            </a:r>
+            <a:r>
+              <a:rPr lang="en-US" altLang="zh-CN" dirty="0"/>
+              <a:t>previous 2 </a:t>
+            </a:r>
             <a:r>
               <a:rPr lang="en-US" altLang="zh-CN" dirty="0" smtClean="0"/>
-              <a:t>We built 3 </a:t>
+              <a:t>texts by sentence id, and merge them </a:t>
+            </a:r>
+            <a:r>
+              <a:rPr lang="en-US" altLang="zh-CN" dirty="0"/>
+              <a:t>into current text </a:t>
             </a:r>
             <a:r>
               <a:rPr lang="en-US" altLang="zh-CN" dirty="0" smtClean="0"/>
-              <a:t>versions with </a:t>
-            </a:r>
+              <a:t>to generate a longer text </a:t>
+            </a:r>
+          </a:p>
+          <a:p>
             <a:r>
               <a:rPr lang="en-US" altLang="zh-CN" dirty="0" smtClean="0"/>
-              <a:t>suitable network structure and overcome the shortcomings step by step</a:t>
-            </a:r>
-          </a:p>
-        </p:txBody>
-      </p:sp>
+              <a:t>Use the same structure of the improved model 2</a:t>
+            </a:r>
+            <a:endParaRPr lang="en-US" altLang="zh-CN" dirty="0"/>
+          </a:p>
+          <a:p>
+            <a:endParaRPr lang="zh-CN" altLang="en-US" dirty="0"/>
+          </a:p>
+        </p:txBody>
+      </p:sp>
+      <p:pic>
+        <p:nvPicPr>
+          <p:cNvPr id="4" name="图片 3"/>
+          <p:cNvPicPr>
+            <a:picLocks noChangeAspect="1"/>
+          </p:cNvPicPr>
+          <p:nvPr/>
+        </p:nvPicPr>
+        <p:blipFill>
+          <a:blip r:embed="rId2">
+            <a:extLst>
+              <a:ext uri="{28A0092B-C50C-407E-A947-70E740481C1C}">
+                <a14:useLocalDpi xmlns:a14="http://schemas.microsoft.com/office/drawing/2010/main" val="0"/>
+              </a:ext>
+            </a:extLst>
+          </a:blip>
+          <a:stretch>
+            <a:fillRect/>
+          </a:stretch>
+        </p:blipFill>
+        <p:spPr>
+          <a:xfrm>
+            <a:off x="1759990" y="5278829"/>
+            <a:ext cx="8746305" cy="349494"/>
+          </a:xfrm>
+          <a:prstGeom prst="rect">
+            <a:avLst/>
+          </a:prstGeom>
+        </p:spPr>
+      </p:pic>
+      <p:pic>
+        <p:nvPicPr>
+          <p:cNvPr id="6" name="图片 5"/>
+          <p:cNvPicPr>
+            <a:picLocks noChangeAspect="1"/>
+          </p:cNvPicPr>
+          <p:nvPr/>
+        </p:nvPicPr>
+        <p:blipFill>
+          <a:blip r:embed="rId3">
+            <a:extLst>
+              <a:ext uri="{28A0092B-C50C-407E-A947-70E740481C1C}">
+                <a14:useLocalDpi xmlns:a14="http://schemas.microsoft.com/office/drawing/2010/main" val="0"/>
+              </a:ext>
+            </a:extLst>
+          </a:blip>
+          <a:stretch>
+            <a:fillRect/>
+          </a:stretch>
+        </p:blipFill>
+        <p:spPr>
+          <a:xfrm>
+            <a:off x="5828146" y="2131629"/>
+            <a:ext cx="5349704" cy="2834886"/>
+          </a:xfrm>
+          <a:prstGeom prst="rect">
+            <a:avLst/>
+          </a:prstGeom>
+        </p:spPr>
+      </p:pic>
     </p:spTree>
     <p:extLst>
       <p:ext uri="{BB962C8B-B14F-4D97-AF65-F5344CB8AC3E}">
-        <p14:creationId xmlns:p14="http://schemas.microsoft.com/office/powerpoint/2010/main" val="4292693841"/>
+        <p14:creationId xmlns:p14="http://schemas.microsoft.com/office/powerpoint/2010/main" val="1659269845"/>
       </p:ext>
     </p:extLst>
   </p:cSld>
